--- a/prova_azoresbot/mapas/Marcadores_Visuais.pptx
+++ b/prova_azoresbot/mapas/Marcadores_Visuais.pptx
@@ -7,12 +7,17 @@
   <p:sldIdLst>
     <p:sldId id="263" r:id="rId2"/>
     <p:sldId id="256" r:id="rId3"/>
-    <p:sldId id="257" r:id="rId4"/>
-    <p:sldId id="258" r:id="rId5"/>
-    <p:sldId id="259" r:id="rId6"/>
-    <p:sldId id="260" r:id="rId7"/>
-    <p:sldId id="261" r:id="rId8"/>
-    <p:sldId id="262" r:id="rId9"/>
+    <p:sldId id="264" r:id="rId4"/>
+    <p:sldId id="257" r:id="rId5"/>
+    <p:sldId id="265" r:id="rId6"/>
+    <p:sldId id="258" r:id="rId7"/>
+    <p:sldId id="266" r:id="rId8"/>
+    <p:sldId id="259" r:id="rId9"/>
+    <p:sldId id="267" r:id="rId10"/>
+    <p:sldId id="260" r:id="rId11"/>
+    <p:sldId id="268" r:id="rId12"/>
+    <p:sldId id="261" r:id="rId13"/>
+    <p:sldId id="262" r:id="rId14"/>
   </p:sldIdLst>
   <p:sldSz cx="9906000" cy="6858000" type="A4"/>
   <p:notesSz cx="6858000" cy="9144000"/>
@@ -261,7 +266,7 @@
           <a:p>
             <a:fld id="{79EFB295-D769-486E-BA7F-85DEED8638D7}" type="datetimeFigureOut">
               <a:rPr lang="pt-PT" smtClean="0"/>
-              <a:t>26/05/2025</a:t>
+              <a:t>08/06/2025</a:t>
             </a:fld>
             <a:endParaRPr lang="pt-PT"/>
           </a:p>
@@ -431,7 +436,7 @@
           <a:p>
             <a:fld id="{79EFB295-D769-486E-BA7F-85DEED8638D7}" type="datetimeFigureOut">
               <a:rPr lang="pt-PT" smtClean="0"/>
-              <a:t>26/05/2025</a:t>
+              <a:t>08/06/2025</a:t>
             </a:fld>
             <a:endParaRPr lang="pt-PT"/>
           </a:p>
@@ -611,7 +616,7 @@
           <a:p>
             <a:fld id="{79EFB295-D769-486E-BA7F-85DEED8638D7}" type="datetimeFigureOut">
               <a:rPr lang="pt-PT" smtClean="0"/>
-              <a:t>26/05/2025</a:t>
+              <a:t>08/06/2025</a:t>
             </a:fld>
             <a:endParaRPr lang="pt-PT"/>
           </a:p>
@@ -781,7 +786,7 @@
           <a:p>
             <a:fld id="{79EFB295-D769-486E-BA7F-85DEED8638D7}" type="datetimeFigureOut">
               <a:rPr lang="pt-PT" smtClean="0"/>
-              <a:t>26/05/2025</a:t>
+              <a:t>08/06/2025</a:t>
             </a:fld>
             <a:endParaRPr lang="pt-PT"/>
           </a:p>
@@ -1027,7 +1032,7 @@
           <a:p>
             <a:fld id="{79EFB295-D769-486E-BA7F-85DEED8638D7}" type="datetimeFigureOut">
               <a:rPr lang="pt-PT" smtClean="0"/>
-              <a:t>26/05/2025</a:t>
+              <a:t>08/06/2025</a:t>
             </a:fld>
             <a:endParaRPr lang="pt-PT"/>
           </a:p>
@@ -1259,7 +1264,7 @@
           <a:p>
             <a:fld id="{79EFB295-D769-486E-BA7F-85DEED8638D7}" type="datetimeFigureOut">
               <a:rPr lang="pt-PT" smtClean="0"/>
-              <a:t>26/05/2025</a:t>
+              <a:t>08/06/2025</a:t>
             </a:fld>
             <a:endParaRPr lang="pt-PT"/>
           </a:p>
@@ -1626,7 +1631,7 @@
           <a:p>
             <a:fld id="{79EFB295-D769-486E-BA7F-85DEED8638D7}" type="datetimeFigureOut">
               <a:rPr lang="pt-PT" smtClean="0"/>
-              <a:t>26/05/2025</a:t>
+              <a:t>08/06/2025</a:t>
             </a:fld>
             <a:endParaRPr lang="pt-PT"/>
           </a:p>
@@ -1744,7 +1749,7 @@
           <a:p>
             <a:fld id="{79EFB295-D769-486E-BA7F-85DEED8638D7}" type="datetimeFigureOut">
               <a:rPr lang="pt-PT" smtClean="0"/>
-              <a:t>26/05/2025</a:t>
+              <a:t>08/06/2025</a:t>
             </a:fld>
             <a:endParaRPr lang="pt-PT"/>
           </a:p>
@@ -1839,7 +1844,7 @@
           <a:p>
             <a:fld id="{79EFB295-D769-486E-BA7F-85DEED8638D7}" type="datetimeFigureOut">
               <a:rPr lang="pt-PT" smtClean="0"/>
-              <a:t>26/05/2025</a:t>
+              <a:t>08/06/2025</a:t>
             </a:fld>
             <a:endParaRPr lang="pt-PT"/>
           </a:p>
@@ -2116,7 +2121,7 @@
           <a:p>
             <a:fld id="{79EFB295-D769-486E-BA7F-85DEED8638D7}" type="datetimeFigureOut">
               <a:rPr lang="pt-PT" smtClean="0"/>
-              <a:t>26/05/2025</a:t>
+              <a:t>08/06/2025</a:t>
             </a:fld>
             <a:endParaRPr lang="pt-PT"/>
           </a:p>
@@ -2373,7 +2378,7 @@
           <a:p>
             <a:fld id="{79EFB295-D769-486E-BA7F-85DEED8638D7}" type="datetimeFigureOut">
               <a:rPr lang="pt-PT" smtClean="0"/>
-              <a:t>26/05/2025</a:t>
+              <a:t>08/06/2025</a:t>
             </a:fld>
             <a:endParaRPr lang="pt-PT"/>
           </a:p>
@@ -2586,7 +2591,7 @@
           <a:p>
             <a:fld id="{79EFB295-D769-486E-BA7F-85DEED8638D7}" type="datetimeFigureOut">
               <a:rPr lang="pt-PT" smtClean="0"/>
-              <a:t>26/05/2025</a:t>
+              <a:t>08/06/2025</a:t>
             </a:fld>
             <a:endParaRPr lang="pt-PT"/>
           </a:p>
@@ -3081,6 +3086,3686 @@
 </p:sld>
 </file>
 
+<file path=ppt/slides/slide10.xml><?xml version="1.0" encoding="utf-8"?>
+<p:sld xmlns:a="http://schemas.openxmlformats.org/drawingml/2006/main" xmlns:r="http://schemas.openxmlformats.org/officeDocument/2006/relationships" xmlns:p="http://schemas.openxmlformats.org/presentationml/2006/main">
+  <p:cSld>
+    <p:bg>
+      <p:bgPr>
+        <a:solidFill>
+          <a:srgbClr val="FFFFFF"/>
+        </a:solidFill>
+        <a:effectLst/>
+      </p:bgPr>
+    </p:bg>
+    <p:spTree>
+      <p:nvGrpSpPr>
+        <p:cNvPr id="1" name="">
+          <a:extLst>
+            <a:ext uri="{FF2B5EF4-FFF2-40B4-BE49-F238E27FC236}">
+              <a16:creationId xmlns:a16="http://schemas.microsoft.com/office/drawing/2014/main" id="{28068FC3-61D0-FDE6-D1BB-50DA4834260C}"/>
+            </a:ext>
+          </a:extLst>
+        </p:cNvPr>
+        <p:cNvGrpSpPr/>
+        <p:nvPr/>
+      </p:nvGrpSpPr>
+      <p:grpSpPr>
+        <a:xfrm>
+          <a:off x="0" y="0"/>
+          <a:ext cx="0" cy="0"/>
+          <a:chOff x="0" y="0"/>
+          <a:chExt cx="0" cy="0"/>
+        </a:xfrm>
+      </p:grpSpPr>
+      <p:sp>
+        <p:nvSpPr>
+          <p:cNvPr id="5" name="Retângulo 4">
+            <a:extLst>
+              <a:ext uri="{FF2B5EF4-FFF2-40B4-BE49-F238E27FC236}">
+                <a16:creationId xmlns:a16="http://schemas.microsoft.com/office/drawing/2014/main" id="{F8B608EB-7F3F-03DD-E988-941DD705F544}"/>
+              </a:ext>
+            </a:extLst>
+          </p:cNvPr>
+          <p:cNvSpPr/>
+          <p:nvPr/>
+        </p:nvSpPr>
+        <p:spPr>
+          <a:xfrm>
+            <a:off x="3503475" y="561974"/>
+            <a:ext cx="2880000" cy="2880000"/>
+          </a:xfrm>
+          <a:prstGeom prst="rect">
+            <a:avLst/>
+          </a:prstGeom>
+          <a:noFill/>
+        </p:spPr>
+        <p:style>
+          <a:lnRef idx="2">
+            <a:schemeClr val="accent1">
+              <a:shade val="15000"/>
+            </a:schemeClr>
+          </a:lnRef>
+          <a:fillRef idx="1">
+            <a:schemeClr val="accent1"/>
+          </a:fillRef>
+          <a:effectRef idx="0">
+            <a:schemeClr val="accent1"/>
+          </a:effectRef>
+          <a:fontRef idx="minor">
+            <a:schemeClr val="lt1"/>
+          </a:fontRef>
+        </p:style>
+        <p:txBody>
+          <a:bodyPr rtlCol="0" anchor="ctr"/>
+          <a:lstStyle/>
+          <a:p>
+            <a:pPr algn="ctr"/>
+            <a:endParaRPr lang="pt-PT"/>
+          </a:p>
+        </p:txBody>
+      </p:sp>
+      <p:sp>
+        <p:nvSpPr>
+          <p:cNvPr id="10" name="CaixaDeTexto 9">
+            <a:extLst>
+              <a:ext uri="{FF2B5EF4-FFF2-40B4-BE49-F238E27FC236}">
+                <a16:creationId xmlns:a16="http://schemas.microsoft.com/office/drawing/2014/main" id="{4DB1D1E8-2D36-090F-8AFD-D45B26A18AD3}"/>
+              </a:ext>
+            </a:extLst>
+          </p:cNvPr>
+          <p:cNvSpPr txBox="1"/>
+          <p:nvPr/>
+        </p:nvSpPr>
+        <p:spPr>
+          <a:xfrm>
+            <a:off x="6786562" y="160569"/>
+            <a:ext cx="2366962" cy="369332"/>
+          </a:xfrm>
+          <a:prstGeom prst="rect">
+            <a:avLst/>
+          </a:prstGeom>
+          <a:noFill/>
+        </p:spPr>
+        <p:txBody>
+          <a:bodyPr wrap="square" rtlCol="0">
+            <a:spAutoFit/>
+          </a:bodyPr>
+          <a:lstStyle/>
+          <a:p>
+            <a:pPr algn="r"/>
+            <a:r>
+              <a:rPr lang="pt-PT" b="1" dirty="0"/>
+              <a:t>Marcador ID 5</a:t>
+            </a:r>
+          </a:p>
+        </p:txBody>
+      </p:sp>
+      <p:sp>
+        <p:nvSpPr>
+          <p:cNvPr id="11" name="CaixaDeTexto 10">
+            <a:extLst>
+              <a:ext uri="{FF2B5EF4-FFF2-40B4-BE49-F238E27FC236}">
+                <a16:creationId xmlns:a16="http://schemas.microsoft.com/office/drawing/2014/main" id="{EA2DC414-7546-01AB-047A-7A9829A4CDDA}"/>
+              </a:ext>
+            </a:extLst>
+          </p:cNvPr>
+          <p:cNvSpPr txBox="1"/>
+          <p:nvPr/>
+        </p:nvSpPr>
+        <p:spPr>
+          <a:xfrm>
+            <a:off x="3119437" y="179619"/>
+            <a:ext cx="3667125" cy="369332"/>
+          </a:xfrm>
+          <a:prstGeom prst="rect">
+            <a:avLst/>
+          </a:prstGeom>
+          <a:noFill/>
+        </p:spPr>
+        <p:txBody>
+          <a:bodyPr wrap="square" rtlCol="0">
+            <a:spAutoFit/>
+          </a:bodyPr>
+          <a:lstStyle/>
+          <a:p>
+            <a:pPr algn="ctr"/>
+            <a:r>
+              <a:rPr lang="pt-PT" b="1" dirty="0"/>
+              <a:t>Cruz Magenta</a:t>
+            </a:r>
+          </a:p>
+        </p:txBody>
+      </p:sp>
+      <p:sp>
+        <p:nvSpPr>
+          <p:cNvPr id="16" name="Retângulo 15">
+            <a:extLst>
+              <a:ext uri="{FF2B5EF4-FFF2-40B4-BE49-F238E27FC236}">
+                <a16:creationId xmlns:a16="http://schemas.microsoft.com/office/drawing/2014/main" id="{C8E77EBC-4A73-4BD8-810D-6DDD3EBC4449}"/>
+              </a:ext>
+            </a:extLst>
+          </p:cNvPr>
+          <p:cNvSpPr/>
+          <p:nvPr/>
+        </p:nvSpPr>
+        <p:spPr>
+          <a:xfrm>
+            <a:off x="6530043" y="561974"/>
+            <a:ext cx="2880000" cy="2880000"/>
+          </a:xfrm>
+          <a:prstGeom prst="rect">
+            <a:avLst/>
+          </a:prstGeom>
+          <a:noFill/>
+        </p:spPr>
+        <p:style>
+          <a:lnRef idx="2">
+            <a:schemeClr val="accent1">
+              <a:shade val="15000"/>
+            </a:schemeClr>
+          </a:lnRef>
+          <a:fillRef idx="1">
+            <a:schemeClr val="accent1"/>
+          </a:fillRef>
+          <a:effectRef idx="0">
+            <a:schemeClr val="accent1"/>
+          </a:effectRef>
+          <a:fontRef idx="minor">
+            <a:schemeClr val="lt1"/>
+          </a:fontRef>
+        </p:style>
+        <p:txBody>
+          <a:bodyPr rtlCol="0" anchor="ctr"/>
+          <a:lstStyle/>
+          <a:p>
+            <a:pPr algn="ctr"/>
+            <a:endParaRPr lang="pt-PT"/>
+          </a:p>
+        </p:txBody>
+      </p:sp>
+      <p:sp>
+        <p:nvSpPr>
+          <p:cNvPr id="17" name="Retângulo 16">
+            <a:extLst>
+              <a:ext uri="{FF2B5EF4-FFF2-40B4-BE49-F238E27FC236}">
+                <a16:creationId xmlns:a16="http://schemas.microsoft.com/office/drawing/2014/main" id="{8C2C0F2B-866A-3963-A527-2CA0AC09101E}"/>
+              </a:ext>
+            </a:extLst>
+          </p:cNvPr>
+          <p:cNvSpPr/>
+          <p:nvPr/>
+        </p:nvSpPr>
+        <p:spPr>
+          <a:xfrm>
+            <a:off x="401259" y="558525"/>
+            <a:ext cx="2880000" cy="2880000"/>
+          </a:xfrm>
+          <a:prstGeom prst="rect">
+            <a:avLst/>
+          </a:prstGeom>
+          <a:noFill/>
+        </p:spPr>
+        <p:style>
+          <a:lnRef idx="2">
+            <a:schemeClr val="accent1">
+              <a:shade val="15000"/>
+            </a:schemeClr>
+          </a:lnRef>
+          <a:fillRef idx="1">
+            <a:schemeClr val="accent1"/>
+          </a:fillRef>
+          <a:effectRef idx="0">
+            <a:schemeClr val="accent1"/>
+          </a:effectRef>
+          <a:fontRef idx="minor">
+            <a:schemeClr val="lt1"/>
+          </a:fontRef>
+        </p:style>
+        <p:txBody>
+          <a:bodyPr rtlCol="0" anchor="ctr"/>
+          <a:lstStyle/>
+          <a:p>
+            <a:pPr algn="ctr"/>
+            <a:endParaRPr lang="pt-PT"/>
+          </a:p>
+        </p:txBody>
+      </p:sp>
+      <p:sp>
+        <p:nvSpPr>
+          <p:cNvPr id="18" name="Retângulo 17">
+            <a:extLst>
+              <a:ext uri="{FF2B5EF4-FFF2-40B4-BE49-F238E27FC236}">
+                <a16:creationId xmlns:a16="http://schemas.microsoft.com/office/drawing/2014/main" id="{D7E45437-B4C5-FF3F-B8D2-C62FB78B89CB}"/>
+              </a:ext>
+            </a:extLst>
+          </p:cNvPr>
+          <p:cNvSpPr/>
+          <p:nvPr/>
+        </p:nvSpPr>
+        <p:spPr>
+          <a:xfrm>
+            <a:off x="3513000" y="3600449"/>
+            <a:ext cx="2880000" cy="2880000"/>
+          </a:xfrm>
+          <a:prstGeom prst="rect">
+            <a:avLst/>
+          </a:prstGeom>
+          <a:noFill/>
+        </p:spPr>
+        <p:style>
+          <a:lnRef idx="2">
+            <a:schemeClr val="accent1">
+              <a:shade val="15000"/>
+            </a:schemeClr>
+          </a:lnRef>
+          <a:fillRef idx="1">
+            <a:schemeClr val="accent1"/>
+          </a:fillRef>
+          <a:effectRef idx="0">
+            <a:schemeClr val="accent1"/>
+          </a:effectRef>
+          <a:fontRef idx="minor">
+            <a:schemeClr val="lt1"/>
+          </a:fontRef>
+        </p:style>
+        <p:txBody>
+          <a:bodyPr rtlCol="0" anchor="ctr"/>
+          <a:lstStyle/>
+          <a:p>
+            <a:pPr algn="ctr"/>
+            <a:endParaRPr lang="pt-PT"/>
+          </a:p>
+        </p:txBody>
+      </p:sp>
+      <p:sp>
+        <p:nvSpPr>
+          <p:cNvPr id="19" name="Retângulo 18">
+            <a:extLst>
+              <a:ext uri="{FF2B5EF4-FFF2-40B4-BE49-F238E27FC236}">
+                <a16:creationId xmlns:a16="http://schemas.microsoft.com/office/drawing/2014/main" id="{BBC4D79D-51F7-5BAB-D570-59AD72C771FF}"/>
+              </a:ext>
+            </a:extLst>
+          </p:cNvPr>
+          <p:cNvSpPr/>
+          <p:nvPr/>
+        </p:nvSpPr>
+        <p:spPr>
+          <a:xfrm>
+            <a:off x="401259" y="3600449"/>
+            <a:ext cx="2880000" cy="2880000"/>
+          </a:xfrm>
+          <a:prstGeom prst="rect">
+            <a:avLst/>
+          </a:prstGeom>
+          <a:noFill/>
+        </p:spPr>
+        <p:style>
+          <a:lnRef idx="2">
+            <a:schemeClr val="accent1">
+              <a:shade val="15000"/>
+            </a:schemeClr>
+          </a:lnRef>
+          <a:fillRef idx="1">
+            <a:schemeClr val="accent1"/>
+          </a:fillRef>
+          <a:effectRef idx="0">
+            <a:schemeClr val="accent1"/>
+          </a:effectRef>
+          <a:fontRef idx="minor">
+            <a:schemeClr val="lt1"/>
+          </a:fontRef>
+        </p:style>
+        <p:txBody>
+          <a:bodyPr rtlCol="0" anchor="ctr"/>
+          <a:lstStyle/>
+          <a:p>
+            <a:pPr algn="ctr"/>
+            <a:endParaRPr lang="pt-PT"/>
+          </a:p>
+        </p:txBody>
+      </p:sp>
+      <p:sp>
+        <p:nvSpPr>
+          <p:cNvPr id="20" name="Retângulo 19">
+            <a:extLst>
+              <a:ext uri="{FF2B5EF4-FFF2-40B4-BE49-F238E27FC236}">
+                <a16:creationId xmlns:a16="http://schemas.microsoft.com/office/drawing/2014/main" id="{F549C15E-E52C-451C-0537-122118C2A9E2}"/>
+              </a:ext>
+            </a:extLst>
+          </p:cNvPr>
+          <p:cNvSpPr/>
+          <p:nvPr/>
+        </p:nvSpPr>
+        <p:spPr>
+          <a:xfrm>
+            <a:off x="6530043" y="3600449"/>
+            <a:ext cx="2880000" cy="2880000"/>
+          </a:xfrm>
+          <a:prstGeom prst="rect">
+            <a:avLst/>
+          </a:prstGeom>
+          <a:noFill/>
+        </p:spPr>
+        <p:style>
+          <a:lnRef idx="2">
+            <a:schemeClr val="accent1">
+              <a:shade val="15000"/>
+            </a:schemeClr>
+          </a:lnRef>
+          <a:fillRef idx="1">
+            <a:schemeClr val="accent1"/>
+          </a:fillRef>
+          <a:effectRef idx="0">
+            <a:schemeClr val="accent1"/>
+          </a:effectRef>
+          <a:fontRef idx="minor">
+            <a:schemeClr val="lt1"/>
+          </a:fontRef>
+        </p:style>
+        <p:txBody>
+          <a:bodyPr rtlCol="0" anchor="ctr"/>
+          <a:lstStyle/>
+          <a:p>
+            <a:pPr algn="ctr"/>
+            <a:endParaRPr lang="pt-PT"/>
+          </a:p>
+        </p:txBody>
+      </p:sp>
+      <p:sp>
+        <p:nvSpPr>
+          <p:cNvPr id="4" name="Cruzada 3">
+            <a:extLst>
+              <a:ext uri="{FF2B5EF4-FFF2-40B4-BE49-F238E27FC236}">
+                <a16:creationId xmlns:a16="http://schemas.microsoft.com/office/drawing/2014/main" id="{1CD662B7-5329-A171-B4A3-FF788618C43E}"/>
+              </a:ext>
+            </a:extLst>
+          </p:cNvPr>
+          <p:cNvSpPr/>
+          <p:nvPr/>
+        </p:nvSpPr>
+        <p:spPr>
+          <a:xfrm>
+            <a:off x="761259" y="933723"/>
+            <a:ext cx="2160000" cy="2160000"/>
+          </a:xfrm>
+          <a:prstGeom prst="plus">
+            <a:avLst>
+              <a:gd name="adj" fmla="val 27332"/>
+            </a:avLst>
+          </a:prstGeom>
+          <a:solidFill>
+            <a:srgbClr val="FF00FF"/>
+          </a:solidFill>
+        </p:spPr>
+        <p:style>
+          <a:lnRef idx="2">
+            <a:schemeClr val="accent1">
+              <a:shade val="15000"/>
+            </a:schemeClr>
+          </a:lnRef>
+          <a:fillRef idx="1">
+            <a:schemeClr val="accent1"/>
+          </a:fillRef>
+          <a:effectRef idx="0">
+            <a:schemeClr val="accent1"/>
+          </a:effectRef>
+          <a:fontRef idx="minor">
+            <a:schemeClr val="lt1"/>
+          </a:fontRef>
+        </p:style>
+        <p:txBody>
+          <a:bodyPr rtlCol="0" anchor="ctr"/>
+          <a:lstStyle/>
+          <a:p>
+            <a:pPr algn="ctr"/>
+            <a:endParaRPr lang="pt-PT"/>
+          </a:p>
+        </p:txBody>
+      </p:sp>
+      <p:sp>
+        <p:nvSpPr>
+          <p:cNvPr id="6" name="Cruzada 5">
+            <a:extLst>
+              <a:ext uri="{FF2B5EF4-FFF2-40B4-BE49-F238E27FC236}">
+                <a16:creationId xmlns:a16="http://schemas.microsoft.com/office/drawing/2014/main" id="{9A57E998-24D6-451E-163C-D2CC75806092}"/>
+              </a:ext>
+            </a:extLst>
+          </p:cNvPr>
+          <p:cNvSpPr/>
+          <p:nvPr/>
+        </p:nvSpPr>
+        <p:spPr>
+          <a:xfrm>
+            <a:off x="3863475" y="918525"/>
+            <a:ext cx="2160000" cy="2160000"/>
+          </a:xfrm>
+          <a:prstGeom prst="plus">
+            <a:avLst>
+              <a:gd name="adj" fmla="val 27332"/>
+            </a:avLst>
+          </a:prstGeom>
+          <a:solidFill>
+            <a:srgbClr val="FF00FF"/>
+          </a:solidFill>
+        </p:spPr>
+        <p:style>
+          <a:lnRef idx="2">
+            <a:schemeClr val="accent1">
+              <a:shade val="15000"/>
+            </a:schemeClr>
+          </a:lnRef>
+          <a:fillRef idx="1">
+            <a:schemeClr val="accent1"/>
+          </a:fillRef>
+          <a:effectRef idx="0">
+            <a:schemeClr val="accent1"/>
+          </a:effectRef>
+          <a:fontRef idx="minor">
+            <a:schemeClr val="lt1"/>
+          </a:fontRef>
+        </p:style>
+        <p:txBody>
+          <a:bodyPr rtlCol="0" anchor="ctr"/>
+          <a:lstStyle/>
+          <a:p>
+            <a:pPr algn="ctr"/>
+            <a:endParaRPr lang="pt-PT"/>
+          </a:p>
+        </p:txBody>
+      </p:sp>
+      <p:sp>
+        <p:nvSpPr>
+          <p:cNvPr id="7" name="Cruzada 6">
+            <a:extLst>
+              <a:ext uri="{FF2B5EF4-FFF2-40B4-BE49-F238E27FC236}">
+                <a16:creationId xmlns:a16="http://schemas.microsoft.com/office/drawing/2014/main" id="{031365AC-4151-8027-ABF7-8600A7C24149}"/>
+              </a:ext>
+            </a:extLst>
+          </p:cNvPr>
+          <p:cNvSpPr/>
+          <p:nvPr/>
+        </p:nvSpPr>
+        <p:spPr>
+          <a:xfrm>
+            <a:off x="6890043" y="926325"/>
+            <a:ext cx="2160000" cy="2160000"/>
+          </a:xfrm>
+          <a:prstGeom prst="plus">
+            <a:avLst>
+              <a:gd name="adj" fmla="val 27332"/>
+            </a:avLst>
+          </a:prstGeom>
+          <a:solidFill>
+            <a:srgbClr val="FF00FF"/>
+          </a:solidFill>
+        </p:spPr>
+        <p:style>
+          <a:lnRef idx="2">
+            <a:schemeClr val="accent1">
+              <a:shade val="15000"/>
+            </a:schemeClr>
+          </a:lnRef>
+          <a:fillRef idx="1">
+            <a:schemeClr val="accent1"/>
+          </a:fillRef>
+          <a:effectRef idx="0">
+            <a:schemeClr val="accent1"/>
+          </a:effectRef>
+          <a:fontRef idx="minor">
+            <a:schemeClr val="lt1"/>
+          </a:fontRef>
+        </p:style>
+        <p:txBody>
+          <a:bodyPr rtlCol="0" anchor="ctr"/>
+          <a:lstStyle/>
+          <a:p>
+            <a:pPr algn="ctr"/>
+            <a:endParaRPr lang="pt-PT"/>
+          </a:p>
+        </p:txBody>
+      </p:sp>
+      <p:sp>
+        <p:nvSpPr>
+          <p:cNvPr id="8" name="Cruzada 7">
+            <a:extLst>
+              <a:ext uri="{FF2B5EF4-FFF2-40B4-BE49-F238E27FC236}">
+                <a16:creationId xmlns:a16="http://schemas.microsoft.com/office/drawing/2014/main" id="{5534A1FD-273B-A608-7BC3-B603EDBA3E1E}"/>
+              </a:ext>
+            </a:extLst>
+          </p:cNvPr>
+          <p:cNvSpPr/>
+          <p:nvPr/>
+        </p:nvSpPr>
+        <p:spPr>
+          <a:xfrm>
+            <a:off x="761259" y="3970023"/>
+            <a:ext cx="2160000" cy="2160000"/>
+          </a:xfrm>
+          <a:prstGeom prst="plus">
+            <a:avLst>
+              <a:gd name="adj" fmla="val 27332"/>
+            </a:avLst>
+          </a:prstGeom>
+          <a:solidFill>
+            <a:srgbClr val="FF00FF"/>
+          </a:solidFill>
+        </p:spPr>
+        <p:style>
+          <a:lnRef idx="2">
+            <a:schemeClr val="accent1">
+              <a:shade val="15000"/>
+            </a:schemeClr>
+          </a:lnRef>
+          <a:fillRef idx="1">
+            <a:schemeClr val="accent1"/>
+          </a:fillRef>
+          <a:effectRef idx="0">
+            <a:schemeClr val="accent1"/>
+          </a:effectRef>
+          <a:fontRef idx="minor">
+            <a:schemeClr val="lt1"/>
+          </a:fontRef>
+        </p:style>
+        <p:txBody>
+          <a:bodyPr rtlCol="0" anchor="ctr"/>
+          <a:lstStyle/>
+          <a:p>
+            <a:pPr algn="ctr"/>
+            <a:endParaRPr lang="pt-PT"/>
+          </a:p>
+        </p:txBody>
+      </p:sp>
+      <p:sp>
+        <p:nvSpPr>
+          <p:cNvPr id="9" name="Cruzada 8">
+            <a:extLst>
+              <a:ext uri="{FF2B5EF4-FFF2-40B4-BE49-F238E27FC236}">
+                <a16:creationId xmlns:a16="http://schemas.microsoft.com/office/drawing/2014/main" id="{7F007AF4-C784-D9D8-1452-60170A19B0D5}"/>
+              </a:ext>
+            </a:extLst>
+          </p:cNvPr>
+          <p:cNvSpPr/>
+          <p:nvPr/>
+        </p:nvSpPr>
+        <p:spPr>
+          <a:xfrm>
+            <a:off x="3863475" y="3954825"/>
+            <a:ext cx="2160000" cy="2160000"/>
+          </a:xfrm>
+          <a:prstGeom prst="plus">
+            <a:avLst>
+              <a:gd name="adj" fmla="val 27332"/>
+            </a:avLst>
+          </a:prstGeom>
+          <a:solidFill>
+            <a:srgbClr val="FF00FF"/>
+          </a:solidFill>
+        </p:spPr>
+        <p:style>
+          <a:lnRef idx="2">
+            <a:schemeClr val="accent1">
+              <a:shade val="15000"/>
+            </a:schemeClr>
+          </a:lnRef>
+          <a:fillRef idx="1">
+            <a:schemeClr val="accent1"/>
+          </a:fillRef>
+          <a:effectRef idx="0">
+            <a:schemeClr val="accent1"/>
+          </a:effectRef>
+          <a:fontRef idx="minor">
+            <a:schemeClr val="lt1"/>
+          </a:fontRef>
+        </p:style>
+        <p:txBody>
+          <a:bodyPr rtlCol="0" anchor="ctr"/>
+          <a:lstStyle/>
+          <a:p>
+            <a:pPr algn="ctr"/>
+            <a:endParaRPr lang="pt-PT"/>
+          </a:p>
+        </p:txBody>
+      </p:sp>
+      <p:sp>
+        <p:nvSpPr>
+          <p:cNvPr id="21" name="Cruzada 20">
+            <a:extLst>
+              <a:ext uri="{FF2B5EF4-FFF2-40B4-BE49-F238E27FC236}">
+                <a16:creationId xmlns:a16="http://schemas.microsoft.com/office/drawing/2014/main" id="{7096F067-05B2-BD0D-FB45-51301B3BF192}"/>
+              </a:ext>
+            </a:extLst>
+          </p:cNvPr>
+          <p:cNvSpPr/>
+          <p:nvPr/>
+        </p:nvSpPr>
+        <p:spPr>
+          <a:xfrm>
+            <a:off x="6890043" y="3962625"/>
+            <a:ext cx="2160000" cy="2160000"/>
+          </a:xfrm>
+          <a:prstGeom prst="plus">
+            <a:avLst>
+              <a:gd name="adj" fmla="val 27332"/>
+            </a:avLst>
+          </a:prstGeom>
+          <a:solidFill>
+            <a:srgbClr val="FF00FF"/>
+          </a:solidFill>
+        </p:spPr>
+        <p:style>
+          <a:lnRef idx="2">
+            <a:schemeClr val="accent1">
+              <a:shade val="15000"/>
+            </a:schemeClr>
+          </a:lnRef>
+          <a:fillRef idx="1">
+            <a:schemeClr val="accent1"/>
+          </a:fillRef>
+          <a:effectRef idx="0">
+            <a:schemeClr val="accent1"/>
+          </a:effectRef>
+          <a:fontRef idx="minor">
+            <a:schemeClr val="lt1"/>
+          </a:fontRef>
+        </p:style>
+        <p:txBody>
+          <a:bodyPr rtlCol="0" anchor="ctr"/>
+          <a:lstStyle/>
+          <a:p>
+            <a:pPr algn="ctr"/>
+            <a:endParaRPr lang="pt-PT"/>
+          </a:p>
+        </p:txBody>
+      </p:sp>
+      <p:sp>
+        <p:nvSpPr>
+          <p:cNvPr id="2" name="CaixaDeTexto 1">
+            <a:extLst>
+              <a:ext uri="{FF2B5EF4-FFF2-40B4-BE49-F238E27FC236}">
+                <a16:creationId xmlns:a16="http://schemas.microsoft.com/office/drawing/2014/main" id="{D141949C-4221-520E-C327-F0F5547F00FD}"/>
+              </a:ext>
+            </a:extLst>
+          </p:cNvPr>
+          <p:cNvSpPr txBox="1"/>
+          <p:nvPr/>
+        </p:nvSpPr>
+        <p:spPr>
+          <a:xfrm>
+            <a:off x="5656031" y="3600449"/>
+            <a:ext cx="702675" cy="369332"/>
+          </a:xfrm>
+          <a:prstGeom prst="rect">
+            <a:avLst/>
+          </a:prstGeom>
+          <a:noFill/>
+        </p:spPr>
+        <p:txBody>
+          <a:bodyPr wrap="square" rtlCol="0">
+            <a:spAutoFit/>
+          </a:bodyPr>
+          <a:lstStyle/>
+          <a:p>
+            <a:pPr algn="r"/>
+            <a:r>
+              <a:rPr lang="pt-PT" b="1" dirty="0"/>
+              <a:t>ID 5</a:t>
+            </a:r>
+          </a:p>
+        </p:txBody>
+      </p:sp>
+      <p:sp>
+        <p:nvSpPr>
+          <p:cNvPr id="3" name="CaixaDeTexto 2">
+            <a:extLst>
+              <a:ext uri="{FF2B5EF4-FFF2-40B4-BE49-F238E27FC236}">
+                <a16:creationId xmlns:a16="http://schemas.microsoft.com/office/drawing/2014/main" id="{BB50D64E-7DA3-F4DA-C6AA-2D0A0FAB6441}"/>
+              </a:ext>
+            </a:extLst>
+          </p:cNvPr>
+          <p:cNvSpPr txBox="1"/>
+          <p:nvPr/>
+        </p:nvSpPr>
+        <p:spPr>
+          <a:xfrm>
+            <a:off x="2569920" y="3600449"/>
+            <a:ext cx="702675" cy="369332"/>
+          </a:xfrm>
+          <a:prstGeom prst="rect">
+            <a:avLst/>
+          </a:prstGeom>
+          <a:noFill/>
+        </p:spPr>
+        <p:txBody>
+          <a:bodyPr wrap="square" rtlCol="0">
+            <a:spAutoFit/>
+          </a:bodyPr>
+          <a:lstStyle/>
+          <a:p>
+            <a:pPr algn="r"/>
+            <a:r>
+              <a:rPr lang="pt-PT" b="1" dirty="0"/>
+              <a:t>ID 5</a:t>
+            </a:r>
+          </a:p>
+        </p:txBody>
+      </p:sp>
+      <p:sp>
+        <p:nvSpPr>
+          <p:cNvPr id="12" name="CaixaDeTexto 11">
+            <a:extLst>
+              <a:ext uri="{FF2B5EF4-FFF2-40B4-BE49-F238E27FC236}">
+                <a16:creationId xmlns:a16="http://schemas.microsoft.com/office/drawing/2014/main" id="{07A547A0-9973-EF03-D35B-59A018DA57D9}"/>
+              </a:ext>
+            </a:extLst>
+          </p:cNvPr>
+          <p:cNvSpPr txBox="1"/>
+          <p:nvPr/>
+        </p:nvSpPr>
+        <p:spPr>
+          <a:xfrm>
+            <a:off x="8698705" y="3600449"/>
+            <a:ext cx="702675" cy="369332"/>
+          </a:xfrm>
+          <a:prstGeom prst="rect">
+            <a:avLst/>
+          </a:prstGeom>
+          <a:noFill/>
+        </p:spPr>
+        <p:txBody>
+          <a:bodyPr wrap="square" rtlCol="0">
+            <a:spAutoFit/>
+          </a:bodyPr>
+          <a:lstStyle/>
+          <a:p>
+            <a:pPr algn="r"/>
+            <a:r>
+              <a:rPr lang="pt-PT" b="1" dirty="0"/>
+              <a:t>ID 5</a:t>
+            </a:r>
+          </a:p>
+        </p:txBody>
+      </p:sp>
+      <p:sp>
+        <p:nvSpPr>
+          <p:cNvPr id="13" name="CaixaDeTexto 12">
+            <a:extLst>
+              <a:ext uri="{FF2B5EF4-FFF2-40B4-BE49-F238E27FC236}">
+                <a16:creationId xmlns:a16="http://schemas.microsoft.com/office/drawing/2014/main" id="{3A70279B-B3E6-170D-1BD8-BE0EBC793DDE}"/>
+              </a:ext>
+            </a:extLst>
+          </p:cNvPr>
+          <p:cNvSpPr txBox="1"/>
+          <p:nvPr/>
+        </p:nvSpPr>
+        <p:spPr>
+          <a:xfrm>
+            <a:off x="2561258" y="558525"/>
+            <a:ext cx="702675" cy="369332"/>
+          </a:xfrm>
+          <a:prstGeom prst="rect">
+            <a:avLst/>
+          </a:prstGeom>
+          <a:noFill/>
+        </p:spPr>
+        <p:txBody>
+          <a:bodyPr wrap="square" rtlCol="0">
+            <a:spAutoFit/>
+          </a:bodyPr>
+          <a:lstStyle/>
+          <a:p>
+            <a:pPr algn="r"/>
+            <a:r>
+              <a:rPr lang="pt-PT" b="1" dirty="0"/>
+              <a:t>ID 5</a:t>
+            </a:r>
+          </a:p>
+        </p:txBody>
+      </p:sp>
+      <p:sp>
+        <p:nvSpPr>
+          <p:cNvPr id="14" name="CaixaDeTexto 13">
+            <a:extLst>
+              <a:ext uri="{FF2B5EF4-FFF2-40B4-BE49-F238E27FC236}">
+                <a16:creationId xmlns:a16="http://schemas.microsoft.com/office/drawing/2014/main" id="{88DCC80B-4A7C-ED71-458D-FB22BF0F4E02}"/>
+              </a:ext>
+            </a:extLst>
+          </p:cNvPr>
+          <p:cNvSpPr txBox="1"/>
+          <p:nvPr/>
+        </p:nvSpPr>
+        <p:spPr>
+          <a:xfrm>
+            <a:off x="5638705" y="558525"/>
+            <a:ext cx="702675" cy="369332"/>
+          </a:xfrm>
+          <a:prstGeom prst="rect">
+            <a:avLst/>
+          </a:prstGeom>
+          <a:noFill/>
+        </p:spPr>
+        <p:txBody>
+          <a:bodyPr wrap="square" rtlCol="0">
+            <a:spAutoFit/>
+          </a:bodyPr>
+          <a:lstStyle/>
+          <a:p>
+            <a:pPr algn="r"/>
+            <a:r>
+              <a:rPr lang="pt-PT" b="1" dirty="0"/>
+              <a:t>ID 5</a:t>
+            </a:r>
+          </a:p>
+        </p:txBody>
+      </p:sp>
+      <p:sp>
+        <p:nvSpPr>
+          <p:cNvPr id="15" name="CaixaDeTexto 14">
+            <a:extLst>
+              <a:ext uri="{FF2B5EF4-FFF2-40B4-BE49-F238E27FC236}">
+                <a16:creationId xmlns:a16="http://schemas.microsoft.com/office/drawing/2014/main" id="{D6868D30-ADA4-2012-936E-58B9DBD56FBD}"/>
+              </a:ext>
+            </a:extLst>
+          </p:cNvPr>
+          <p:cNvSpPr txBox="1"/>
+          <p:nvPr/>
+        </p:nvSpPr>
+        <p:spPr>
+          <a:xfrm>
+            <a:off x="8690042" y="558525"/>
+            <a:ext cx="702675" cy="369332"/>
+          </a:xfrm>
+          <a:prstGeom prst="rect">
+            <a:avLst/>
+          </a:prstGeom>
+          <a:noFill/>
+        </p:spPr>
+        <p:txBody>
+          <a:bodyPr wrap="square" rtlCol="0">
+            <a:spAutoFit/>
+          </a:bodyPr>
+          <a:lstStyle/>
+          <a:p>
+            <a:pPr algn="r"/>
+            <a:r>
+              <a:rPr lang="pt-PT" b="1" dirty="0"/>
+              <a:t>ID 5</a:t>
+            </a:r>
+          </a:p>
+        </p:txBody>
+      </p:sp>
+    </p:spTree>
+    <p:extLst>
+      <p:ext uri="{BB962C8B-B14F-4D97-AF65-F5344CB8AC3E}">
+        <p14:creationId xmlns:p14="http://schemas.microsoft.com/office/powerpoint/2010/main" val="2755261880"/>
+      </p:ext>
+    </p:extLst>
+  </p:cSld>
+  <p:clrMapOvr>
+    <a:masterClrMapping/>
+  </p:clrMapOvr>
+</p:sld>
+</file>
+
+<file path=ppt/slides/slide11.xml><?xml version="1.0" encoding="utf-8"?>
+<p:sld xmlns:a="http://schemas.openxmlformats.org/drawingml/2006/main" xmlns:r="http://schemas.openxmlformats.org/officeDocument/2006/relationships" xmlns:p="http://schemas.openxmlformats.org/presentationml/2006/main">
+  <p:cSld>
+    <p:bg>
+      <p:bgPr>
+        <a:solidFill>
+          <a:srgbClr val="FFFFFF"/>
+        </a:solidFill>
+        <a:effectLst/>
+      </p:bgPr>
+    </p:bg>
+    <p:spTree>
+      <p:nvGrpSpPr>
+        <p:cNvPr id="1" name="">
+          <a:extLst>
+            <a:ext uri="{FF2B5EF4-FFF2-40B4-BE49-F238E27FC236}">
+              <a16:creationId xmlns:a16="http://schemas.microsoft.com/office/drawing/2014/main" id="{6C5867FC-5391-36A5-A2DA-75F8060125AF}"/>
+            </a:ext>
+          </a:extLst>
+        </p:cNvPr>
+        <p:cNvGrpSpPr/>
+        <p:nvPr/>
+      </p:nvGrpSpPr>
+      <p:grpSpPr>
+        <a:xfrm>
+          <a:off x="0" y="0"/>
+          <a:ext cx="0" cy="0"/>
+          <a:chOff x="0" y="0"/>
+          <a:chExt cx="0" cy="0"/>
+        </a:xfrm>
+      </p:grpSpPr>
+      <p:sp>
+        <p:nvSpPr>
+          <p:cNvPr id="5" name="Retângulo 4">
+            <a:extLst>
+              <a:ext uri="{FF2B5EF4-FFF2-40B4-BE49-F238E27FC236}">
+                <a16:creationId xmlns:a16="http://schemas.microsoft.com/office/drawing/2014/main" id="{77C5A8E4-09E0-7F99-C04C-A1DBFF26849F}"/>
+              </a:ext>
+            </a:extLst>
+          </p:cNvPr>
+          <p:cNvSpPr/>
+          <p:nvPr/>
+        </p:nvSpPr>
+        <p:spPr>
+          <a:xfrm>
+            <a:off x="3503475" y="561974"/>
+            <a:ext cx="2880000" cy="2880000"/>
+          </a:xfrm>
+          <a:prstGeom prst="rect">
+            <a:avLst/>
+          </a:prstGeom>
+          <a:noFill/>
+        </p:spPr>
+        <p:style>
+          <a:lnRef idx="2">
+            <a:schemeClr val="accent1">
+              <a:shade val="15000"/>
+            </a:schemeClr>
+          </a:lnRef>
+          <a:fillRef idx="1">
+            <a:schemeClr val="accent1"/>
+          </a:fillRef>
+          <a:effectRef idx="0">
+            <a:schemeClr val="accent1"/>
+          </a:effectRef>
+          <a:fontRef idx="minor">
+            <a:schemeClr val="lt1"/>
+          </a:fontRef>
+        </p:style>
+        <p:txBody>
+          <a:bodyPr rtlCol="0" anchor="ctr"/>
+          <a:lstStyle/>
+          <a:p>
+            <a:pPr algn="ctr"/>
+            <a:endParaRPr lang="pt-PT"/>
+          </a:p>
+        </p:txBody>
+      </p:sp>
+      <p:sp>
+        <p:nvSpPr>
+          <p:cNvPr id="10" name="CaixaDeTexto 9">
+            <a:extLst>
+              <a:ext uri="{FF2B5EF4-FFF2-40B4-BE49-F238E27FC236}">
+                <a16:creationId xmlns:a16="http://schemas.microsoft.com/office/drawing/2014/main" id="{1EA82639-E833-5E5A-39B6-DF209FB4A848}"/>
+              </a:ext>
+            </a:extLst>
+          </p:cNvPr>
+          <p:cNvSpPr txBox="1"/>
+          <p:nvPr/>
+        </p:nvSpPr>
+        <p:spPr>
+          <a:xfrm>
+            <a:off x="6786562" y="160569"/>
+            <a:ext cx="2366962" cy="369332"/>
+          </a:xfrm>
+          <a:prstGeom prst="rect">
+            <a:avLst/>
+          </a:prstGeom>
+          <a:noFill/>
+        </p:spPr>
+        <p:txBody>
+          <a:bodyPr wrap="square" rtlCol="0">
+            <a:spAutoFit/>
+          </a:bodyPr>
+          <a:lstStyle/>
+          <a:p>
+            <a:pPr algn="r"/>
+            <a:r>
+              <a:rPr lang="pt-PT" b="1" dirty="0"/>
+              <a:t>Marcador ID 5</a:t>
+            </a:r>
+          </a:p>
+        </p:txBody>
+      </p:sp>
+      <p:sp>
+        <p:nvSpPr>
+          <p:cNvPr id="11" name="CaixaDeTexto 10">
+            <a:extLst>
+              <a:ext uri="{FF2B5EF4-FFF2-40B4-BE49-F238E27FC236}">
+                <a16:creationId xmlns:a16="http://schemas.microsoft.com/office/drawing/2014/main" id="{B353FEDB-043A-408C-6FE5-4D3B9029D30D}"/>
+              </a:ext>
+            </a:extLst>
+          </p:cNvPr>
+          <p:cNvSpPr txBox="1"/>
+          <p:nvPr/>
+        </p:nvSpPr>
+        <p:spPr>
+          <a:xfrm>
+            <a:off x="3119437" y="179619"/>
+            <a:ext cx="3667125" cy="369332"/>
+          </a:xfrm>
+          <a:prstGeom prst="rect">
+            <a:avLst/>
+          </a:prstGeom>
+          <a:noFill/>
+        </p:spPr>
+        <p:txBody>
+          <a:bodyPr wrap="square" rtlCol="0">
+            <a:spAutoFit/>
+          </a:bodyPr>
+          <a:lstStyle/>
+          <a:p>
+            <a:pPr algn="ctr"/>
+            <a:r>
+              <a:rPr lang="pt-PT" b="1" dirty="0"/>
+              <a:t>Cruzes</a:t>
+            </a:r>
+          </a:p>
+        </p:txBody>
+      </p:sp>
+      <p:sp>
+        <p:nvSpPr>
+          <p:cNvPr id="16" name="Retângulo 15">
+            <a:extLst>
+              <a:ext uri="{FF2B5EF4-FFF2-40B4-BE49-F238E27FC236}">
+                <a16:creationId xmlns:a16="http://schemas.microsoft.com/office/drawing/2014/main" id="{10631853-03D7-C31B-EFEC-85464D7D46BC}"/>
+              </a:ext>
+            </a:extLst>
+          </p:cNvPr>
+          <p:cNvSpPr/>
+          <p:nvPr/>
+        </p:nvSpPr>
+        <p:spPr>
+          <a:xfrm>
+            <a:off x="6530043" y="561974"/>
+            <a:ext cx="2880000" cy="2880000"/>
+          </a:xfrm>
+          <a:prstGeom prst="rect">
+            <a:avLst/>
+          </a:prstGeom>
+          <a:noFill/>
+        </p:spPr>
+        <p:style>
+          <a:lnRef idx="2">
+            <a:schemeClr val="accent1">
+              <a:shade val="15000"/>
+            </a:schemeClr>
+          </a:lnRef>
+          <a:fillRef idx="1">
+            <a:schemeClr val="accent1"/>
+          </a:fillRef>
+          <a:effectRef idx="0">
+            <a:schemeClr val="accent1"/>
+          </a:effectRef>
+          <a:fontRef idx="minor">
+            <a:schemeClr val="lt1"/>
+          </a:fontRef>
+        </p:style>
+        <p:txBody>
+          <a:bodyPr rtlCol="0" anchor="ctr"/>
+          <a:lstStyle/>
+          <a:p>
+            <a:pPr algn="ctr"/>
+            <a:endParaRPr lang="pt-PT"/>
+          </a:p>
+        </p:txBody>
+      </p:sp>
+      <p:sp>
+        <p:nvSpPr>
+          <p:cNvPr id="17" name="Retângulo 16">
+            <a:extLst>
+              <a:ext uri="{FF2B5EF4-FFF2-40B4-BE49-F238E27FC236}">
+                <a16:creationId xmlns:a16="http://schemas.microsoft.com/office/drawing/2014/main" id="{A673A9AE-6FDB-7E21-284A-505D9B0CE574}"/>
+              </a:ext>
+            </a:extLst>
+          </p:cNvPr>
+          <p:cNvSpPr/>
+          <p:nvPr/>
+        </p:nvSpPr>
+        <p:spPr>
+          <a:xfrm>
+            <a:off x="401259" y="558525"/>
+            <a:ext cx="2880000" cy="2880000"/>
+          </a:xfrm>
+          <a:prstGeom prst="rect">
+            <a:avLst/>
+          </a:prstGeom>
+          <a:noFill/>
+        </p:spPr>
+        <p:style>
+          <a:lnRef idx="2">
+            <a:schemeClr val="accent1">
+              <a:shade val="15000"/>
+            </a:schemeClr>
+          </a:lnRef>
+          <a:fillRef idx="1">
+            <a:schemeClr val="accent1"/>
+          </a:fillRef>
+          <a:effectRef idx="0">
+            <a:schemeClr val="accent1"/>
+          </a:effectRef>
+          <a:fontRef idx="minor">
+            <a:schemeClr val="lt1"/>
+          </a:fontRef>
+        </p:style>
+        <p:txBody>
+          <a:bodyPr rtlCol="0" anchor="ctr"/>
+          <a:lstStyle/>
+          <a:p>
+            <a:pPr algn="ctr"/>
+            <a:endParaRPr lang="pt-PT"/>
+          </a:p>
+        </p:txBody>
+      </p:sp>
+      <p:sp>
+        <p:nvSpPr>
+          <p:cNvPr id="18" name="Retângulo 17">
+            <a:extLst>
+              <a:ext uri="{FF2B5EF4-FFF2-40B4-BE49-F238E27FC236}">
+                <a16:creationId xmlns:a16="http://schemas.microsoft.com/office/drawing/2014/main" id="{0F24F479-47A5-6AD7-4345-E7D29F093254}"/>
+              </a:ext>
+            </a:extLst>
+          </p:cNvPr>
+          <p:cNvSpPr/>
+          <p:nvPr/>
+        </p:nvSpPr>
+        <p:spPr>
+          <a:xfrm>
+            <a:off x="3513000" y="3600449"/>
+            <a:ext cx="2880000" cy="2880000"/>
+          </a:xfrm>
+          <a:prstGeom prst="rect">
+            <a:avLst/>
+          </a:prstGeom>
+          <a:noFill/>
+        </p:spPr>
+        <p:style>
+          <a:lnRef idx="2">
+            <a:schemeClr val="accent1">
+              <a:shade val="15000"/>
+            </a:schemeClr>
+          </a:lnRef>
+          <a:fillRef idx="1">
+            <a:schemeClr val="accent1"/>
+          </a:fillRef>
+          <a:effectRef idx="0">
+            <a:schemeClr val="accent1"/>
+          </a:effectRef>
+          <a:fontRef idx="minor">
+            <a:schemeClr val="lt1"/>
+          </a:fontRef>
+        </p:style>
+        <p:txBody>
+          <a:bodyPr rtlCol="0" anchor="ctr"/>
+          <a:lstStyle/>
+          <a:p>
+            <a:pPr algn="ctr"/>
+            <a:endParaRPr lang="pt-PT"/>
+          </a:p>
+        </p:txBody>
+      </p:sp>
+      <p:sp>
+        <p:nvSpPr>
+          <p:cNvPr id="19" name="Retângulo 18">
+            <a:extLst>
+              <a:ext uri="{FF2B5EF4-FFF2-40B4-BE49-F238E27FC236}">
+                <a16:creationId xmlns:a16="http://schemas.microsoft.com/office/drawing/2014/main" id="{F37C963D-7AF2-BBA9-11EB-8400B6917CEE}"/>
+              </a:ext>
+            </a:extLst>
+          </p:cNvPr>
+          <p:cNvSpPr/>
+          <p:nvPr/>
+        </p:nvSpPr>
+        <p:spPr>
+          <a:xfrm>
+            <a:off x="401259" y="3600449"/>
+            <a:ext cx="2880000" cy="2880000"/>
+          </a:xfrm>
+          <a:prstGeom prst="rect">
+            <a:avLst/>
+          </a:prstGeom>
+          <a:noFill/>
+        </p:spPr>
+        <p:style>
+          <a:lnRef idx="2">
+            <a:schemeClr val="accent1">
+              <a:shade val="15000"/>
+            </a:schemeClr>
+          </a:lnRef>
+          <a:fillRef idx="1">
+            <a:schemeClr val="accent1"/>
+          </a:fillRef>
+          <a:effectRef idx="0">
+            <a:schemeClr val="accent1"/>
+          </a:effectRef>
+          <a:fontRef idx="minor">
+            <a:schemeClr val="lt1"/>
+          </a:fontRef>
+        </p:style>
+        <p:txBody>
+          <a:bodyPr rtlCol="0" anchor="ctr"/>
+          <a:lstStyle/>
+          <a:p>
+            <a:pPr algn="ctr"/>
+            <a:endParaRPr lang="pt-PT"/>
+          </a:p>
+        </p:txBody>
+      </p:sp>
+      <p:sp>
+        <p:nvSpPr>
+          <p:cNvPr id="20" name="Retângulo 19">
+            <a:extLst>
+              <a:ext uri="{FF2B5EF4-FFF2-40B4-BE49-F238E27FC236}">
+                <a16:creationId xmlns:a16="http://schemas.microsoft.com/office/drawing/2014/main" id="{5691B6FB-B1C7-EDFA-EF2E-969A67085AA4}"/>
+              </a:ext>
+            </a:extLst>
+          </p:cNvPr>
+          <p:cNvSpPr/>
+          <p:nvPr/>
+        </p:nvSpPr>
+        <p:spPr>
+          <a:xfrm>
+            <a:off x="6530043" y="3600449"/>
+            <a:ext cx="2880000" cy="2880000"/>
+          </a:xfrm>
+          <a:prstGeom prst="rect">
+            <a:avLst/>
+          </a:prstGeom>
+          <a:noFill/>
+        </p:spPr>
+        <p:style>
+          <a:lnRef idx="2">
+            <a:schemeClr val="accent1">
+              <a:shade val="15000"/>
+            </a:schemeClr>
+          </a:lnRef>
+          <a:fillRef idx="1">
+            <a:schemeClr val="accent1"/>
+          </a:fillRef>
+          <a:effectRef idx="0">
+            <a:schemeClr val="accent1"/>
+          </a:effectRef>
+          <a:fontRef idx="minor">
+            <a:schemeClr val="lt1"/>
+          </a:fontRef>
+        </p:style>
+        <p:txBody>
+          <a:bodyPr rtlCol="0" anchor="ctr"/>
+          <a:lstStyle/>
+          <a:p>
+            <a:pPr algn="ctr"/>
+            <a:endParaRPr lang="pt-PT"/>
+          </a:p>
+        </p:txBody>
+      </p:sp>
+      <p:sp>
+        <p:nvSpPr>
+          <p:cNvPr id="4" name="Cruzada 3">
+            <a:extLst>
+              <a:ext uri="{FF2B5EF4-FFF2-40B4-BE49-F238E27FC236}">
+                <a16:creationId xmlns:a16="http://schemas.microsoft.com/office/drawing/2014/main" id="{FA5FF34D-DC9C-18E1-C330-4FA91BE29726}"/>
+              </a:ext>
+            </a:extLst>
+          </p:cNvPr>
+          <p:cNvSpPr/>
+          <p:nvPr/>
+        </p:nvSpPr>
+        <p:spPr>
+          <a:xfrm>
+            <a:off x="761259" y="933723"/>
+            <a:ext cx="2160000" cy="2160000"/>
+          </a:xfrm>
+          <a:prstGeom prst="plus">
+            <a:avLst>
+              <a:gd name="adj" fmla="val 27332"/>
+            </a:avLst>
+          </a:prstGeom>
+          <a:solidFill>
+            <a:srgbClr val="FF0000"/>
+          </a:solidFill>
+        </p:spPr>
+        <p:style>
+          <a:lnRef idx="2">
+            <a:schemeClr val="accent1">
+              <a:shade val="15000"/>
+            </a:schemeClr>
+          </a:lnRef>
+          <a:fillRef idx="1">
+            <a:schemeClr val="accent1"/>
+          </a:fillRef>
+          <a:effectRef idx="0">
+            <a:schemeClr val="accent1"/>
+          </a:effectRef>
+          <a:fontRef idx="minor">
+            <a:schemeClr val="lt1"/>
+          </a:fontRef>
+        </p:style>
+        <p:txBody>
+          <a:bodyPr rtlCol="0" anchor="ctr"/>
+          <a:lstStyle/>
+          <a:p>
+            <a:pPr algn="ctr"/>
+            <a:endParaRPr lang="pt-PT"/>
+          </a:p>
+        </p:txBody>
+      </p:sp>
+      <p:sp>
+        <p:nvSpPr>
+          <p:cNvPr id="6" name="Cruzada 5">
+            <a:extLst>
+              <a:ext uri="{FF2B5EF4-FFF2-40B4-BE49-F238E27FC236}">
+                <a16:creationId xmlns:a16="http://schemas.microsoft.com/office/drawing/2014/main" id="{0AC8E1FE-6F39-EB30-B0D5-A130FBD7E9D1}"/>
+              </a:ext>
+            </a:extLst>
+          </p:cNvPr>
+          <p:cNvSpPr/>
+          <p:nvPr/>
+        </p:nvSpPr>
+        <p:spPr>
+          <a:xfrm>
+            <a:off x="3863475" y="918525"/>
+            <a:ext cx="2160000" cy="2160000"/>
+          </a:xfrm>
+          <a:prstGeom prst="plus">
+            <a:avLst>
+              <a:gd name="adj" fmla="val 27332"/>
+            </a:avLst>
+          </a:prstGeom>
+          <a:solidFill>
+            <a:srgbClr val="FFFF00"/>
+          </a:solidFill>
+        </p:spPr>
+        <p:style>
+          <a:lnRef idx="2">
+            <a:schemeClr val="accent1">
+              <a:shade val="15000"/>
+            </a:schemeClr>
+          </a:lnRef>
+          <a:fillRef idx="1">
+            <a:schemeClr val="accent1"/>
+          </a:fillRef>
+          <a:effectRef idx="0">
+            <a:schemeClr val="accent1"/>
+          </a:effectRef>
+          <a:fontRef idx="minor">
+            <a:schemeClr val="lt1"/>
+          </a:fontRef>
+        </p:style>
+        <p:txBody>
+          <a:bodyPr rtlCol="0" anchor="ctr"/>
+          <a:lstStyle/>
+          <a:p>
+            <a:pPr algn="ctr"/>
+            <a:endParaRPr lang="pt-PT"/>
+          </a:p>
+        </p:txBody>
+      </p:sp>
+      <p:sp>
+        <p:nvSpPr>
+          <p:cNvPr id="7" name="Cruzada 6">
+            <a:extLst>
+              <a:ext uri="{FF2B5EF4-FFF2-40B4-BE49-F238E27FC236}">
+                <a16:creationId xmlns:a16="http://schemas.microsoft.com/office/drawing/2014/main" id="{FF94A14C-C0FE-30AC-C425-49921E7C2791}"/>
+              </a:ext>
+            </a:extLst>
+          </p:cNvPr>
+          <p:cNvSpPr/>
+          <p:nvPr/>
+        </p:nvSpPr>
+        <p:spPr>
+          <a:xfrm>
+            <a:off x="6890043" y="926325"/>
+            <a:ext cx="2160000" cy="2160000"/>
+          </a:xfrm>
+          <a:prstGeom prst="plus">
+            <a:avLst>
+              <a:gd name="adj" fmla="val 27332"/>
+            </a:avLst>
+          </a:prstGeom>
+          <a:solidFill>
+            <a:srgbClr val="00FF00"/>
+          </a:solidFill>
+        </p:spPr>
+        <p:style>
+          <a:lnRef idx="2">
+            <a:schemeClr val="accent1">
+              <a:shade val="15000"/>
+            </a:schemeClr>
+          </a:lnRef>
+          <a:fillRef idx="1">
+            <a:schemeClr val="accent1"/>
+          </a:fillRef>
+          <a:effectRef idx="0">
+            <a:schemeClr val="accent1"/>
+          </a:effectRef>
+          <a:fontRef idx="minor">
+            <a:schemeClr val="lt1"/>
+          </a:fontRef>
+        </p:style>
+        <p:txBody>
+          <a:bodyPr rtlCol="0" anchor="ctr"/>
+          <a:lstStyle/>
+          <a:p>
+            <a:pPr algn="ctr"/>
+            <a:endParaRPr lang="pt-PT"/>
+          </a:p>
+        </p:txBody>
+      </p:sp>
+      <p:sp>
+        <p:nvSpPr>
+          <p:cNvPr id="8" name="Cruzada 7">
+            <a:extLst>
+              <a:ext uri="{FF2B5EF4-FFF2-40B4-BE49-F238E27FC236}">
+                <a16:creationId xmlns:a16="http://schemas.microsoft.com/office/drawing/2014/main" id="{1275D07D-2FA3-5188-A2BD-615CB3EE766B}"/>
+              </a:ext>
+            </a:extLst>
+          </p:cNvPr>
+          <p:cNvSpPr/>
+          <p:nvPr/>
+        </p:nvSpPr>
+        <p:spPr>
+          <a:xfrm>
+            <a:off x="761259" y="3970023"/>
+            <a:ext cx="2160000" cy="2160000"/>
+          </a:xfrm>
+          <a:prstGeom prst="plus">
+            <a:avLst>
+              <a:gd name="adj" fmla="val 27332"/>
+            </a:avLst>
+          </a:prstGeom>
+          <a:solidFill>
+            <a:srgbClr val="0000FF"/>
+          </a:solidFill>
+        </p:spPr>
+        <p:style>
+          <a:lnRef idx="2">
+            <a:schemeClr val="accent1">
+              <a:shade val="15000"/>
+            </a:schemeClr>
+          </a:lnRef>
+          <a:fillRef idx="1">
+            <a:schemeClr val="accent1"/>
+          </a:fillRef>
+          <a:effectRef idx="0">
+            <a:schemeClr val="accent1"/>
+          </a:effectRef>
+          <a:fontRef idx="minor">
+            <a:schemeClr val="lt1"/>
+          </a:fontRef>
+        </p:style>
+        <p:txBody>
+          <a:bodyPr rtlCol="0" anchor="ctr"/>
+          <a:lstStyle/>
+          <a:p>
+            <a:pPr algn="ctr"/>
+            <a:endParaRPr lang="pt-PT"/>
+          </a:p>
+        </p:txBody>
+      </p:sp>
+      <p:sp>
+        <p:nvSpPr>
+          <p:cNvPr id="9" name="Cruzada 8">
+            <a:extLst>
+              <a:ext uri="{FF2B5EF4-FFF2-40B4-BE49-F238E27FC236}">
+                <a16:creationId xmlns:a16="http://schemas.microsoft.com/office/drawing/2014/main" id="{4A15DF73-7861-83FC-A8C4-C19B19F7C3CB}"/>
+              </a:ext>
+            </a:extLst>
+          </p:cNvPr>
+          <p:cNvSpPr/>
+          <p:nvPr/>
+        </p:nvSpPr>
+        <p:spPr>
+          <a:xfrm>
+            <a:off x="3863475" y="3954825"/>
+            <a:ext cx="2160000" cy="2160000"/>
+          </a:xfrm>
+          <a:prstGeom prst="plus">
+            <a:avLst>
+              <a:gd name="adj" fmla="val 27332"/>
+            </a:avLst>
+          </a:prstGeom>
+          <a:solidFill>
+            <a:srgbClr val="FF00FF"/>
+          </a:solidFill>
+        </p:spPr>
+        <p:style>
+          <a:lnRef idx="2">
+            <a:schemeClr val="accent1">
+              <a:shade val="15000"/>
+            </a:schemeClr>
+          </a:lnRef>
+          <a:fillRef idx="1">
+            <a:schemeClr val="accent1"/>
+          </a:fillRef>
+          <a:effectRef idx="0">
+            <a:schemeClr val="accent1"/>
+          </a:effectRef>
+          <a:fontRef idx="minor">
+            <a:schemeClr val="lt1"/>
+          </a:fontRef>
+        </p:style>
+        <p:txBody>
+          <a:bodyPr rtlCol="0" anchor="ctr"/>
+          <a:lstStyle/>
+          <a:p>
+            <a:pPr algn="ctr"/>
+            <a:endParaRPr lang="pt-PT"/>
+          </a:p>
+        </p:txBody>
+      </p:sp>
+      <p:sp>
+        <p:nvSpPr>
+          <p:cNvPr id="21" name="Cruzada 20">
+            <a:extLst>
+              <a:ext uri="{FF2B5EF4-FFF2-40B4-BE49-F238E27FC236}">
+                <a16:creationId xmlns:a16="http://schemas.microsoft.com/office/drawing/2014/main" id="{05D6FFE6-2F63-7790-0B52-A9CDBEF4FD63}"/>
+              </a:ext>
+            </a:extLst>
+          </p:cNvPr>
+          <p:cNvSpPr/>
+          <p:nvPr/>
+        </p:nvSpPr>
+        <p:spPr>
+          <a:xfrm>
+            <a:off x="6890043" y="3962625"/>
+            <a:ext cx="2160000" cy="2160000"/>
+          </a:xfrm>
+          <a:prstGeom prst="plus">
+            <a:avLst>
+              <a:gd name="adj" fmla="val 27332"/>
+            </a:avLst>
+          </a:prstGeom>
+          <a:solidFill>
+            <a:srgbClr val="00FFFF"/>
+          </a:solidFill>
+        </p:spPr>
+        <p:style>
+          <a:lnRef idx="2">
+            <a:schemeClr val="accent1">
+              <a:shade val="15000"/>
+            </a:schemeClr>
+          </a:lnRef>
+          <a:fillRef idx="1">
+            <a:schemeClr val="accent1"/>
+          </a:fillRef>
+          <a:effectRef idx="0">
+            <a:schemeClr val="accent1"/>
+          </a:effectRef>
+          <a:fontRef idx="minor">
+            <a:schemeClr val="lt1"/>
+          </a:fontRef>
+        </p:style>
+        <p:txBody>
+          <a:bodyPr rtlCol="0" anchor="ctr"/>
+          <a:lstStyle/>
+          <a:p>
+            <a:pPr algn="ctr"/>
+            <a:endParaRPr lang="pt-PT"/>
+          </a:p>
+        </p:txBody>
+      </p:sp>
+      <p:sp>
+        <p:nvSpPr>
+          <p:cNvPr id="2" name="CaixaDeTexto 1">
+            <a:extLst>
+              <a:ext uri="{FF2B5EF4-FFF2-40B4-BE49-F238E27FC236}">
+                <a16:creationId xmlns:a16="http://schemas.microsoft.com/office/drawing/2014/main" id="{70B62168-320C-B067-1734-8D02A9CE9A03}"/>
+              </a:ext>
+            </a:extLst>
+          </p:cNvPr>
+          <p:cNvSpPr txBox="1"/>
+          <p:nvPr/>
+        </p:nvSpPr>
+        <p:spPr>
+          <a:xfrm>
+            <a:off x="5570501" y="3600449"/>
+            <a:ext cx="788205" cy="369332"/>
+          </a:xfrm>
+          <a:prstGeom prst="rect">
+            <a:avLst/>
+          </a:prstGeom>
+          <a:noFill/>
+        </p:spPr>
+        <p:txBody>
+          <a:bodyPr wrap="square" rtlCol="0">
+            <a:spAutoFit/>
+          </a:bodyPr>
+          <a:lstStyle/>
+          <a:p>
+            <a:pPr algn="r"/>
+            <a:r>
+              <a:rPr lang="pt-PT" b="1" dirty="0"/>
+              <a:t>ID 5.5</a:t>
+            </a:r>
+          </a:p>
+        </p:txBody>
+      </p:sp>
+      <p:sp>
+        <p:nvSpPr>
+          <p:cNvPr id="3" name="CaixaDeTexto 2">
+            <a:extLst>
+              <a:ext uri="{FF2B5EF4-FFF2-40B4-BE49-F238E27FC236}">
+                <a16:creationId xmlns:a16="http://schemas.microsoft.com/office/drawing/2014/main" id="{2D0EC6DA-2666-84FD-AB0F-0B3B94D23516}"/>
+              </a:ext>
+            </a:extLst>
+          </p:cNvPr>
+          <p:cNvSpPr txBox="1"/>
+          <p:nvPr/>
+        </p:nvSpPr>
+        <p:spPr>
+          <a:xfrm>
+            <a:off x="2449586" y="3600449"/>
+            <a:ext cx="823009" cy="369332"/>
+          </a:xfrm>
+          <a:prstGeom prst="rect">
+            <a:avLst/>
+          </a:prstGeom>
+          <a:noFill/>
+        </p:spPr>
+        <p:txBody>
+          <a:bodyPr wrap="square" rtlCol="0">
+            <a:spAutoFit/>
+          </a:bodyPr>
+          <a:lstStyle/>
+          <a:p>
+            <a:pPr algn="r"/>
+            <a:r>
+              <a:rPr lang="pt-PT" b="1" dirty="0"/>
+              <a:t>ID 5.4</a:t>
+            </a:r>
+          </a:p>
+        </p:txBody>
+      </p:sp>
+      <p:sp>
+        <p:nvSpPr>
+          <p:cNvPr id="12" name="CaixaDeTexto 11">
+            <a:extLst>
+              <a:ext uri="{FF2B5EF4-FFF2-40B4-BE49-F238E27FC236}">
+                <a16:creationId xmlns:a16="http://schemas.microsoft.com/office/drawing/2014/main" id="{06359D15-CD2F-CAD3-B093-B0C15F863086}"/>
+              </a:ext>
+            </a:extLst>
+          </p:cNvPr>
+          <p:cNvSpPr txBox="1"/>
+          <p:nvPr/>
+        </p:nvSpPr>
+        <p:spPr>
+          <a:xfrm>
+            <a:off x="8621839" y="3600449"/>
+            <a:ext cx="779542" cy="369332"/>
+          </a:xfrm>
+          <a:prstGeom prst="rect">
+            <a:avLst/>
+          </a:prstGeom>
+          <a:noFill/>
+        </p:spPr>
+        <p:txBody>
+          <a:bodyPr wrap="square" rtlCol="0">
+            <a:spAutoFit/>
+          </a:bodyPr>
+          <a:lstStyle/>
+          <a:p>
+            <a:pPr algn="r"/>
+            <a:r>
+              <a:rPr lang="pt-PT" b="1" dirty="0"/>
+              <a:t>ID 5.6</a:t>
+            </a:r>
+          </a:p>
+        </p:txBody>
+      </p:sp>
+      <p:sp>
+        <p:nvSpPr>
+          <p:cNvPr id="13" name="CaixaDeTexto 12">
+            <a:extLst>
+              <a:ext uri="{FF2B5EF4-FFF2-40B4-BE49-F238E27FC236}">
+                <a16:creationId xmlns:a16="http://schemas.microsoft.com/office/drawing/2014/main" id="{CF2FD323-C92F-7137-B4A2-C77C81757CEC}"/>
+              </a:ext>
+            </a:extLst>
+          </p:cNvPr>
+          <p:cNvSpPr txBox="1"/>
+          <p:nvPr/>
+        </p:nvSpPr>
+        <p:spPr>
+          <a:xfrm>
+            <a:off x="2449586" y="558525"/>
+            <a:ext cx="814348" cy="369332"/>
+          </a:xfrm>
+          <a:prstGeom prst="rect">
+            <a:avLst/>
+          </a:prstGeom>
+          <a:noFill/>
+        </p:spPr>
+        <p:txBody>
+          <a:bodyPr wrap="square" rtlCol="0">
+            <a:spAutoFit/>
+          </a:bodyPr>
+          <a:lstStyle/>
+          <a:p>
+            <a:pPr algn="r"/>
+            <a:r>
+              <a:rPr lang="pt-PT" b="1" dirty="0"/>
+              <a:t>ID 5.1</a:t>
+            </a:r>
+          </a:p>
+        </p:txBody>
+      </p:sp>
+      <p:sp>
+        <p:nvSpPr>
+          <p:cNvPr id="14" name="CaixaDeTexto 13">
+            <a:extLst>
+              <a:ext uri="{FF2B5EF4-FFF2-40B4-BE49-F238E27FC236}">
+                <a16:creationId xmlns:a16="http://schemas.microsoft.com/office/drawing/2014/main" id="{E910A8AC-1545-6556-56CE-B64A1064E642}"/>
+              </a:ext>
+            </a:extLst>
+          </p:cNvPr>
+          <p:cNvSpPr txBox="1"/>
+          <p:nvPr/>
+        </p:nvSpPr>
+        <p:spPr>
+          <a:xfrm>
+            <a:off x="5570501" y="558525"/>
+            <a:ext cx="770879" cy="369332"/>
+          </a:xfrm>
+          <a:prstGeom prst="rect">
+            <a:avLst/>
+          </a:prstGeom>
+          <a:noFill/>
+        </p:spPr>
+        <p:txBody>
+          <a:bodyPr wrap="square" rtlCol="0">
+            <a:spAutoFit/>
+          </a:bodyPr>
+          <a:lstStyle/>
+          <a:p>
+            <a:pPr algn="r"/>
+            <a:r>
+              <a:rPr lang="pt-PT" b="1" dirty="0"/>
+              <a:t>ID 5.2</a:t>
+            </a:r>
+          </a:p>
+        </p:txBody>
+      </p:sp>
+      <p:sp>
+        <p:nvSpPr>
+          <p:cNvPr id="15" name="CaixaDeTexto 14">
+            <a:extLst>
+              <a:ext uri="{FF2B5EF4-FFF2-40B4-BE49-F238E27FC236}">
+                <a16:creationId xmlns:a16="http://schemas.microsoft.com/office/drawing/2014/main" id="{95541F31-C1EA-EE6C-921B-884DC1B9050F}"/>
+              </a:ext>
+            </a:extLst>
+          </p:cNvPr>
+          <p:cNvSpPr txBox="1"/>
+          <p:nvPr/>
+        </p:nvSpPr>
+        <p:spPr>
+          <a:xfrm>
+            <a:off x="8621838" y="558525"/>
+            <a:ext cx="770879" cy="369332"/>
+          </a:xfrm>
+          <a:prstGeom prst="rect">
+            <a:avLst/>
+          </a:prstGeom>
+          <a:noFill/>
+        </p:spPr>
+        <p:txBody>
+          <a:bodyPr wrap="square" rtlCol="0">
+            <a:spAutoFit/>
+          </a:bodyPr>
+          <a:lstStyle/>
+          <a:p>
+            <a:pPr algn="r"/>
+            <a:r>
+              <a:rPr lang="pt-PT" b="1" dirty="0"/>
+              <a:t>ID 5.3</a:t>
+            </a:r>
+          </a:p>
+        </p:txBody>
+      </p:sp>
+    </p:spTree>
+    <p:extLst>
+      <p:ext uri="{BB962C8B-B14F-4D97-AF65-F5344CB8AC3E}">
+        <p14:creationId xmlns:p14="http://schemas.microsoft.com/office/powerpoint/2010/main" val="4029246817"/>
+      </p:ext>
+    </p:extLst>
+  </p:cSld>
+  <p:clrMapOvr>
+    <a:masterClrMapping/>
+  </p:clrMapOvr>
+</p:sld>
+</file>
+
+<file path=ppt/slides/slide12.xml><?xml version="1.0" encoding="utf-8"?>
+<p:sld xmlns:a="http://schemas.openxmlformats.org/drawingml/2006/main" xmlns:r="http://schemas.openxmlformats.org/officeDocument/2006/relationships" xmlns:p="http://schemas.openxmlformats.org/presentationml/2006/main">
+  <p:cSld>
+    <p:bg>
+      <p:bgPr>
+        <a:solidFill>
+          <a:srgbClr val="FFFFFF"/>
+        </a:solidFill>
+        <a:effectLst/>
+      </p:bgPr>
+    </p:bg>
+    <p:spTree>
+      <p:nvGrpSpPr>
+        <p:cNvPr id="1" name="">
+          <a:extLst>
+            <a:ext uri="{FF2B5EF4-FFF2-40B4-BE49-F238E27FC236}">
+              <a16:creationId xmlns:a16="http://schemas.microsoft.com/office/drawing/2014/main" id="{EAC87D3E-6284-3FD6-F5EF-77B2FF6834EB}"/>
+            </a:ext>
+          </a:extLst>
+        </p:cNvPr>
+        <p:cNvGrpSpPr/>
+        <p:nvPr/>
+      </p:nvGrpSpPr>
+      <p:grpSpPr>
+        <a:xfrm>
+          <a:off x="0" y="0"/>
+          <a:ext cx="0" cy="0"/>
+          <a:chOff x="0" y="0"/>
+          <a:chExt cx="0" cy="0"/>
+        </a:xfrm>
+      </p:grpSpPr>
+      <p:sp>
+        <p:nvSpPr>
+          <p:cNvPr id="5" name="Retângulo 4">
+            <a:extLst>
+              <a:ext uri="{FF2B5EF4-FFF2-40B4-BE49-F238E27FC236}">
+                <a16:creationId xmlns:a16="http://schemas.microsoft.com/office/drawing/2014/main" id="{3B620E32-A3B8-BE61-4282-93786F4C6108}"/>
+              </a:ext>
+            </a:extLst>
+          </p:cNvPr>
+          <p:cNvSpPr/>
+          <p:nvPr/>
+        </p:nvSpPr>
+        <p:spPr>
+          <a:xfrm>
+            <a:off x="3503475" y="561974"/>
+            <a:ext cx="2880000" cy="2880000"/>
+          </a:xfrm>
+          <a:prstGeom prst="rect">
+            <a:avLst/>
+          </a:prstGeom>
+          <a:noFill/>
+        </p:spPr>
+        <p:style>
+          <a:lnRef idx="2">
+            <a:schemeClr val="accent1">
+              <a:shade val="15000"/>
+            </a:schemeClr>
+          </a:lnRef>
+          <a:fillRef idx="1">
+            <a:schemeClr val="accent1"/>
+          </a:fillRef>
+          <a:effectRef idx="0">
+            <a:schemeClr val="accent1"/>
+          </a:effectRef>
+          <a:fontRef idx="minor">
+            <a:schemeClr val="lt1"/>
+          </a:fontRef>
+        </p:style>
+        <p:txBody>
+          <a:bodyPr rtlCol="0" anchor="ctr"/>
+          <a:lstStyle/>
+          <a:p>
+            <a:pPr algn="ctr"/>
+            <a:endParaRPr lang="pt-PT"/>
+          </a:p>
+        </p:txBody>
+      </p:sp>
+      <p:sp>
+        <p:nvSpPr>
+          <p:cNvPr id="10" name="CaixaDeTexto 9">
+            <a:extLst>
+              <a:ext uri="{FF2B5EF4-FFF2-40B4-BE49-F238E27FC236}">
+                <a16:creationId xmlns:a16="http://schemas.microsoft.com/office/drawing/2014/main" id="{1E5BAEA6-5B3F-F51F-CBF2-8230674E374A}"/>
+              </a:ext>
+            </a:extLst>
+          </p:cNvPr>
+          <p:cNvSpPr txBox="1"/>
+          <p:nvPr/>
+        </p:nvSpPr>
+        <p:spPr>
+          <a:xfrm>
+            <a:off x="6786562" y="160569"/>
+            <a:ext cx="2366962" cy="369332"/>
+          </a:xfrm>
+          <a:prstGeom prst="rect">
+            <a:avLst/>
+          </a:prstGeom>
+          <a:noFill/>
+        </p:spPr>
+        <p:txBody>
+          <a:bodyPr wrap="square" rtlCol="0">
+            <a:spAutoFit/>
+          </a:bodyPr>
+          <a:lstStyle/>
+          <a:p>
+            <a:pPr algn="r"/>
+            <a:r>
+              <a:rPr lang="pt-PT" b="1" dirty="0"/>
+              <a:t>Marcador ID 6</a:t>
+            </a:r>
+          </a:p>
+        </p:txBody>
+      </p:sp>
+      <p:sp>
+        <p:nvSpPr>
+          <p:cNvPr id="11" name="CaixaDeTexto 10">
+            <a:extLst>
+              <a:ext uri="{FF2B5EF4-FFF2-40B4-BE49-F238E27FC236}">
+                <a16:creationId xmlns:a16="http://schemas.microsoft.com/office/drawing/2014/main" id="{1B5D41F2-6B44-0594-AC6E-26E508EAB9BB}"/>
+              </a:ext>
+            </a:extLst>
+          </p:cNvPr>
+          <p:cNvSpPr txBox="1"/>
+          <p:nvPr/>
+        </p:nvSpPr>
+        <p:spPr>
+          <a:xfrm>
+            <a:off x="3119437" y="179619"/>
+            <a:ext cx="3667125" cy="369332"/>
+          </a:xfrm>
+          <a:prstGeom prst="rect">
+            <a:avLst/>
+          </a:prstGeom>
+          <a:noFill/>
+        </p:spPr>
+        <p:txBody>
+          <a:bodyPr wrap="square" rtlCol="0">
+            <a:spAutoFit/>
+          </a:bodyPr>
+          <a:lstStyle/>
+          <a:p>
+            <a:pPr algn="ctr"/>
+            <a:r>
+              <a:rPr lang="pt-PT" b="1" dirty="0"/>
+              <a:t>Hexágono Ciano</a:t>
+            </a:r>
+          </a:p>
+        </p:txBody>
+      </p:sp>
+      <p:sp>
+        <p:nvSpPr>
+          <p:cNvPr id="16" name="Retângulo 15">
+            <a:extLst>
+              <a:ext uri="{FF2B5EF4-FFF2-40B4-BE49-F238E27FC236}">
+                <a16:creationId xmlns:a16="http://schemas.microsoft.com/office/drawing/2014/main" id="{2E42E894-2D84-5E40-03E7-9038AD03AF6A}"/>
+              </a:ext>
+            </a:extLst>
+          </p:cNvPr>
+          <p:cNvSpPr/>
+          <p:nvPr/>
+        </p:nvSpPr>
+        <p:spPr>
+          <a:xfrm>
+            <a:off x="6530043" y="561974"/>
+            <a:ext cx="2880000" cy="2880000"/>
+          </a:xfrm>
+          <a:prstGeom prst="rect">
+            <a:avLst/>
+          </a:prstGeom>
+          <a:noFill/>
+        </p:spPr>
+        <p:style>
+          <a:lnRef idx="2">
+            <a:schemeClr val="accent1">
+              <a:shade val="15000"/>
+            </a:schemeClr>
+          </a:lnRef>
+          <a:fillRef idx="1">
+            <a:schemeClr val="accent1"/>
+          </a:fillRef>
+          <a:effectRef idx="0">
+            <a:schemeClr val="accent1"/>
+          </a:effectRef>
+          <a:fontRef idx="minor">
+            <a:schemeClr val="lt1"/>
+          </a:fontRef>
+        </p:style>
+        <p:txBody>
+          <a:bodyPr rtlCol="0" anchor="ctr"/>
+          <a:lstStyle/>
+          <a:p>
+            <a:pPr algn="ctr"/>
+            <a:endParaRPr lang="pt-PT"/>
+          </a:p>
+        </p:txBody>
+      </p:sp>
+      <p:sp>
+        <p:nvSpPr>
+          <p:cNvPr id="17" name="Retângulo 16">
+            <a:extLst>
+              <a:ext uri="{FF2B5EF4-FFF2-40B4-BE49-F238E27FC236}">
+                <a16:creationId xmlns:a16="http://schemas.microsoft.com/office/drawing/2014/main" id="{B6C36CEF-991C-850C-C57E-D0AFF3020917}"/>
+              </a:ext>
+            </a:extLst>
+          </p:cNvPr>
+          <p:cNvSpPr/>
+          <p:nvPr/>
+        </p:nvSpPr>
+        <p:spPr>
+          <a:xfrm>
+            <a:off x="401259" y="558525"/>
+            <a:ext cx="2880000" cy="2880000"/>
+          </a:xfrm>
+          <a:prstGeom prst="rect">
+            <a:avLst/>
+          </a:prstGeom>
+          <a:noFill/>
+        </p:spPr>
+        <p:style>
+          <a:lnRef idx="2">
+            <a:schemeClr val="accent1">
+              <a:shade val="15000"/>
+            </a:schemeClr>
+          </a:lnRef>
+          <a:fillRef idx="1">
+            <a:schemeClr val="accent1"/>
+          </a:fillRef>
+          <a:effectRef idx="0">
+            <a:schemeClr val="accent1"/>
+          </a:effectRef>
+          <a:fontRef idx="minor">
+            <a:schemeClr val="lt1"/>
+          </a:fontRef>
+        </p:style>
+        <p:txBody>
+          <a:bodyPr rtlCol="0" anchor="ctr"/>
+          <a:lstStyle/>
+          <a:p>
+            <a:pPr algn="ctr"/>
+            <a:endParaRPr lang="pt-PT"/>
+          </a:p>
+        </p:txBody>
+      </p:sp>
+      <p:sp>
+        <p:nvSpPr>
+          <p:cNvPr id="18" name="Retângulo 17">
+            <a:extLst>
+              <a:ext uri="{FF2B5EF4-FFF2-40B4-BE49-F238E27FC236}">
+                <a16:creationId xmlns:a16="http://schemas.microsoft.com/office/drawing/2014/main" id="{D90BDF7F-D8B8-070B-9FA7-E66A73ACBA2D}"/>
+              </a:ext>
+            </a:extLst>
+          </p:cNvPr>
+          <p:cNvSpPr/>
+          <p:nvPr/>
+        </p:nvSpPr>
+        <p:spPr>
+          <a:xfrm>
+            <a:off x="3513000" y="3600449"/>
+            <a:ext cx="2880000" cy="2880000"/>
+          </a:xfrm>
+          <a:prstGeom prst="rect">
+            <a:avLst/>
+          </a:prstGeom>
+          <a:noFill/>
+        </p:spPr>
+        <p:style>
+          <a:lnRef idx="2">
+            <a:schemeClr val="accent1">
+              <a:shade val="15000"/>
+            </a:schemeClr>
+          </a:lnRef>
+          <a:fillRef idx="1">
+            <a:schemeClr val="accent1"/>
+          </a:fillRef>
+          <a:effectRef idx="0">
+            <a:schemeClr val="accent1"/>
+          </a:effectRef>
+          <a:fontRef idx="minor">
+            <a:schemeClr val="lt1"/>
+          </a:fontRef>
+        </p:style>
+        <p:txBody>
+          <a:bodyPr rtlCol="0" anchor="ctr"/>
+          <a:lstStyle/>
+          <a:p>
+            <a:pPr algn="ctr"/>
+            <a:endParaRPr lang="pt-PT"/>
+          </a:p>
+        </p:txBody>
+      </p:sp>
+      <p:sp>
+        <p:nvSpPr>
+          <p:cNvPr id="19" name="Retângulo 18">
+            <a:extLst>
+              <a:ext uri="{FF2B5EF4-FFF2-40B4-BE49-F238E27FC236}">
+                <a16:creationId xmlns:a16="http://schemas.microsoft.com/office/drawing/2014/main" id="{8619FEE0-81EF-C45F-1897-D81197608B3F}"/>
+              </a:ext>
+            </a:extLst>
+          </p:cNvPr>
+          <p:cNvSpPr/>
+          <p:nvPr/>
+        </p:nvSpPr>
+        <p:spPr>
+          <a:xfrm>
+            <a:off x="401259" y="3600449"/>
+            <a:ext cx="2880000" cy="2880000"/>
+          </a:xfrm>
+          <a:prstGeom prst="rect">
+            <a:avLst/>
+          </a:prstGeom>
+          <a:noFill/>
+        </p:spPr>
+        <p:style>
+          <a:lnRef idx="2">
+            <a:schemeClr val="accent1">
+              <a:shade val="15000"/>
+            </a:schemeClr>
+          </a:lnRef>
+          <a:fillRef idx="1">
+            <a:schemeClr val="accent1"/>
+          </a:fillRef>
+          <a:effectRef idx="0">
+            <a:schemeClr val="accent1"/>
+          </a:effectRef>
+          <a:fontRef idx="minor">
+            <a:schemeClr val="lt1"/>
+          </a:fontRef>
+        </p:style>
+        <p:txBody>
+          <a:bodyPr rtlCol="0" anchor="ctr"/>
+          <a:lstStyle/>
+          <a:p>
+            <a:pPr algn="ctr"/>
+            <a:endParaRPr lang="pt-PT"/>
+          </a:p>
+        </p:txBody>
+      </p:sp>
+      <p:sp>
+        <p:nvSpPr>
+          <p:cNvPr id="20" name="Retângulo 19">
+            <a:extLst>
+              <a:ext uri="{FF2B5EF4-FFF2-40B4-BE49-F238E27FC236}">
+                <a16:creationId xmlns:a16="http://schemas.microsoft.com/office/drawing/2014/main" id="{6A77EDCD-7CE7-A905-0904-CEB5C4241D31}"/>
+              </a:ext>
+            </a:extLst>
+          </p:cNvPr>
+          <p:cNvSpPr/>
+          <p:nvPr/>
+        </p:nvSpPr>
+        <p:spPr>
+          <a:xfrm>
+            <a:off x="6530043" y="3600449"/>
+            <a:ext cx="2880000" cy="2880000"/>
+          </a:xfrm>
+          <a:prstGeom prst="rect">
+            <a:avLst/>
+          </a:prstGeom>
+          <a:noFill/>
+        </p:spPr>
+        <p:style>
+          <a:lnRef idx="2">
+            <a:schemeClr val="accent1">
+              <a:shade val="15000"/>
+            </a:schemeClr>
+          </a:lnRef>
+          <a:fillRef idx="1">
+            <a:schemeClr val="accent1"/>
+          </a:fillRef>
+          <a:effectRef idx="0">
+            <a:schemeClr val="accent1"/>
+          </a:effectRef>
+          <a:fontRef idx="minor">
+            <a:schemeClr val="lt1"/>
+          </a:fontRef>
+        </p:style>
+        <p:txBody>
+          <a:bodyPr rtlCol="0" anchor="ctr"/>
+          <a:lstStyle/>
+          <a:p>
+            <a:pPr algn="ctr"/>
+            <a:endParaRPr lang="pt-PT"/>
+          </a:p>
+        </p:txBody>
+      </p:sp>
+      <p:sp>
+        <p:nvSpPr>
+          <p:cNvPr id="2" name="Hexágono 1">
+            <a:extLst>
+              <a:ext uri="{FF2B5EF4-FFF2-40B4-BE49-F238E27FC236}">
+                <a16:creationId xmlns:a16="http://schemas.microsoft.com/office/drawing/2014/main" id="{8FE39A70-5DDB-3416-2D8A-4556D524870D}"/>
+              </a:ext>
+            </a:extLst>
+          </p:cNvPr>
+          <p:cNvSpPr/>
+          <p:nvPr/>
+        </p:nvSpPr>
+        <p:spPr>
+          <a:xfrm>
+            <a:off x="761259" y="918525"/>
+            <a:ext cx="2160000" cy="2160000"/>
+          </a:xfrm>
+          <a:prstGeom prst="hexagon">
+            <a:avLst/>
+          </a:prstGeom>
+          <a:solidFill>
+            <a:srgbClr val="00FFFF"/>
+          </a:solidFill>
+        </p:spPr>
+        <p:style>
+          <a:lnRef idx="2">
+            <a:schemeClr val="accent1">
+              <a:shade val="15000"/>
+            </a:schemeClr>
+          </a:lnRef>
+          <a:fillRef idx="1">
+            <a:schemeClr val="accent1"/>
+          </a:fillRef>
+          <a:effectRef idx="0">
+            <a:schemeClr val="accent1"/>
+          </a:effectRef>
+          <a:fontRef idx="minor">
+            <a:schemeClr val="lt1"/>
+          </a:fontRef>
+        </p:style>
+        <p:txBody>
+          <a:bodyPr rtlCol="0" anchor="ctr"/>
+          <a:lstStyle/>
+          <a:p>
+            <a:pPr algn="ctr"/>
+            <a:endParaRPr lang="pt-PT"/>
+          </a:p>
+        </p:txBody>
+      </p:sp>
+      <p:sp>
+        <p:nvSpPr>
+          <p:cNvPr id="3" name="Hexágono 2">
+            <a:extLst>
+              <a:ext uri="{FF2B5EF4-FFF2-40B4-BE49-F238E27FC236}">
+                <a16:creationId xmlns:a16="http://schemas.microsoft.com/office/drawing/2014/main" id="{69BC5433-89FA-6837-4136-F5EBABE66018}"/>
+              </a:ext>
+            </a:extLst>
+          </p:cNvPr>
+          <p:cNvSpPr/>
+          <p:nvPr/>
+        </p:nvSpPr>
+        <p:spPr>
+          <a:xfrm>
+            <a:off x="761259" y="3960449"/>
+            <a:ext cx="2160000" cy="2160000"/>
+          </a:xfrm>
+          <a:prstGeom prst="hexagon">
+            <a:avLst/>
+          </a:prstGeom>
+          <a:solidFill>
+            <a:srgbClr val="00FFFF"/>
+          </a:solidFill>
+        </p:spPr>
+        <p:style>
+          <a:lnRef idx="2">
+            <a:schemeClr val="accent1">
+              <a:shade val="15000"/>
+            </a:schemeClr>
+          </a:lnRef>
+          <a:fillRef idx="1">
+            <a:schemeClr val="accent1"/>
+          </a:fillRef>
+          <a:effectRef idx="0">
+            <a:schemeClr val="accent1"/>
+          </a:effectRef>
+          <a:fontRef idx="minor">
+            <a:schemeClr val="lt1"/>
+          </a:fontRef>
+        </p:style>
+        <p:txBody>
+          <a:bodyPr rtlCol="0" anchor="ctr"/>
+          <a:lstStyle/>
+          <a:p>
+            <a:pPr algn="ctr"/>
+            <a:endParaRPr lang="pt-PT"/>
+          </a:p>
+        </p:txBody>
+      </p:sp>
+      <p:sp>
+        <p:nvSpPr>
+          <p:cNvPr id="12" name="Hexágono 11">
+            <a:extLst>
+              <a:ext uri="{FF2B5EF4-FFF2-40B4-BE49-F238E27FC236}">
+                <a16:creationId xmlns:a16="http://schemas.microsoft.com/office/drawing/2014/main" id="{278E9AAE-6A66-CEAF-35F6-4FD4AB7D6CE4}"/>
+              </a:ext>
+            </a:extLst>
+          </p:cNvPr>
+          <p:cNvSpPr/>
+          <p:nvPr/>
+        </p:nvSpPr>
+        <p:spPr>
+          <a:xfrm>
+            <a:off x="3873000" y="3960449"/>
+            <a:ext cx="2160000" cy="2160000"/>
+          </a:xfrm>
+          <a:prstGeom prst="hexagon">
+            <a:avLst/>
+          </a:prstGeom>
+          <a:solidFill>
+            <a:srgbClr val="00FFFF"/>
+          </a:solidFill>
+        </p:spPr>
+        <p:style>
+          <a:lnRef idx="2">
+            <a:schemeClr val="accent1">
+              <a:shade val="15000"/>
+            </a:schemeClr>
+          </a:lnRef>
+          <a:fillRef idx="1">
+            <a:schemeClr val="accent1"/>
+          </a:fillRef>
+          <a:effectRef idx="0">
+            <a:schemeClr val="accent1"/>
+          </a:effectRef>
+          <a:fontRef idx="minor">
+            <a:schemeClr val="lt1"/>
+          </a:fontRef>
+        </p:style>
+        <p:txBody>
+          <a:bodyPr rtlCol="0" anchor="ctr"/>
+          <a:lstStyle/>
+          <a:p>
+            <a:pPr algn="ctr"/>
+            <a:endParaRPr lang="pt-PT"/>
+          </a:p>
+        </p:txBody>
+      </p:sp>
+      <p:sp>
+        <p:nvSpPr>
+          <p:cNvPr id="13" name="Hexágono 12">
+            <a:extLst>
+              <a:ext uri="{FF2B5EF4-FFF2-40B4-BE49-F238E27FC236}">
+                <a16:creationId xmlns:a16="http://schemas.microsoft.com/office/drawing/2014/main" id="{7A431306-E129-EC24-46B5-16DC0561FF05}"/>
+              </a:ext>
+            </a:extLst>
+          </p:cNvPr>
+          <p:cNvSpPr/>
+          <p:nvPr/>
+        </p:nvSpPr>
+        <p:spPr>
+          <a:xfrm>
+            <a:off x="6890043" y="3960449"/>
+            <a:ext cx="2160000" cy="2160000"/>
+          </a:xfrm>
+          <a:prstGeom prst="hexagon">
+            <a:avLst/>
+          </a:prstGeom>
+          <a:solidFill>
+            <a:srgbClr val="00FFFF"/>
+          </a:solidFill>
+        </p:spPr>
+        <p:style>
+          <a:lnRef idx="2">
+            <a:schemeClr val="accent1">
+              <a:shade val="15000"/>
+            </a:schemeClr>
+          </a:lnRef>
+          <a:fillRef idx="1">
+            <a:schemeClr val="accent1"/>
+          </a:fillRef>
+          <a:effectRef idx="0">
+            <a:schemeClr val="accent1"/>
+          </a:effectRef>
+          <a:fontRef idx="minor">
+            <a:schemeClr val="lt1"/>
+          </a:fontRef>
+        </p:style>
+        <p:txBody>
+          <a:bodyPr rtlCol="0" anchor="ctr"/>
+          <a:lstStyle/>
+          <a:p>
+            <a:pPr algn="ctr"/>
+            <a:endParaRPr lang="pt-PT"/>
+          </a:p>
+        </p:txBody>
+      </p:sp>
+      <p:sp>
+        <p:nvSpPr>
+          <p:cNvPr id="14" name="Hexágono 13">
+            <a:extLst>
+              <a:ext uri="{FF2B5EF4-FFF2-40B4-BE49-F238E27FC236}">
+                <a16:creationId xmlns:a16="http://schemas.microsoft.com/office/drawing/2014/main" id="{86223422-84CB-AC7B-0D34-D57A2F896577}"/>
+              </a:ext>
+            </a:extLst>
+          </p:cNvPr>
+          <p:cNvSpPr/>
+          <p:nvPr/>
+        </p:nvSpPr>
+        <p:spPr>
+          <a:xfrm>
+            <a:off x="3868238" y="918525"/>
+            <a:ext cx="2160000" cy="2160000"/>
+          </a:xfrm>
+          <a:prstGeom prst="hexagon">
+            <a:avLst/>
+          </a:prstGeom>
+          <a:solidFill>
+            <a:srgbClr val="00FFFF"/>
+          </a:solidFill>
+        </p:spPr>
+        <p:style>
+          <a:lnRef idx="2">
+            <a:schemeClr val="accent1">
+              <a:shade val="15000"/>
+            </a:schemeClr>
+          </a:lnRef>
+          <a:fillRef idx="1">
+            <a:schemeClr val="accent1"/>
+          </a:fillRef>
+          <a:effectRef idx="0">
+            <a:schemeClr val="accent1"/>
+          </a:effectRef>
+          <a:fontRef idx="minor">
+            <a:schemeClr val="lt1"/>
+          </a:fontRef>
+        </p:style>
+        <p:txBody>
+          <a:bodyPr rtlCol="0" anchor="ctr"/>
+          <a:lstStyle/>
+          <a:p>
+            <a:pPr algn="ctr"/>
+            <a:endParaRPr lang="pt-PT"/>
+          </a:p>
+        </p:txBody>
+      </p:sp>
+      <p:sp>
+        <p:nvSpPr>
+          <p:cNvPr id="15" name="Hexágono 14">
+            <a:extLst>
+              <a:ext uri="{FF2B5EF4-FFF2-40B4-BE49-F238E27FC236}">
+                <a16:creationId xmlns:a16="http://schemas.microsoft.com/office/drawing/2014/main" id="{B23E5E0D-2D79-C717-3DD6-24A500922747}"/>
+              </a:ext>
+            </a:extLst>
+          </p:cNvPr>
+          <p:cNvSpPr/>
+          <p:nvPr/>
+        </p:nvSpPr>
+        <p:spPr>
+          <a:xfrm>
+            <a:off x="6885281" y="918525"/>
+            <a:ext cx="2160000" cy="2160000"/>
+          </a:xfrm>
+          <a:prstGeom prst="hexagon">
+            <a:avLst/>
+          </a:prstGeom>
+          <a:solidFill>
+            <a:srgbClr val="00FFFF"/>
+          </a:solidFill>
+        </p:spPr>
+        <p:style>
+          <a:lnRef idx="2">
+            <a:schemeClr val="accent1">
+              <a:shade val="15000"/>
+            </a:schemeClr>
+          </a:lnRef>
+          <a:fillRef idx="1">
+            <a:schemeClr val="accent1"/>
+          </a:fillRef>
+          <a:effectRef idx="0">
+            <a:schemeClr val="accent1"/>
+          </a:effectRef>
+          <a:fontRef idx="minor">
+            <a:schemeClr val="lt1"/>
+          </a:fontRef>
+        </p:style>
+        <p:txBody>
+          <a:bodyPr rtlCol="0" anchor="ctr"/>
+          <a:lstStyle/>
+          <a:p>
+            <a:pPr algn="ctr"/>
+            <a:endParaRPr lang="pt-PT"/>
+          </a:p>
+        </p:txBody>
+      </p:sp>
+      <p:sp>
+        <p:nvSpPr>
+          <p:cNvPr id="4" name="CaixaDeTexto 3">
+            <a:extLst>
+              <a:ext uri="{FF2B5EF4-FFF2-40B4-BE49-F238E27FC236}">
+                <a16:creationId xmlns:a16="http://schemas.microsoft.com/office/drawing/2014/main" id="{07EC38A3-09E3-5EC9-F00E-7E4F13CAB93C}"/>
+              </a:ext>
+            </a:extLst>
+          </p:cNvPr>
+          <p:cNvSpPr txBox="1"/>
+          <p:nvPr/>
+        </p:nvSpPr>
+        <p:spPr>
+          <a:xfrm>
+            <a:off x="5656031" y="3600449"/>
+            <a:ext cx="702675" cy="369332"/>
+          </a:xfrm>
+          <a:prstGeom prst="rect">
+            <a:avLst/>
+          </a:prstGeom>
+          <a:noFill/>
+        </p:spPr>
+        <p:txBody>
+          <a:bodyPr wrap="square" rtlCol="0">
+            <a:spAutoFit/>
+          </a:bodyPr>
+          <a:lstStyle/>
+          <a:p>
+            <a:pPr algn="r"/>
+            <a:r>
+              <a:rPr lang="pt-PT" b="1" dirty="0"/>
+              <a:t>ID 6</a:t>
+            </a:r>
+          </a:p>
+        </p:txBody>
+      </p:sp>
+      <p:sp>
+        <p:nvSpPr>
+          <p:cNvPr id="6" name="CaixaDeTexto 5">
+            <a:extLst>
+              <a:ext uri="{FF2B5EF4-FFF2-40B4-BE49-F238E27FC236}">
+                <a16:creationId xmlns:a16="http://schemas.microsoft.com/office/drawing/2014/main" id="{85E4AD41-7DB9-02F1-9706-8D457467949F}"/>
+              </a:ext>
+            </a:extLst>
+          </p:cNvPr>
+          <p:cNvSpPr txBox="1"/>
+          <p:nvPr/>
+        </p:nvSpPr>
+        <p:spPr>
+          <a:xfrm>
+            <a:off x="2569920" y="3600449"/>
+            <a:ext cx="702675" cy="369332"/>
+          </a:xfrm>
+          <a:prstGeom prst="rect">
+            <a:avLst/>
+          </a:prstGeom>
+          <a:noFill/>
+        </p:spPr>
+        <p:txBody>
+          <a:bodyPr wrap="square" rtlCol="0">
+            <a:spAutoFit/>
+          </a:bodyPr>
+          <a:lstStyle/>
+          <a:p>
+            <a:pPr algn="r"/>
+            <a:r>
+              <a:rPr lang="pt-PT" b="1" dirty="0"/>
+              <a:t>ID 6</a:t>
+            </a:r>
+          </a:p>
+        </p:txBody>
+      </p:sp>
+      <p:sp>
+        <p:nvSpPr>
+          <p:cNvPr id="7" name="CaixaDeTexto 6">
+            <a:extLst>
+              <a:ext uri="{FF2B5EF4-FFF2-40B4-BE49-F238E27FC236}">
+                <a16:creationId xmlns:a16="http://schemas.microsoft.com/office/drawing/2014/main" id="{C1A25D4B-793F-00C0-7424-4C90C40A45F1}"/>
+              </a:ext>
+            </a:extLst>
+          </p:cNvPr>
+          <p:cNvSpPr txBox="1"/>
+          <p:nvPr/>
+        </p:nvSpPr>
+        <p:spPr>
+          <a:xfrm>
+            <a:off x="8698705" y="3600449"/>
+            <a:ext cx="702675" cy="369332"/>
+          </a:xfrm>
+          <a:prstGeom prst="rect">
+            <a:avLst/>
+          </a:prstGeom>
+          <a:noFill/>
+        </p:spPr>
+        <p:txBody>
+          <a:bodyPr wrap="square" rtlCol="0">
+            <a:spAutoFit/>
+          </a:bodyPr>
+          <a:lstStyle/>
+          <a:p>
+            <a:pPr algn="r"/>
+            <a:r>
+              <a:rPr lang="pt-PT" b="1" dirty="0"/>
+              <a:t>ID 6</a:t>
+            </a:r>
+          </a:p>
+        </p:txBody>
+      </p:sp>
+      <p:sp>
+        <p:nvSpPr>
+          <p:cNvPr id="8" name="CaixaDeTexto 7">
+            <a:extLst>
+              <a:ext uri="{FF2B5EF4-FFF2-40B4-BE49-F238E27FC236}">
+                <a16:creationId xmlns:a16="http://schemas.microsoft.com/office/drawing/2014/main" id="{71BD7D5E-D40D-601B-9848-4A35A5491349}"/>
+              </a:ext>
+            </a:extLst>
+          </p:cNvPr>
+          <p:cNvSpPr txBox="1"/>
+          <p:nvPr/>
+        </p:nvSpPr>
+        <p:spPr>
+          <a:xfrm>
+            <a:off x="2561258" y="558525"/>
+            <a:ext cx="702675" cy="369332"/>
+          </a:xfrm>
+          <a:prstGeom prst="rect">
+            <a:avLst/>
+          </a:prstGeom>
+          <a:noFill/>
+        </p:spPr>
+        <p:txBody>
+          <a:bodyPr wrap="square" rtlCol="0">
+            <a:spAutoFit/>
+          </a:bodyPr>
+          <a:lstStyle/>
+          <a:p>
+            <a:pPr algn="r"/>
+            <a:r>
+              <a:rPr lang="pt-PT" b="1" dirty="0"/>
+              <a:t>ID 6</a:t>
+            </a:r>
+          </a:p>
+        </p:txBody>
+      </p:sp>
+      <p:sp>
+        <p:nvSpPr>
+          <p:cNvPr id="9" name="CaixaDeTexto 8">
+            <a:extLst>
+              <a:ext uri="{FF2B5EF4-FFF2-40B4-BE49-F238E27FC236}">
+                <a16:creationId xmlns:a16="http://schemas.microsoft.com/office/drawing/2014/main" id="{0DBBD31A-0760-E99A-D4C7-5B6BC0D71D25}"/>
+              </a:ext>
+            </a:extLst>
+          </p:cNvPr>
+          <p:cNvSpPr txBox="1"/>
+          <p:nvPr/>
+        </p:nvSpPr>
+        <p:spPr>
+          <a:xfrm>
+            <a:off x="5638705" y="558525"/>
+            <a:ext cx="702675" cy="369332"/>
+          </a:xfrm>
+          <a:prstGeom prst="rect">
+            <a:avLst/>
+          </a:prstGeom>
+          <a:noFill/>
+        </p:spPr>
+        <p:txBody>
+          <a:bodyPr wrap="square" rtlCol="0">
+            <a:spAutoFit/>
+          </a:bodyPr>
+          <a:lstStyle/>
+          <a:p>
+            <a:pPr algn="r"/>
+            <a:r>
+              <a:rPr lang="pt-PT" b="1" dirty="0"/>
+              <a:t>ID 6</a:t>
+            </a:r>
+          </a:p>
+        </p:txBody>
+      </p:sp>
+      <p:sp>
+        <p:nvSpPr>
+          <p:cNvPr id="21" name="CaixaDeTexto 20">
+            <a:extLst>
+              <a:ext uri="{FF2B5EF4-FFF2-40B4-BE49-F238E27FC236}">
+                <a16:creationId xmlns:a16="http://schemas.microsoft.com/office/drawing/2014/main" id="{3B35082B-E707-ADCD-670F-C572E6D021F8}"/>
+              </a:ext>
+            </a:extLst>
+          </p:cNvPr>
+          <p:cNvSpPr txBox="1"/>
+          <p:nvPr/>
+        </p:nvSpPr>
+        <p:spPr>
+          <a:xfrm>
+            <a:off x="8690042" y="558525"/>
+            <a:ext cx="702675" cy="369332"/>
+          </a:xfrm>
+          <a:prstGeom prst="rect">
+            <a:avLst/>
+          </a:prstGeom>
+          <a:noFill/>
+        </p:spPr>
+        <p:txBody>
+          <a:bodyPr wrap="square" rtlCol="0">
+            <a:spAutoFit/>
+          </a:bodyPr>
+          <a:lstStyle/>
+          <a:p>
+            <a:pPr algn="r"/>
+            <a:r>
+              <a:rPr lang="pt-PT" b="1" dirty="0"/>
+              <a:t>ID 6</a:t>
+            </a:r>
+          </a:p>
+        </p:txBody>
+      </p:sp>
+    </p:spTree>
+    <p:extLst>
+      <p:ext uri="{BB962C8B-B14F-4D97-AF65-F5344CB8AC3E}">
+        <p14:creationId xmlns:p14="http://schemas.microsoft.com/office/powerpoint/2010/main" val="2089740555"/>
+      </p:ext>
+    </p:extLst>
+  </p:cSld>
+  <p:clrMapOvr>
+    <a:masterClrMapping/>
+  </p:clrMapOvr>
+</p:sld>
+</file>
+
+<file path=ppt/slides/slide13.xml><?xml version="1.0" encoding="utf-8"?>
+<p:sld xmlns:a="http://schemas.openxmlformats.org/drawingml/2006/main" xmlns:r="http://schemas.openxmlformats.org/officeDocument/2006/relationships" xmlns:p="http://schemas.openxmlformats.org/presentationml/2006/main">
+  <p:cSld>
+    <p:bg>
+      <p:bgPr>
+        <a:solidFill>
+          <a:srgbClr val="FFFFFF"/>
+        </a:solidFill>
+        <a:effectLst/>
+      </p:bgPr>
+    </p:bg>
+    <p:spTree>
+      <p:nvGrpSpPr>
+        <p:cNvPr id="1" name="">
+          <a:extLst>
+            <a:ext uri="{FF2B5EF4-FFF2-40B4-BE49-F238E27FC236}">
+              <a16:creationId xmlns:a16="http://schemas.microsoft.com/office/drawing/2014/main" id="{4B685198-312A-1250-706F-DAE03A315B0B}"/>
+            </a:ext>
+          </a:extLst>
+        </p:cNvPr>
+        <p:cNvGrpSpPr/>
+        <p:nvPr/>
+      </p:nvGrpSpPr>
+      <p:grpSpPr>
+        <a:xfrm>
+          <a:off x="0" y="0"/>
+          <a:ext cx="0" cy="0"/>
+          <a:chOff x="0" y="0"/>
+          <a:chExt cx="0" cy="0"/>
+        </a:xfrm>
+      </p:grpSpPr>
+      <p:sp>
+        <p:nvSpPr>
+          <p:cNvPr id="5" name="Retângulo 4">
+            <a:extLst>
+              <a:ext uri="{FF2B5EF4-FFF2-40B4-BE49-F238E27FC236}">
+                <a16:creationId xmlns:a16="http://schemas.microsoft.com/office/drawing/2014/main" id="{677288A1-92B0-BCD2-6A90-60BEC2AD204D}"/>
+              </a:ext>
+            </a:extLst>
+          </p:cNvPr>
+          <p:cNvSpPr/>
+          <p:nvPr/>
+        </p:nvSpPr>
+        <p:spPr>
+          <a:xfrm>
+            <a:off x="3503475" y="561974"/>
+            <a:ext cx="2880000" cy="2880000"/>
+          </a:xfrm>
+          <a:prstGeom prst="rect">
+            <a:avLst/>
+          </a:prstGeom>
+          <a:noFill/>
+        </p:spPr>
+        <p:style>
+          <a:lnRef idx="2">
+            <a:schemeClr val="accent1">
+              <a:shade val="15000"/>
+            </a:schemeClr>
+          </a:lnRef>
+          <a:fillRef idx="1">
+            <a:schemeClr val="accent1"/>
+          </a:fillRef>
+          <a:effectRef idx="0">
+            <a:schemeClr val="accent1"/>
+          </a:effectRef>
+          <a:fontRef idx="minor">
+            <a:schemeClr val="lt1"/>
+          </a:fontRef>
+        </p:style>
+        <p:txBody>
+          <a:bodyPr rtlCol="0" anchor="ctr"/>
+          <a:lstStyle/>
+          <a:p>
+            <a:pPr algn="ctr"/>
+            <a:endParaRPr lang="pt-PT"/>
+          </a:p>
+        </p:txBody>
+      </p:sp>
+      <p:sp>
+        <p:nvSpPr>
+          <p:cNvPr id="10" name="CaixaDeTexto 9">
+            <a:extLst>
+              <a:ext uri="{FF2B5EF4-FFF2-40B4-BE49-F238E27FC236}">
+                <a16:creationId xmlns:a16="http://schemas.microsoft.com/office/drawing/2014/main" id="{77D560C5-EC35-39D9-93AA-E44B79E6E47D}"/>
+              </a:ext>
+            </a:extLst>
+          </p:cNvPr>
+          <p:cNvSpPr txBox="1"/>
+          <p:nvPr/>
+        </p:nvSpPr>
+        <p:spPr>
+          <a:xfrm>
+            <a:off x="6786562" y="160569"/>
+            <a:ext cx="2366962" cy="369332"/>
+          </a:xfrm>
+          <a:prstGeom prst="rect">
+            <a:avLst/>
+          </a:prstGeom>
+          <a:noFill/>
+        </p:spPr>
+        <p:txBody>
+          <a:bodyPr wrap="square" rtlCol="0">
+            <a:spAutoFit/>
+          </a:bodyPr>
+          <a:lstStyle/>
+          <a:p>
+            <a:pPr algn="r"/>
+            <a:r>
+              <a:rPr lang="pt-PT" b="1" dirty="0"/>
+              <a:t>Marcador ID 7</a:t>
+            </a:r>
+          </a:p>
+        </p:txBody>
+      </p:sp>
+      <p:sp>
+        <p:nvSpPr>
+          <p:cNvPr id="11" name="CaixaDeTexto 10">
+            <a:extLst>
+              <a:ext uri="{FF2B5EF4-FFF2-40B4-BE49-F238E27FC236}">
+                <a16:creationId xmlns:a16="http://schemas.microsoft.com/office/drawing/2014/main" id="{BAC2DC44-57AD-E28C-CB3D-9007B2EC7906}"/>
+              </a:ext>
+            </a:extLst>
+          </p:cNvPr>
+          <p:cNvSpPr txBox="1"/>
+          <p:nvPr/>
+        </p:nvSpPr>
+        <p:spPr>
+          <a:xfrm>
+            <a:off x="3119437" y="179619"/>
+            <a:ext cx="3667125" cy="369332"/>
+          </a:xfrm>
+          <a:prstGeom prst="rect">
+            <a:avLst/>
+          </a:prstGeom>
+          <a:noFill/>
+        </p:spPr>
+        <p:txBody>
+          <a:bodyPr wrap="square" rtlCol="0">
+            <a:spAutoFit/>
+          </a:bodyPr>
+          <a:lstStyle/>
+          <a:p>
+            <a:pPr algn="ctr"/>
+            <a:r>
+              <a:rPr lang="pt-PT" b="1" dirty="0"/>
+              <a:t>Estrela Dourada</a:t>
+            </a:r>
+          </a:p>
+        </p:txBody>
+      </p:sp>
+      <p:sp>
+        <p:nvSpPr>
+          <p:cNvPr id="16" name="Retângulo 15">
+            <a:extLst>
+              <a:ext uri="{FF2B5EF4-FFF2-40B4-BE49-F238E27FC236}">
+                <a16:creationId xmlns:a16="http://schemas.microsoft.com/office/drawing/2014/main" id="{2B5D9B86-172F-85BF-18BB-C381AE5C9CAF}"/>
+              </a:ext>
+            </a:extLst>
+          </p:cNvPr>
+          <p:cNvSpPr/>
+          <p:nvPr/>
+        </p:nvSpPr>
+        <p:spPr>
+          <a:xfrm>
+            <a:off x="6530043" y="561974"/>
+            <a:ext cx="2880000" cy="2880000"/>
+          </a:xfrm>
+          <a:prstGeom prst="rect">
+            <a:avLst/>
+          </a:prstGeom>
+          <a:noFill/>
+        </p:spPr>
+        <p:style>
+          <a:lnRef idx="2">
+            <a:schemeClr val="accent1">
+              <a:shade val="15000"/>
+            </a:schemeClr>
+          </a:lnRef>
+          <a:fillRef idx="1">
+            <a:schemeClr val="accent1"/>
+          </a:fillRef>
+          <a:effectRef idx="0">
+            <a:schemeClr val="accent1"/>
+          </a:effectRef>
+          <a:fontRef idx="minor">
+            <a:schemeClr val="lt1"/>
+          </a:fontRef>
+        </p:style>
+        <p:txBody>
+          <a:bodyPr rtlCol="0" anchor="ctr"/>
+          <a:lstStyle/>
+          <a:p>
+            <a:pPr algn="ctr"/>
+            <a:endParaRPr lang="pt-PT"/>
+          </a:p>
+        </p:txBody>
+      </p:sp>
+      <p:sp>
+        <p:nvSpPr>
+          <p:cNvPr id="17" name="Retângulo 16">
+            <a:extLst>
+              <a:ext uri="{FF2B5EF4-FFF2-40B4-BE49-F238E27FC236}">
+                <a16:creationId xmlns:a16="http://schemas.microsoft.com/office/drawing/2014/main" id="{A2F7B897-1038-88EF-EDAB-9631CDAA2BF9}"/>
+              </a:ext>
+            </a:extLst>
+          </p:cNvPr>
+          <p:cNvSpPr/>
+          <p:nvPr/>
+        </p:nvSpPr>
+        <p:spPr>
+          <a:xfrm>
+            <a:off x="401259" y="558525"/>
+            <a:ext cx="2880000" cy="2880000"/>
+          </a:xfrm>
+          <a:prstGeom prst="rect">
+            <a:avLst/>
+          </a:prstGeom>
+          <a:noFill/>
+        </p:spPr>
+        <p:style>
+          <a:lnRef idx="2">
+            <a:schemeClr val="accent1">
+              <a:shade val="15000"/>
+            </a:schemeClr>
+          </a:lnRef>
+          <a:fillRef idx="1">
+            <a:schemeClr val="accent1"/>
+          </a:fillRef>
+          <a:effectRef idx="0">
+            <a:schemeClr val="accent1"/>
+          </a:effectRef>
+          <a:fontRef idx="minor">
+            <a:schemeClr val="lt1"/>
+          </a:fontRef>
+        </p:style>
+        <p:txBody>
+          <a:bodyPr rtlCol="0" anchor="ctr"/>
+          <a:lstStyle/>
+          <a:p>
+            <a:pPr algn="ctr"/>
+            <a:endParaRPr lang="pt-PT"/>
+          </a:p>
+        </p:txBody>
+      </p:sp>
+      <p:sp>
+        <p:nvSpPr>
+          <p:cNvPr id="18" name="Retângulo 17">
+            <a:extLst>
+              <a:ext uri="{FF2B5EF4-FFF2-40B4-BE49-F238E27FC236}">
+                <a16:creationId xmlns:a16="http://schemas.microsoft.com/office/drawing/2014/main" id="{11532D0C-1CBE-C76F-594E-C6DCFBA15CFB}"/>
+              </a:ext>
+            </a:extLst>
+          </p:cNvPr>
+          <p:cNvSpPr/>
+          <p:nvPr/>
+        </p:nvSpPr>
+        <p:spPr>
+          <a:xfrm>
+            <a:off x="3513000" y="3600449"/>
+            <a:ext cx="2880000" cy="2880000"/>
+          </a:xfrm>
+          <a:prstGeom prst="rect">
+            <a:avLst/>
+          </a:prstGeom>
+          <a:noFill/>
+        </p:spPr>
+        <p:style>
+          <a:lnRef idx="2">
+            <a:schemeClr val="accent1">
+              <a:shade val="15000"/>
+            </a:schemeClr>
+          </a:lnRef>
+          <a:fillRef idx="1">
+            <a:schemeClr val="accent1"/>
+          </a:fillRef>
+          <a:effectRef idx="0">
+            <a:schemeClr val="accent1"/>
+          </a:effectRef>
+          <a:fontRef idx="minor">
+            <a:schemeClr val="lt1"/>
+          </a:fontRef>
+        </p:style>
+        <p:txBody>
+          <a:bodyPr rtlCol="0" anchor="ctr"/>
+          <a:lstStyle/>
+          <a:p>
+            <a:pPr algn="ctr"/>
+            <a:endParaRPr lang="pt-PT"/>
+          </a:p>
+        </p:txBody>
+      </p:sp>
+      <p:sp>
+        <p:nvSpPr>
+          <p:cNvPr id="19" name="Retângulo 18">
+            <a:extLst>
+              <a:ext uri="{FF2B5EF4-FFF2-40B4-BE49-F238E27FC236}">
+                <a16:creationId xmlns:a16="http://schemas.microsoft.com/office/drawing/2014/main" id="{4D25AB2E-EAF3-1D90-CC09-9509CAA82FA8}"/>
+              </a:ext>
+            </a:extLst>
+          </p:cNvPr>
+          <p:cNvSpPr/>
+          <p:nvPr/>
+        </p:nvSpPr>
+        <p:spPr>
+          <a:xfrm>
+            <a:off x="401259" y="3600449"/>
+            <a:ext cx="2880000" cy="2880000"/>
+          </a:xfrm>
+          <a:prstGeom prst="rect">
+            <a:avLst/>
+          </a:prstGeom>
+          <a:noFill/>
+        </p:spPr>
+        <p:style>
+          <a:lnRef idx="2">
+            <a:schemeClr val="accent1">
+              <a:shade val="15000"/>
+            </a:schemeClr>
+          </a:lnRef>
+          <a:fillRef idx="1">
+            <a:schemeClr val="accent1"/>
+          </a:fillRef>
+          <a:effectRef idx="0">
+            <a:schemeClr val="accent1"/>
+          </a:effectRef>
+          <a:fontRef idx="minor">
+            <a:schemeClr val="lt1"/>
+          </a:fontRef>
+        </p:style>
+        <p:txBody>
+          <a:bodyPr rtlCol="0" anchor="ctr"/>
+          <a:lstStyle/>
+          <a:p>
+            <a:pPr algn="ctr"/>
+            <a:endParaRPr lang="pt-PT"/>
+          </a:p>
+        </p:txBody>
+      </p:sp>
+      <p:sp>
+        <p:nvSpPr>
+          <p:cNvPr id="20" name="Retângulo 19">
+            <a:extLst>
+              <a:ext uri="{FF2B5EF4-FFF2-40B4-BE49-F238E27FC236}">
+                <a16:creationId xmlns:a16="http://schemas.microsoft.com/office/drawing/2014/main" id="{1C3D5495-2C54-C8BF-02E1-83A2C0C3DC97}"/>
+              </a:ext>
+            </a:extLst>
+          </p:cNvPr>
+          <p:cNvSpPr/>
+          <p:nvPr/>
+        </p:nvSpPr>
+        <p:spPr>
+          <a:xfrm>
+            <a:off x="6530043" y="3600449"/>
+            <a:ext cx="2880000" cy="2880000"/>
+          </a:xfrm>
+          <a:prstGeom prst="rect">
+            <a:avLst/>
+          </a:prstGeom>
+          <a:noFill/>
+        </p:spPr>
+        <p:style>
+          <a:lnRef idx="2">
+            <a:schemeClr val="accent1">
+              <a:shade val="15000"/>
+            </a:schemeClr>
+          </a:lnRef>
+          <a:fillRef idx="1">
+            <a:schemeClr val="accent1"/>
+          </a:fillRef>
+          <a:effectRef idx="0">
+            <a:schemeClr val="accent1"/>
+          </a:effectRef>
+          <a:fontRef idx="minor">
+            <a:schemeClr val="lt1"/>
+          </a:fontRef>
+        </p:style>
+        <p:txBody>
+          <a:bodyPr rtlCol="0" anchor="ctr"/>
+          <a:lstStyle/>
+          <a:p>
+            <a:pPr algn="ctr"/>
+            <a:endParaRPr lang="pt-PT"/>
+          </a:p>
+        </p:txBody>
+      </p:sp>
+      <p:sp>
+        <p:nvSpPr>
+          <p:cNvPr id="4" name="Estrela: 5 Pontos 3">
+            <a:extLst>
+              <a:ext uri="{FF2B5EF4-FFF2-40B4-BE49-F238E27FC236}">
+                <a16:creationId xmlns:a16="http://schemas.microsoft.com/office/drawing/2014/main" id="{0BF48E00-7C8F-146C-D47D-52BA58B423EF}"/>
+              </a:ext>
+            </a:extLst>
+          </p:cNvPr>
+          <p:cNvSpPr/>
+          <p:nvPr/>
+        </p:nvSpPr>
+        <p:spPr>
+          <a:xfrm>
+            <a:off x="761259" y="847725"/>
+            <a:ext cx="2160000" cy="2160000"/>
+          </a:xfrm>
+          <a:prstGeom prst="star5">
+            <a:avLst>
+              <a:gd name="adj" fmla="val 23486"/>
+              <a:gd name="hf" fmla="val 105146"/>
+              <a:gd name="vf" fmla="val 110557"/>
+            </a:avLst>
+          </a:prstGeom>
+          <a:solidFill>
+            <a:srgbClr val="FFC000"/>
+          </a:solidFill>
+        </p:spPr>
+        <p:style>
+          <a:lnRef idx="2">
+            <a:schemeClr val="accent1">
+              <a:shade val="15000"/>
+            </a:schemeClr>
+          </a:lnRef>
+          <a:fillRef idx="1">
+            <a:schemeClr val="accent1"/>
+          </a:fillRef>
+          <a:effectRef idx="0">
+            <a:schemeClr val="accent1"/>
+          </a:effectRef>
+          <a:fontRef idx="minor">
+            <a:schemeClr val="lt1"/>
+          </a:fontRef>
+        </p:style>
+        <p:txBody>
+          <a:bodyPr rtlCol="0" anchor="ctr"/>
+          <a:lstStyle/>
+          <a:p>
+            <a:pPr algn="ctr"/>
+            <a:endParaRPr lang="pt-PT"/>
+          </a:p>
+        </p:txBody>
+      </p:sp>
+      <p:sp>
+        <p:nvSpPr>
+          <p:cNvPr id="6" name="Estrela: 5 Pontos 5">
+            <a:extLst>
+              <a:ext uri="{FF2B5EF4-FFF2-40B4-BE49-F238E27FC236}">
+                <a16:creationId xmlns:a16="http://schemas.microsoft.com/office/drawing/2014/main" id="{929AB6BD-04DA-FC36-6F81-A605A6169D7E}"/>
+              </a:ext>
+            </a:extLst>
+          </p:cNvPr>
+          <p:cNvSpPr/>
+          <p:nvPr/>
+        </p:nvSpPr>
+        <p:spPr>
+          <a:xfrm>
+            <a:off x="3873000" y="847725"/>
+            <a:ext cx="2160000" cy="2160000"/>
+          </a:xfrm>
+          <a:prstGeom prst="star5">
+            <a:avLst>
+              <a:gd name="adj" fmla="val 23486"/>
+              <a:gd name="hf" fmla="val 105146"/>
+              <a:gd name="vf" fmla="val 110557"/>
+            </a:avLst>
+          </a:prstGeom>
+          <a:solidFill>
+            <a:srgbClr val="FFC000"/>
+          </a:solidFill>
+        </p:spPr>
+        <p:style>
+          <a:lnRef idx="2">
+            <a:schemeClr val="accent1">
+              <a:shade val="15000"/>
+            </a:schemeClr>
+          </a:lnRef>
+          <a:fillRef idx="1">
+            <a:schemeClr val="accent1"/>
+          </a:fillRef>
+          <a:effectRef idx="0">
+            <a:schemeClr val="accent1"/>
+          </a:effectRef>
+          <a:fontRef idx="minor">
+            <a:schemeClr val="lt1"/>
+          </a:fontRef>
+        </p:style>
+        <p:txBody>
+          <a:bodyPr rtlCol="0" anchor="ctr"/>
+          <a:lstStyle/>
+          <a:p>
+            <a:pPr algn="ctr"/>
+            <a:endParaRPr lang="pt-PT"/>
+          </a:p>
+        </p:txBody>
+      </p:sp>
+      <p:sp>
+        <p:nvSpPr>
+          <p:cNvPr id="7" name="Estrela: 5 Pontos 6">
+            <a:extLst>
+              <a:ext uri="{FF2B5EF4-FFF2-40B4-BE49-F238E27FC236}">
+                <a16:creationId xmlns:a16="http://schemas.microsoft.com/office/drawing/2014/main" id="{47779ACF-BC3A-9632-FA3F-0D38BAF11C1A}"/>
+              </a:ext>
+            </a:extLst>
+          </p:cNvPr>
+          <p:cNvSpPr/>
+          <p:nvPr/>
+        </p:nvSpPr>
+        <p:spPr>
+          <a:xfrm>
+            <a:off x="6890043" y="918525"/>
+            <a:ext cx="2160000" cy="2160000"/>
+          </a:xfrm>
+          <a:prstGeom prst="star5">
+            <a:avLst>
+              <a:gd name="adj" fmla="val 23486"/>
+              <a:gd name="hf" fmla="val 105146"/>
+              <a:gd name="vf" fmla="val 110557"/>
+            </a:avLst>
+          </a:prstGeom>
+          <a:solidFill>
+            <a:srgbClr val="FFC000"/>
+          </a:solidFill>
+        </p:spPr>
+        <p:style>
+          <a:lnRef idx="2">
+            <a:schemeClr val="accent1">
+              <a:shade val="15000"/>
+            </a:schemeClr>
+          </a:lnRef>
+          <a:fillRef idx="1">
+            <a:schemeClr val="accent1"/>
+          </a:fillRef>
+          <a:effectRef idx="0">
+            <a:schemeClr val="accent1"/>
+          </a:effectRef>
+          <a:fontRef idx="minor">
+            <a:schemeClr val="lt1"/>
+          </a:fontRef>
+        </p:style>
+        <p:txBody>
+          <a:bodyPr rtlCol="0" anchor="ctr"/>
+          <a:lstStyle/>
+          <a:p>
+            <a:pPr algn="ctr"/>
+            <a:endParaRPr lang="pt-PT"/>
+          </a:p>
+        </p:txBody>
+      </p:sp>
+      <p:sp>
+        <p:nvSpPr>
+          <p:cNvPr id="8" name="Estrela: 5 Pontos 7">
+            <a:extLst>
+              <a:ext uri="{FF2B5EF4-FFF2-40B4-BE49-F238E27FC236}">
+                <a16:creationId xmlns:a16="http://schemas.microsoft.com/office/drawing/2014/main" id="{07AD9C1E-F5E5-356F-8C9D-B3027714AA40}"/>
+              </a:ext>
+            </a:extLst>
+          </p:cNvPr>
+          <p:cNvSpPr/>
+          <p:nvPr/>
+        </p:nvSpPr>
+        <p:spPr>
+          <a:xfrm>
+            <a:off x="761259" y="3899223"/>
+            <a:ext cx="2160000" cy="2160000"/>
+          </a:xfrm>
+          <a:prstGeom prst="star5">
+            <a:avLst>
+              <a:gd name="adj" fmla="val 23486"/>
+              <a:gd name="hf" fmla="val 105146"/>
+              <a:gd name="vf" fmla="val 110557"/>
+            </a:avLst>
+          </a:prstGeom>
+          <a:solidFill>
+            <a:srgbClr val="FFC000"/>
+          </a:solidFill>
+        </p:spPr>
+        <p:style>
+          <a:lnRef idx="2">
+            <a:schemeClr val="accent1">
+              <a:shade val="15000"/>
+            </a:schemeClr>
+          </a:lnRef>
+          <a:fillRef idx="1">
+            <a:schemeClr val="accent1"/>
+          </a:fillRef>
+          <a:effectRef idx="0">
+            <a:schemeClr val="accent1"/>
+          </a:effectRef>
+          <a:fontRef idx="minor">
+            <a:schemeClr val="lt1"/>
+          </a:fontRef>
+        </p:style>
+        <p:txBody>
+          <a:bodyPr rtlCol="0" anchor="ctr"/>
+          <a:lstStyle/>
+          <a:p>
+            <a:pPr algn="ctr"/>
+            <a:endParaRPr lang="pt-PT"/>
+          </a:p>
+        </p:txBody>
+      </p:sp>
+      <p:sp>
+        <p:nvSpPr>
+          <p:cNvPr id="9" name="Estrela: 5 Pontos 8">
+            <a:extLst>
+              <a:ext uri="{FF2B5EF4-FFF2-40B4-BE49-F238E27FC236}">
+                <a16:creationId xmlns:a16="http://schemas.microsoft.com/office/drawing/2014/main" id="{D6268FDB-3567-6563-EBEB-6ABE6C510588}"/>
+              </a:ext>
+            </a:extLst>
+          </p:cNvPr>
+          <p:cNvSpPr/>
+          <p:nvPr/>
+        </p:nvSpPr>
+        <p:spPr>
+          <a:xfrm>
+            <a:off x="3873000" y="3899223"/>
+            <a:ext cx="2160000" cy="2160000"/>
+          </a:xfrm>
+          <a:prstGeom prst="star5">
+            <a:avLst>
+              <a:gd name="adj" fmla="val 23486"/>
+              <a:gd name="hf" fmla="val 105146"/>
+              <a:gd name="vf" fmla="val 110557"/>
+            </a:avLst>
+          </a:prstGeom>
+          <a:solidFill>
+            <a:srgbClr val="FFC000"/>
+          </a:solidFill>
+        </p:spPr>
+        <p:style>
+          <a:lnRef idx="2">
+            <a:schemeClr val="accent1">
+              <a:shade val="15000"/>
+            </a:schemeClr>
+          </a:lnRef>
+          <a:fillRef idx="1">
+            <a:schemeClr val="accent1"/>
+          </a:fillRef>
+          <a:effectRef idx="0">
+            <a:schemeClr val="accent1"/>
+          </a:effectRef>
+          <a:fontRef idx="minor">
+            <a:schemeClr val="lt1"/>
+          </a:fontRef>
+        </p:style>
+        <p:txBody>
+          <a:bodyPr rtlCol="0" anchor="ctr"/>
+          <a:lstStyle/>
+          <a:p>
+            <a:pPr algn="ctr"/>
+            <a:endParaRPr lang="pt-PT"/>
+          </a:p>
+        </p:txBody>
+      </p:sp>
+      <p:sp>
+        <p:nvSpPr>
+          <p:cNvPr id="21" name="Estrela: 5 Pontos 20">
+            <a:extLst>
+              <a:ext uri="{FF2B5EF4-FFF2-40B4-BE49-F238E27FC236}">
+                <a16:creationId xmlns:a16="http://schemas.microsoft.com/office/drawing/2014/main" id="{93174C83-4C4A-F463-D2F9-82749BB173E8}"/>
+              </a:ext>
+            </a:extLst>
+          </p:cNvPr>
+          <p:cNvSpPr/>
+          <p:nvPr/>
+        </p:nvSpPr>
+        <p:spPr>
+          <a:xfrm>
+            <a:off x="6890043" y="3970023"/>
+            <a:ext cx="2160000" cy="2160000"/>
+          </a:xfrm>
+          <a:prstGeom prst="star5">
+            <a:avLst>
+              <a:gd name="adj" fmla="val 23486"/>
+              <a:gd name="hf" fmla="val 105146"/>
+              <a:gd name="vf" fmla="val 110557"/>
+            </a:avLst>
+          </a:prstGeom>
+          <a:solidFill>
+            <a:srgbClr val="FFC000"/>
+          </a:solidFill>
+        </p:spPr>
+        <p:style>
+          <a:lnRef idx="2">
+            <a:schemeClr val="accent1">
+              <a:shade val="15000"/>
+            </a:schemeClr>
+          </a:lnRef>
+          <a:fillRef idx="1">
+            <a:schemeClr val="accent1"/>
+          </a:fillRef>
+          <a:effectRef idx="0">
+            <a:schemeClr val="accent1"/>
+          </a:effectRef>
+          <a:fontRef idx="minor">
+            <a:schemeClr val="lt1"/>
+          </a:fontRef>
+        </p:style>
+        <p:txBody>
+          <a:bodyPr rtlCol="0" anchor="ctr"/>
+          <a:lstStyle/>
+          <a:p>
+            <a:pPr algn="ctr"/>
+            <a:endParaRPr lang="pt-PT"/>
+          </a:p>
+        </p:txBody>
+      </p:sp>
+      <p:sp>
+        <p:nvSpPr>
+          <p:cNvPr id="2" name="CaixaDeTexto 1">
+            <a:extLst>
+              <a:ext uri="{FF2B5EF4-FFF2-40B4-BE49-F238E27FC236}">
+                <a16:creationId xmlns:a16="http://schemas.microsoft.com/office/drawing/2014/main" id="{AA808D29-8C25-B5F8-37C5-4E7103503C99}"/>
+              </a:ext>
+            </a:extLst>
+          </p:cNvPr>
+          <p:cNvSpPr txBox="1"/>
+          <p:nvPr/>
+        </p:nvSpPr>
+        <p:spPr>
+          <a:xfrm>
+            <a:off x="5656031" y="3600449"/>
+            <a:ext cx="702675" cy="369332"/>
+          </a:xfrm>
+          <a:prstGeom prst="rect">
+            <a:avLst/>
+          </a:prstGeom>
+          <a:noFill/>
+        </p:spPr>
+        <p:txBody>
+          <a:bodyPr wrap="square" rtlCol="0">
+            <a:spAutoFit/>
+          </a:bodyPr>
+          <a:lstStyle/>
+          <a:p>
+            <a:pPr algn="r"/>
+            <a:r>
+              <a:rPr lang="pt-PT" b="1" dirty="0"/>
+              <a:t>ID 7</a:t>
+            </a:r>
+          </a:p>
+        </p:txBody>
+      </p:sp>
+      <p:sp>
+        <p:nvSpPr>
+          <p:cNvPr id="3" name="CaixaDeTexto 2">
+            <a:extLst>
+              <a:ext uri="{FF2B5EF4-FFF2-40B4-BE49-F238E27FC236}">
+                <a16:creationId xmlns:a16="http://schemas.microsoft.com/office/drawing/2014/main" id="{EB18230A-79A1-6A5F-3FA7-A8BA1EF2F741}"/>
+              </a:ext>
+            </a:extLst>
+          </p:cNvPr>
+          <p:cNvSpPr txBox="1"/>
+          <p:nvPr/>
+        </p:nvSpPr>
+        <p:spPr>
+          <a:xfrm>
+            <a:off x="2569920" y="3600449"/>
+            <a:ext cx="702675" cy="369332"/>
+          </a:xfrm>
+          <a:prstGeom prst="rect">
+            <a:avLst/>
+          </a:prstGeom>
+          <a:noFill/>
+        </p:spPr>
+        <p:txBody>
+          <a:bodyPr wrap="square" rtlCol="0">
+            <a:spAutoFit/>
+          </a:bodyPr>
+          <a:lstStyle/>
+          <a:p>
+            <a:pPr algn="r"/>
+            <a:r>
+              <a:rPr lang="pt-PT" b="1" dirty="0"/>
+              <a:t>ID 7</a:t>
+            </a:r>
+          </a:p>
+        </p:txBody>
+      </p:sp>
+      <p:sp>
+        <p:nvSpPr>
+          <p:cNvPr id="12" name="CaixaDeTexto 11">
+            <a:extLst>
+              <a:ext uri="{FF2B5EF4-FFF2-40B4-BE49-F238E27FC236}">
+                <a16:creationId xmlns:a16="http://schemas.microsoft.com/office/drawing/2014/main" id="{EF25E94A-A316-736E-EFDB-F21A67CA30D3}"/>
+              </a:ext>
+            </a:extLst>
+          </p:cNvPr>
+          <p:cNvSpPr txBox="1"/>
+          <p:nvPr/>
+        </p:nvSpPr>
+        <p:spPr>
+          <a:xfrm>
+            <a:off x="8698705" y="3600449"/>
+            <a:ext cx="702675" cy="369332"/>
+          </a:xfrm>
+          <a:prstGeom prst="rect">
+            <a:avLst/>
+          </a:prstGeom>
+          <a:noFill/>
+        </p:spPr>
+        <p:txBody>
+          <a:bodyPr wrap="square" rtlCol="0">
+            <a:spAutoFit/>
+          </a:bodyPr>
+          <a:lstStyle/>
+          <a:p>
+            <a:pPr algn="r"/>
+            <a:r>
+              <a:rPr lang="pt-PT" b="1" dirty="0"/>
+              <a:t>ID 7</a:t>
+            </a:r>
+          </a:p>
+        </p:txBody>
+      </p:sp>
+      <p:sp>
+        <p:nvSpPr>
+          <p:cNvPr id="13" name="CaixaDeTexto 12">
+            <a:extLst>
+              <a:ext uri="{FF2B5EF4-FFF2-40B4-BE49-F238E27FC236}">
+                <a16:creationId xmlns:a16="http://schemas.microsoft.com/office/drawing/2014/main" id="{42FB368F-ADDD-B4CF-1274-E2E3ADA68F7D}"/>
+              </a:ext>
+            </a:extLst>
+          </p:cNvPr>
+          <p:cNvSpPr txBox="1"/>
+          <p:nvPr/>
+        </p:nvSpPr>
+        <p:spPr>
+          <a:xfrm>
+            <a:off x="2561258" y="558525"/>
+            <a:ext cx="702675" cy="369332"/>
+          </a:xfrm>
+          <a:prstGeom prst="rect">
+            <a:avLst/>
+          </a:prstGeom>
+          <a:noFill/>
+        </p:spPr>
+        <p:txBody>
+          <a:bodyPr wrap="square" rtlCol="0">
+            <a:spAutoFit/>
+          </a:bodyPr>
+          <a:lstStyle/>
+          <a:p>
+            <a:pPr algn="r"/>
+            <a:r>
+              <a:rPr lang="pt-PT" b="1" dirty="0"/>
+              <a:t>ID 7</a:t>
+            </a:r>
+          </a:p>
+        </p:txBody>
+      </p:sp>
+      <p:sp>
+        <p:nvSpPr>
+          <p:cNvPr id="14" name="CaixaDeTexto 13">
+            <a:extLst>
+              <a:ext uri="{FF2B5EF4-FFF2-40B4-BE49-F238E27FC236}">
+                <a16:creationId xmlns:a16="http://schemas.microsoft.com/office/drawing/2014/main" id="{D07B01B6-ED7E-06BD-D400-5647BDBAB78F}"/>
+              </a:ext>
+            </a:extLst>
+          </p:cNvPr>
+          <p:cNvSpPr txBox="1"/>
+          <p:nvPr/>
+        </p:nvSpPr>
+        <p:spPr>
+          <a:xfrm>
+            <a:off x="5638705" y="558525"/>
+            <a:ext cx="702675" cy="369332"/>
+          </a:xfrm>
+          <a:prstGeom prst="rect">
+            <a:avLst/>
+          </a:prstGeom>
+          <a:noFill/>
+        </p:spPr>
+        <p:txBody>
+          <a:bodyPr wrap="square" rtlCol="0">
+            <a:spAutoFit/>
+          </a:bodyPr>
+          <a:lstStyle/>
+          <a:p>
+            <a:pPr algn="r"/>
+            <a:r>
+              <a:rPr lang="pt-PT" b="1" dirty="0"/>
+              <a:t>ID 7</a:t>
+            </a:r>
+          </a:p>
+        </p:txBody>
+      </p:sp>
+      <p:sp>
+        <p:nvSpPr>
+          <p:cNvPr id="15" name="CaixaDeTexto 14">
+            <a:extLst>
+              <a:ext uri="{FF2B5EF4-FFF2-40B4-BE49-F238E27FC236}">
+                <a16:creationId xmlns:a16="http://schemas.microsoft.com/office/drawing/2014/main" id="{E5828166-567A-8DE5-99C5-DABE9CCF91D2}"/>
+              </a:ext>
+            </a:extLst>
+          </p:cNvPr>
+          <p:cNvSpPr txBox="1"/>
+          <p:nvPr/>
+        </p:nvSpPr>
+        <p:spPr>
+          <a:xfrm>
+            <a:off x="8690042" y="558525"/>
+            <a:ext cx="702675" cy="369332"/>
+          </a:xfrm>
+          <a:prstGeom prst="rect">
+            <a:avLst/>
+          </a:prstGeom>
+          <a:noFill/>
+        </p:spPr>
+        <p:txBody>
+          <a:bodyPr wrap="square" rtlCol="0">
+            <a:spAutoFit/>
+          </a:bodyPr>
+          <a:lstStyle/>
+          <a:p>
+            <a:pPr algn="r"/>
+            <a:r>
+              <a:rPr lang="pt-PT" b="1" dirty="0"/>
+              <a:t>ID 7</a:t>
+            </a:r>
+          </a:p>
+        </p:txBody>
+      </p:sp>
+    </p:spTree>
+    <p:extLst>
+      <p:ext uri="{BB962C8B-B14F-4D97-AF65-F5344CB8AC3E}">
+        <p14:creationId xmlns:p14="http://schemas.microsoft.com/office/powerpoint/2010/main" val="583732547"/>
+      </p:ext>
+    </p:extLst>
+  </p:cSld>
+  <p:clrMapOvr>
+    <a:masterClrMapping/>
+  </p:clrMapOvr>
+</p:sld>
+</file>
+
 <file path=ppt/slides/slide2.xml><?xml version="1.0" encoding="utf-8"?>
 <p:sld xmlns:a="http://schemas.openxmlformats.org/drawingml/2006/main" xmlns:r="http://schemas.openxmlformats.org/officeDocument/2006/relationships" xmlns:p="http://schemas.openxmlformats.org/presentationml/2006/main">
   <p:cSld>
@@ -3984,6 +7669,914 @@
 </file>
 
 <file path=ppt/slides/slide3.xml><?xml version="1.0" encoding="utf-8"?>
+<p:sld xmlns:a="http://schemas.openxmlformats.org/drawingml/2006/main" xmlns:r="http://schemas.openxmlformats.org/officeDocument/2006/relationships" xmlns:p="http://schemas.openxmlformats.org/presentationml/2006/main">
+  <p:cSld>
+    <p:bg>
+      <p:bgPr>
+        <a:solidFill>
+          <a:srgbClr val="FFFFFF"/>
+        </a:solidFill>
+        <a:effectLst/>
+      </p:bgPr>
+    </p:bg>
+    <p:spTree>
+      <p:nvGrpSpPr>
+        <p:cNvPr id="1" name="">
+          <a:extLst>
+            <a:ext uri="{FF2B5EF4-FFF2-40B4-BE49-F238E27FC236}">
+              <a16:creationId xmlns:a16="http://schemas.microsoft.com/office/drawing/2014/main" id="{A14D0AFF-C4C6-584F-B07F-DA51FEDEAA60}"/>
+            </a:ext>
+          </a:extLst>
+        </p:cNvPr>
+        <p:cNvGrpSpPr/>
+        <p:nvPr/>
+      </p:nvGrpSpPr>
+      <p:grpSpPr>
+        <a:xfrm>
+          <a:off x="0" y="0"/>
+          <a:ext cx="0" cy="0"/>
+          <a:chOff x="0" y="0"/>
+          <a:chExt cx="0" cy="0"/>
+        </a:xfrm>
+      </p:grpSpPr>
+      <p:sp>
+        <p:nvSpPr>
+          <p:cNvPr id="4" name="Retângulo 3">
+            <a:extLst>
+              <a:ext uri="{FF2B5EF4-FFF2-40B4-BE49-F238E27FC236}">
+                <a16:creationId xmlns:a16="http://schemas.microsoft.com/office/drawing/2014/main" id="{C58AA8FC-07D7-1BE0-4C73-B10BBF1CA4A3}"/>
+              </a:ext>
+            </a:extLst>
+          </p:cNvPr>
+          <p:cNvSpPr/>
+          <p:nvPr/>
+        </p:nvSpPr>
+        <p:spPr>
+          <a:xfrm>
+            <a:off x="752475" y="979124"/>
+            <a:ext cx="2160000" cy="2160000"/>
+          </a:xfrm>
+          <a:prstGeom prst="rect">
+            <a:avLst/>
+          </a:prstGeom>
+          <a:solidFill>
+            <a:srgbClr val="FF0000"/>
+          </a:solidFill>
+        </p:spPr>
+        <p:style>
+          <a:lnRef idx="2">
+            <a:schemeClr val="accent1">
+              <a:shade val="15000"/>
+            </a:schemeClr>
+          </a:lnRef>
+          <a:fillRef idx="1">
+            <a:schemeClr val="accent1"/>
+          </a:fillRef>
+          <a:effectRef idx="0">
+            <a:schemeClr val="accent1"/>
+          </a:effectRef>
+          <a:fontRef idx="minor">
+            <a:schemeClr val="lt1"/>
+          </a:fontRef>
+        </p:style>
+        <p:txBody>
+          <a:bodyPr rtlCol="0" anchor="ctr"/>
+          <a:lstStyle/>
+          <a:p>
+            <a:pPr algn="ctr"/>
+            <a:endParaRPr lang="pt-PT"/>
+          </a:p>
+        </p:txBody>
+      </p:sp>
+      <p:sp>
+        <p:nvSpPr>
+          <p:cNvPr id="5" name="Retângulo 4">
+            <a:extLst>
+              <a:ext uri="{FF2B5EF4-FFF2-40B4-BE49-F238E27FC236}">
+                <a16:creationId xmlns:a16="http://schemas.microsoft.com/office/drawing/2014/main" id="{8F51D5F0-61A2-2BAF-B6E0-D845292D5AA1}"/>
+              </a:ext>
+            </a:extLst>
+          </p:cNvPr>
+          <p:cNvSpPr/>
+          <p:nvPr/>
+        </p:nvSpPr>
+        <p:spPr>
+          <a:xfrm>
+            <a:off x="3873000" y="979124"/>
+            <a:ext cx="2160000" cy="2160000"/>
+          </a:xfrm>
+          <a:prstGeom prst="rect">
+            <a:avLst/>
+          </a:prstGeom>
+          <a:solidFill>
+            <a:srgbClr val="FFFF00"/>
+          </a:solidFill>
+        </p:spPr>
+        <p:style>
+          <a:lnRef idx="2">
+            <a:schemeClr val="accent1">
+              <a:shade val="15000"/>
+            </a:schemeClr>
+          </a:lnRef>
+          <a:fillRef idx="1">
+            <a:schemeClr val="accent1"/>
+          </a:fillRef>
+          <a:effectRef idx="0">
+            <a:schemeClr val="accent1"/>
+          </a:effectRef>
+          <a:fontRef idx="minor">
+            <a:schemeClr val="lt1"/>
+          </a:fontRef>
+        </p:style>
+        <p:txBody>
+          <a:bodyPr rtlCol="0" anchor="ctr"/>
+          <a:lstStyle/>
+          <a:p>
+            <a:pPr algn="ctr"/>
+            <a:endParaRPr lang="pt-PT"/>
+          </a:p>
+        </p:txBody>
+      </p:sp>
+      <p:sp>
+        <p:nvSpPr>
+          <p:cNvPr id="6" name="Retângulo 5">
+            <a:extLst>
+              <a:ext uri="{FF2B5EF4-FFF2-40B4-BE49-F238E27FC236}">
+                <a16:creationId xmlns:a16="http://schemas.microsoft.com/office/drawing/2014/main" id="{853FE256-49AE-4FB0-A50E-5FD784A36A8E}"/>
+              </a:ext>
+            </a:extLst>
+          </p:cNvPr>
+          <p:cNvSpPr/>
+          <p:nvPr/>
+        </p:nvSpPr>
+        <p:spPr>
+          <a:xfrm>
+            <a:off x="6881812" y="979124"/>
+            <a:ext cx="2160000" cy="2160000"/>
+          </a:xfrm>
+          <a:prstGeom prst="rect">
+            <a:avLst/>
+          </a:prstGeom>
+          <a:solidFill>
+            <a:srgbClr val="00FF00"/>
+          </a:solidFill>
+        </p:spPr>
+        <p:style>
+          <a:lnRef idx="2">
+            <a:schemeClr val="accent1">
+              <a:shade val="15000"/>
+            </a:schemeClr>
+          </a:lnRef>
+          <a:fillRef idx="1">
+            <a:schemeClr val="accent1"/>
+          </a:fillRef>
+          <a:effectRef idx="0">
+            <a:schemeClr val="accent1"/>
+          </a:effectRef>
+          <a:fontRef idx="minor">
+            <a:schemeClr val="lt1"/>
+          </a:fontRef>
+        </p:style>
+        <p:txBody>
+          <a:bodyPr rtlCol="0" anchor="ctr"/>
+          <a:lstStyle/>
+          <a:p>
+            <a:pPr algn="ctr"/>
+            <a:endParaRPr lang="pt-PT"/>
+          </a:p>
+        </p:txBody>
+      </p:sp>
+      <p:sp>
+        <p:nvSpPr>
+          <p:cNvPr id="7" name="Retângulo 6">
+            <a:extLst>
+              <a:ext uri="{FF2B5EF4-FFF2-40B4-BE49-F238E27FC236}">
+                <a16:creationId xmlns:a16="http://schemas.microsoft.com/office/drawing/2014/main" id="{64DD901B-C22C-AECD-E558-91BEA8B94773}"/>
+              </a:ext>
+            </a:extLst>
+          </p:cNvPr>
+          <p:cNvSpPr/>
+          <p:nvPr/>
+        </p:nvSpPr>
+        <p:spPr>
+          <a:xfrm>
+            <a:off x="752475" y="4078876"/>
+            <a:ext cx="2160000" cy="2160000"/>
+          </a:xfrm>
+          <a:prstGeom prst="rect">
+            <a:avLst/>
+          </a:prstGeom>
+          <a:solidFill>
+            <a:srgbClr val="0000FF"/>
+          </a:solidFill>
+        </p:spPr>
+        <p:style>
+          <a:lnRef idx="2">
+            <a:schemeClr val="accent1">
+              <a:shade val="15000"/>
+            </a:schemeClr>
+          </a:lnRef>
+          <a:fillRef idx="1">
+            <a:schemeClr val="accent1"/>
+          </a:fillRef>
+          <a:effectRef idx="0">
+            <a:schemeClr val="accent1"/>
+          </a:effectRef>
+          <a:fontRef idx="minor">
+            <a:schemeClr val="lt1"/>
+          </a:fontRef>
+        </p:style>
+        <p:txBody>
+          <a:bodyPr rtlCol="0" anchor="ctr"/>
+          <a:lstStyle/>
+          <a:p>
+            <a:pPr algn="ctr"/>
+            <a:endParaRPr lang="pt-PT"/>
+          </a:p>
+        </p:txBody>
+      </p:sp>
+      <p:sp>
+        <p:nvSpPr>
+          <p:cNvPr id="8" name="Retângulo 7">
+            <a:extLst>
+              <a:ext uri="{FF2B5EF4-FFF2-40B4-BE49-F238E27FC236}">
+                <a16:creationId xmlns:a16="http://schemas.microsoft.com/office/drawing/2014/main" id="{6D525C99-5156-9660-B638-888C297EAB9B}"/>
+              </a:ext>
+            </a:extLst>
+          </p:cNvPr>
+          <p:cNvSpPr/>
+          <p:nvPr/>
+        </p:nvSpPr>
+        <p:spPr>
+          <a:xfrm>
+            <a:off x="3873000" y="4078876"/>
+            <a:ext cx="2160000" cy="2160000"/>
+          </a:xfrm>
+          <a:prstGeom prst="rect">
+            <a:avLst/>
+          </a:prstGeom>
+          <a:solidFill>
+            <a:srgbClr val="FF00FF"/>
+          </a:solidFill>
+        </p:spPr>
+        <p:style>
+          <a:lnRef idx="2">
+            <a:schemeClr val="accent1">
+              <a:shade val="15000"/>
+            </a:schemeClr>
+          </a:lnRef>
+          <a:fillRef idx="1">
+            <a:schemeClr val="accent1"/>
+          </a:fillRef>
+          <a:effectRef idx="0">
+            <a:schemeClr val="accent1"/>
+          </a:effectRef>
+          <a:fontRef idx="minor">
+            <a:schemeClr val="lt1"/>
+          </a:fontRef>
+        </p:style>
+        <p:txBody>
+          <a:bodyPr rtlCol="0" anchor="ctr"/>
+          <a:lstStyle/>
+          <a:p>
+            <a:pPr algn="ctr"/>
+            <a:endParaRPr lang="pt-PT"/>
+          </a:p>
+        </p:txBody>
+      </p:sp>
+      <p:sp>
+        <p:nvSpPr>
+          <p:cNvPr id="9" name="Retângulo 8">
+            <a:extLst>
+              <a:ext uri="{FF2B5EF4-FFF2-40B4-BE49-F238E27FC236}">
+                <a16:creationId xmlns:a16="http://schemas.microsoft.com/office/drawing/2014/main" id="{46AD17AA-FDF9-9078-6909-028F1F766ED0}"/>
+              </a:ext>
+            </a:extLst>
+          </p:cNvPr>
+          <p:cNvSpPr/>
+          <p:nvPr/>
+        </p:nvSpPr>
+        <p:spPr>
+          <a:xfrm>
+            <a:off x="6881812" y="4078876"/>
+            <a:ext cx="2160000" cy="2160000"/>
+          </a:xfrm>
+          <a:prstGeom prst="rect">
+            <a:avLst/>
+          </a:prstGeom>
+          <a:solidFill>
+            <a:srgbClr val="00FFFF"/>
+          </a:solidFill>
+        </p:spPr>
+        <p:style>
+          <a:lnRef idx="2">
+            <a:schemeClr val="accent1">
+              <a:shade val="15000"/>
+            </a:schemeClr>
+          </a:lnRef>
+          <a:fillRef idx="1">
+            <a:schemeClr val="accent1"/>
+          </a:fillRef>
+          <a:effectRef idx="0">
+            <a:schemeClr val="accent1"/>
+          </a:effectRef>
+          <a:fontRef idx="minor">
+            <a:schemeClr val="lt1"/>
+          </a:fontRef>
+        </p:style>
+        <p:txBody>
+          <a:bodyPr rtlCol="0" anchor="ctr"/>
+          <a:lstStyle/>
+          <a:p>
+            <a:pPr algn="ctr"/>
+            <a:endParaRPr lang="pt-PT"/>
+          </a:p>
+        </p:txBody>
+      </p:sp>
+      <p:sp>
+        <p:nvSpPr>
+          <p:cNvPr id="10" name="CaixaDeTexto 9">
+            <a:extLst>
+              <a:ext uri="{FF2B5EF4-FFF2-40B4-BE49-F238E27FC236}">
+                <a16:creationId xmlns:a16="http://schemas.microsoft.com/office/drawing/2014/main" id="{3EFFC3C9-5642-5A0E-4826-11745CDC60C7}"/>
+              </a:ext>
+            </a:extLst>
+          </p:cNvPr>
+          <p:cNvSpPr txBox="1"/>
+          <p:nvPr/>
+        </p:nvSpPr>
+        <p:spPr>
+          <a:xfrm>
+            <a:off x="6881812" y="160569"/>
+            <a:ext cx="2366962" cy="369332"/>
+          </a:xfrm>
+          <a:prstGeom prst="rect">
+            <a:avLst/>
+          </a:prstGeom>
+          <a:noFill/>
+        </p:spPr>
+        <p:txBody>
+          <a:bodyPr wrap="square" rtlCol="0">
+            <a:spAutoFit/>
+          </a:bodyPr>
+          <a:lstStyle/>
+          <a:p>
+            <a:pPr algn="r"/>
+            <a:r>
+              <a:rPr lang="pt-PT" b="1" dirty="0"/>
+              <a:t>Marcador ID 1</a:t>
+            </a:r>
+          </a:p>
+        </p:txBody>
+      </p:sp>
+      <p:sp>
+        <p:nvSpPr>
+          <p:cNvPr id="11" name="CaixaDeTexto 10">
+            <a:extLst>
+              <a:ext uri="{FF2B5EF4-FFF2-40B4-BE49-F238E27FC236}">
+                <a16:creationId xmlns:a16="http://schemas.microsoft.com/office/drawing/2014/main" id="{A28434A2-BF1C-8A5D-9097-64B0C8F4077F}"/>
+              </a:ext>
+            </a:extLst>
+          </p:cNvPr>
+          <p:cNvSpPr txBox="1"/>
+          <p:nvPr/>
+        </p:nvSpPr>
+        <p:spPr>
+          <a:xfrm>
+            <a:off x="3214687" y="160569"/>
+            <a:ext cx="3667125" cy="369332"/>
+          </a:xfrm>
+          <a:prstGeom prst="rect">
+            <a:avLst/>
+          </a:prstGeom>
+          <a:noFill/>
+        </p:spPr>
+        <p:txBody>
+          <a:bodyPr wrap="square" rtlCol="0">
+            <a:spAutoFit/>
+          </a:bodyPr>
+          <a:lstStyle/>
+          <a:p>
+            <a:pPr algn="ctr"/>
+            <a:r>
+              <a:rPr lang="pt-PT" b="1" dirty="0"/>
+              <a:t>Quadrados</a:t>
+            </a:r>
+          </a:p>
+        </p:txBody>
+      </p:sp>
+      <p:sp>
+        <p:nvSpPr>
+          <p:cNvPr id="12" name="Retângulo 11">
+            <a:extLst>
+              <a:ext uri="{FF2B5EF4-FFF2-40B4-BE49-F238E27FC236}">
+                <a16:creationId xmlns:a16="http://schemas.microsoft.com/office/drawing/2014/main" id="{5673B168-3B86-96E6-04D9-A4E27092701F}"/>
+              </a:ext>
+            </a:extLst>
+          </p:cNvPr>
+          <p:cNvSpPr/>
+          <p:nvPr/>
+        </p:nvSpPr>
+        <p:spPr>
+          <a:xfrm>
+            <a:off x="392475" y="619124"/>
+            <a:ext cx="2880000" cy="2880000"/>
+          </a:xfrm>
+          <a:prstGeom prst="rect">
+            <a:avLst/>
+          </a:prstGeom>
+          <a:noFill/>
+        </p:spPr>
+        <p:style>
+          <a:lnRef idx="2">
+            <a:schemeClr val="accent1">
+              <a:shade val="15000"/>
+            </a:schemeClr>
+          </a:lnRef>
+          <a:fillRef idx="1">
+            <a:schemeClr val="accent1"/>
+          </a:fillRef>
+          <a:effectRef idx="0">
+            <a:schemeClr val="accent1"/>
+          </a:effectRef>
+          <a:fontRef idx="minor">
+            <a:schemeClr val="lt1"/>
+          </a:fontRef>
+        </p:style>
+        <p:txBody>
+          <a:bodyPr rtlCol="0" anchor="ctr"/>
+          <a:lstStyle/>
+          <a:p>
+            <a:pPr algn="ctr"/>
+            <a:endParaRPr lang="pt-PT"/>
+          </a:p>
+        </p:txBody>
+      </p:sp>
+      <p:sp>
+        <p:nvSpPr>
+          <p:cNvPr id="13" name="Retângulo 12">
+            <a:extLst>
+              <a:ext uri="{FF2B5EF4-FFF2-40B4-BE49-F238E27FC236}">
+                <a16:creationId xmlns:a16="http://schemas.microsoft.com/office/drawing/2014/main" id="{18FB9D1A-7118-DAB1-DDF5-5401B783C7BA}"/>
+              </a:ext>
+            </a:extLst>
+          </p:cNvPr>
+          <p:cNvSpPr/>
+          <p:nvPr/>
+        </p:nvSpPr>
+        <p:spPr>
+          <a:xfrm>
+            <a:off x="3513000" y="619124"/>
+            <a:ext cx="2880000" cy="2880000"/>
+          </a:xfrm>
+          <a:prstGeom prst="rect">
+            <a:avLst/>
+          </a:prstGeom>
+          <a:noFill/>
+        </p:spPr>
+        <p:style>
+          <a:lnRef idx="2">
+            <a:schemeClr val="accent1">
+              <a:shade val="15000"/>
+            </a:schemeClr>
+          </a:lnRef>
+          <a:fillRef idx="1">
+            <a:schemeClr val="accent1"/>
+          </a:fillRef>
+          <a:effectRef idx="0">
+            <a:schemeClr val="accent1"/>
+          </a:effectRef>
+          <a:fontRef idx="minor">
+            <a:schemeClr val="lt1"/>
+          </a:fontRef>
+        </p:style>
+        <p:txBody>
+          <a:bodyPr rtlCol="0" anchor="ctr"/>
+          <a:lstStyle/>
+          <a:p>
+            <a:pPr algn="ctr"/>
+            <a:endParaRPr lang="pt-PT"/>
+          </a:p>
+        </p:txBody>
+      </p:sp>
+      <p:sp>
+        <p:nvSpPr>
+          <p:cNvPr id="14" name="Retângulo 13">
+            <a:extLst>
+              <a:ext uri="{FF2B5EF4-FFF2-40B4-BE49-F238E27FC236}">
+                <a16:creationId xmlns:a16="http://schemas.microsoft.com/office/drawing/2014/main" id="{A20CD53D-C243-3313-80E2-638220FD69F7}"/>
+              </a:ext>
+            </a:extLst>
+          </p:cNvPr>
+          <p:cNvSpPr/>
+          <p:nvPr/>
+        </p:nvSpPr>
+        <p:spPr>
+          <a:xfrm>
+            <a:off x="6521812" y="619124"/>
+            <a:ext cx="2880000" cy="2880000"/>
+          </a:xfrm>
+          <a:prstGeom prst="rect">
+            <a:avLst/>
+          </a:prstGeom>
+          <a:noFill/>
+        </p:spPr>
+        <p:style>
+          <a:lnRef idx="2">
+            <a:schemeClr val="accent1">
+              <a:shade val="15000"/>
+            </a:schemeClr>
+          </a:lnRef>
+          <a:fillRef idx="1">
+            <a:schemeClr val="accent1"/>
+          </a:fillRef>
+          <a:effectRef idx="0">
+            <a:schemeClr val="accent1"/>
+          </a:effectRef>
+          <a:fontRef idx="minor">
+            <a:schemeClr val="lt1"/>
+          </a:fontRef>
+        </p:style>
+        <p:txBody>
+          <a:bodyPr rtlCol="0" anchor="ctr"/>
+          <a:lstStyle/>
+          <a:p>
+            <a:pPr algn="ctr"/>
+            <a:endParaRPr lang="pt-PT"/>
+          </a:p>
+        </p:txBody>
+      </p:sp>
+      <p:sp>
+        <p:nvSpPr>
+          <p:cNvPr id="15" name="Retângulo 14">
+            <a:extLst>
+              <a:ext uri="{FF2B5EF4-FFF2-40B4-BE49-F238E27FC236}">
+                <a16:creationId xmlns:a16="http://schemas.microsoft.com/office/drawing/2014/main" id="{958B033D-D171-793A-330A-73B9195D1AEE}"/>
+              </a:ext>
+            </a:extLst>
+          </p:cNvPr>
+          <p:cNvSpPr/>
+          <p:nvPr/>
+        </p:nvSpPr>
+        <p:spPr>
+          <a:xfrm>
+            <a:off x="392475" y="3718877"/>
+            <a:ext cx="2880000" cy="2880000"/>
+          </a:xfrm>
+          <a:prstGeom prst="rect">
+            <a:avLst/>
+          </a:prstGeom>
+          <a:noFill/>
+        </p:spPr>
+        <p:style>
+          <a:lnRef idx="2">
+            <a:schemeClr val="accent1">
+              <a:shade val="15000"/>
+            </a:schemeClr>
+          </a:lnRef>
+          <a:fillRef idx="1">
+            <a:schemeClr val="accent1"/>
+          </a:fillRef>
+          <a:effectRef idx="0">
+            <a:schemeClr val="accent1"/>
+          </a:effectRef>
+          <a:fontRef idx="minor">
+            <a:schemeClr val="lt1"/>
+          </a:fontRef>
+        </p:style>
+        <p:txBody>
+          <a:bodyPr rtlCol="0" anchor="ctr"/>
+          <a:lstStyle/>
+          <a:p>
+            <a:pPr algn="ctr"/>
+            <a:endParaRPr lang="pt-PT"/>
+          </a:p>
+        </p:txBody>
+      </p:sp>
+      <p:sp>
+        <p:nvSpPr>
+          <p:cNvPr id="16" name="Retângulo 15">
+            <a:extLst>
+              <a:ext uri="{FF2B5EF4-FFF2-40B4-BE49-F238E27FC236}">
+                <a16:creationId xmlns:a16="http://schemas.microsoft.com/office/drawing/2014/main" id="{2805F45B-CD68-7373-DF94-6FC9FD63AB6A}"/>
+              </a:ext>
+            </a:extLst>
+          </p:cNvPr>
+          <p:cNvSpPr/>
+          <p:nvPr/>
+        </p:nvSpPr>
+        <p:spPr>
+          <a:xfrm>
+            <a:off x="3513000" y="3718877"/>
+            <a:ext cx="2880000" cy="2880000"/>
+          </a:xfrm>
+          <a:prstGeom prst="rect">
+            <a:avLst/>
+          </a:prstGeom>
+          <a:noFill/>
+        </p:spPr>
+        <p:style>
+          <a:lnRef idx="2">
+            <a:schemeClr val="accent1">
+              <a:shade val="15000"/>
+            </a:schemeClr>
+          </a:lnRef>
+          <a:fillRef idx="1">
+            <a:schemeClr val="accent1"/>
+          </a:fillRef>
+          <a:effectRef idx="0">
+            <a:schemeClr val="accent1"/>
+          </a:effectRef>
+          <a:fontRef idx="minor">
+            <a:schemeClr val="lt1"/>
+          </a:fontRef>
+        </p:style>
+        <p:txBody>
+          <a:bodyPr rtlCol="0" anchor="ctr"/>
+          <a:lstStyle/>
+          <a:p>
+            <a:pPr algn="ctr"/>
+            <a:endParaRPr lang="pt-PT"/>
+          </a:p>
+        </p:txBody>
+      </p:sp>
+      <p:sp>
+        <p:nvSpPr>
+          <p:cNvPr id="17" name="Retângulo 16">
+            <a:extLst>
+              <a:ext uri="{FF2B5EF4-FFF2-40B4-BE49-F238E27FC236}">
+                <a16:creationId xmlns:a16="http://schemas.microsoft.com/office/drawing/2014/main" id="{9832EAF1-1D87-B1FE-80F3-D59732B9297B}"/>
+              </a:ext>
+            </a:extLst>
+          </p:cNvPr>
+          <p:cNvSpPr/>
+          <p:nvPr/>
+        </p:nvSpPr>
+        <p:spPr>
+          <a:xfrm>
+            <a:off x="6521812" y="3718877"/>
+            <a:ext cx="2880000" cy="2880000"/>
+          </a:xfrm>
+          <a:prstGeom prst="rect">
+            <a:avLst/>
+          </a:prstGeom>
+          <a:noFill/>
+        </p:spPr>
+        <p:style>
+          <a:lnRef idx="2">
+            <a:schemeClr val="accent1">
+              <a:shade val="15000"/>
+            </a:schemeClr>
+          </a:lnRef>
+          <a:fillRef idx="1">
+            <a:schemeClr val="accent1"/>
+          </a:fillRef>
+          <a:effectRef idx="0">
+            <a:schemeClr val="accent1"/>
+          </a:effectRef>
+          <a:fontRef idx="minor">
+            <a:schemeClr val="lt1"/>
+          </a:fontRef>
+        </p:style>
+        <p:txBody>
+          <a:bodyPr rtlCol="0" anchor="ctr"/>
+          <a:lstStyle/>
+          <a:p>
+            <a:pPr algn="ctr"/>
+            <a:endParaRPr lang="pt-PT"/>
+          </a:p>
+        </p:txBody>
+      </p:sp>
+      <p:sp>
+        <p:nvSpPr>
+          <p:cNvPr id="2" name="CaixaDeTexto 1">
+            <a:extLst>
+              <a:ext uri="{FF2B5EF4-FFF2-40B4-BE49-F238E27FC236}">
+                <a16:creationId xmlns:a16="http://schemas.microsoft.com/office/drawing/2014/main" id="{9C05888C-FC75-0865-8267-0DD878443017}"/>
+              </a:ext>
+            </a:extLst>
+          </p:cNvPr>
+          <p:cNvSpPr txBox="1"/>
+          <p:nvPr/>
+        </p:nvSpPr>
+        <p:spPr>
+          <a:xfrm>
+            <a:off x="5569949" y="619124"/>
+            <a:ext cx="771863" cy="369332"/>
+          </a:xfrm>
+          <a:prstGeom prst="rect">
+            <a:avLst/>
+          </a:prstGeom>
+          <a:noFill/>
+        </p:spPr>
+        <p:txBody>
+          <a:bodyPr wrap="square" rtlCol="0">
+            <a:spAutoFit/>
+          </a:bodyPr>
+          <a:lstStyle/>
+          <a:p>
+            <a:pPr algn="r"/>
+            <a:r>
+              <a:rPr lang="pt-PT" b="1" dirty="0"/>
+              <a:t>ID 1.2</a:t>
+            </a:r>
+          </a:p>
+        </p:txBody>
+      </p:sp>
+      <p:sp>
+        <p:nvSpPr>
+          <p:cNvPr id="3" name="CaixaDeTexto 2">
+            <a:extLst>
+              <a:ext uri="{FF2B5EF4-FFF2-40B4-BE49-F238E27FC236}">
+                <a16:creationId xmlns:a16="http://schemas.microsoft.com/office/drawing/2014/main" id="{A98BDB7E-6E96-26C7-2F32-A3B0B8ABDBD4}"/>
+              </a:ext>
+            </a:extLst>
+          </p:cNvPr>
+          <p:cNvSpPr txBox="1"/>
+          <p:nvPr/>
+        </p:nvSpPr>
+        <p:spPr>
+          <a:xfrm>
+            <a:off x="2407640" y="619124"/>
+            <a:ext cx="807047" cy="369332"/>
+          </a:xfrm>
+          <a:prstGeom prst="rect">
+            <a:avLst/>
+          </a:prstGeom>
+          <a:noFill/>
+        </p:spPr>
+        <p:txBody>
+          <a:bodyPr wrap="square" rtlCol="0">
+            <a:spAutoFit/>
+          </a:bodyPr>
+          <a:lstStyle/>
+          <a:p>
+            <a:pPr algn="r"/>
+            <a:r>
+              <a:rPr lang="pt-PT" b="1" dirty="0"/>
+              <a:t>ID 1.1</a:t>
+            </a:r>
+          </a:p>
+        </p:txBody>
+      </p:sp>
+      <p:sp>
+        <p:nvSpPr>
+          <p:cNvPr id="18" name="CaixaDeTexto 17">
+            <a:extLst>
+              <a:ext uri="{FF2B5EF4-FFF2-40B4-BE49-F238E27FC236}">
+                <a16:creationId xmlns:a16="http://schemas.microsoft.com/office/drawing/2014/main" id="{FDF95646-99E1-7E85-84C0-C6942A5D69B4}"/>
+              </a:ext>
+            </a:extLst>
+          </p:cNvPr>
+          <p:cNvSpPr txBox="1"/>
+          <p:nvPr/>
+        </p:nvSpPr>
+        <p:spPr>
+          <a:xfrm>
+            <a:off x="8621286" y="609792"/>
+            <a:ext cx="771863" cy="369332"/>
+          </a:xfrm>
+          <a:prstGeom prst="rect">
+            <a:avLst/>
+          </a:prstGeom>
+          <a:noFill/>
+        </p:spPr>
+        <p:txBody>
+          <a:bodyPr wrap="square" rtlCol="0">
+            <a:spAutoFit/>
+          </a:bodyPr>
+          <a:lstStyle/>
+          <a:p>
+            <a:pPr algn="r"/>
+            <a:r>
+              <a:rPr lang="pt-PT" b="1" dirty="0"/>
+              <a:t>ID 1.3</a:t>
+            </a:r>
+          </a:p>
+        </p:txBody>
+      </p:sp>
+      <p:sp>
+        <p:nvSpPr>
+          <p:cNvPr id="19" name="CaixaDeTexto 18">
+            <a:extLst>
+              <a:ext uri="{FF2B5EF4-FFF2-40B4-BE49-F238E27FC236}">
+                <a16:creationId xmlns:a16="http://schemas.microsoft.com/office/drawing/2014/main" id="{3DEE7B09-2FF9-02D1-FBB9-E09B112EFC3A}"/>
+              </a:ext>
+            </a:extLst>
+          </p:cNvPr>
+          <p:cNvSpPr txBox="1"/>
+          <p:nvPr/>
+        </p:nvSpPr>
+        <p:spPr>
+          <a:xfrm>
+            <a:off x="8621287" y="3709544"/>
+            <a:ext cx="780526" cy="369332"/>
+          </a:xfrm>
+          <a:prstGeom prst="rect">
+            <a:avLst/>
+          </a:prstGeom>
+          <a:noFill/>
+        </p:spPr>
+        <p:txBody>
+          <a:bodyPr wrap="square" rtlCol="0">
+            <a:spAutoFit/>
+          </a:bodyPr>
+          <a:lstStyle/>
+          <a:p>
+            <a:pPr algn="r"/>
+            <a:r>
+              <a:rPr lang="pt-PT" b="1" dirty="0"/>
+              <a:t>ID 1.6</a:t>
+            </a:r>
+          </a:p>
+        </p:txBody>
+      </p:sp>
+      <p:sp>
+        <p:nvSpPr>
+          <p:cNvPr id="20" name="CaixaDeTexto 19">
+            <a:extLst>
+              <a:ext uri="{FF2B5EF4-FFF2-40B4-BE49-F238E27FC236}">
+                <a16:creationId xmlns:a16="http://schemas.microsoft.com/office/drawing/2014/main" id="{4B1E8CEC-913B-618E-1714-52062B738932}"/>
+              </a:ext>
+            </a:extLst>
+          </p:cNvPr>
+          <p:cNvSpPr txBox="1"/>
+          <p:nvPr/>
+        </p:nvSpPr>
+        <p:spPr>
+          <a:xfrm>
+            <a:off x="5577178" y="3718875"/>
+            <a:ext cx="807046" cy="369332"/>
+          </a:xfrm>
+          <a:prstGeom prst="rect">
+            <a:avLst/>
+          </a:prstGeom>
+          <a:noFill/>
+        </p:spPr>
+        <p:txBody>
+          <a:bodyPr wrap="square" rtlCol="0">
+            <a:spAutoFit/>
+          </a:bodyPr>
+          <a:lstStyle/>
+          <a:p>
+            <a:pPr algn="r"/>
+            <a:r>
+              <a:rPr lang="pt-PT" b="1" dirty="0"/>
+              <a:t>ID 1.5</a:t>
+            </a:r>
+          </a:p>
+        </p:txBody>
+      </p:sp>
+      <p:sp>
+        <p:nvSpPr>
+          <p:cNvPr id="21" name="CaixaDeTexto 20">
+            <a:extLst>
+              <a:ext uri="{FF2B5EF4-FFF2-40B4-BE49-F238E27FC236}">
+                <a16:creationId xmlns:a16="http://schemas.microsoft.com/office/drawing/2014/main" id="{D52A4C3E-7A0D-B74C-3BB7-4F7E5B557367}"/>
+              </a:ext>
+            </a:extLst>
+          </p:cNvPr>
+          <p:cNvSpPr txBox="1"/>
+          <p:nvPr/>
+        </p:nvSpPr>
+        <p:spPr>
+          <a:xfrm>
+            <a:off x="2407641" y="3718875"/>
+            <a:ext cx="807046" cy="369332"/>
+          </a:xfrm>
+          <a:prstGeom prst="rect">
+            <a:avLst/>
+          </a:prstGeom>
+          <a:noFill/>
+        </p:spPr>
+        <p:txBody>
+          <a:bodyPr wrap="square" rtlCol="0">
+            <a:spAutoFit/>
+          </a:bodyPr>
+          <a:lstStyle/>
+          <a:p>
+            <a:pPr algn="r"/>
+            <a:r>
+              <a:rPr lang="pt-PT" b="1" dirty="0"/>
+              <a:t>ID 1.4</a:t>
+            </a:r>
+          </a:p>
+        </p:txBody>
+      </p:sp>
+    </p:spTree>
+    <p:extLst>
+      <p:ext uri="{BB962C8B-B14F-4D97-AF65-F5344CB8AC3E}">
+        <p14:creationId xmlns:p14="http://schemas.microsoft.com/office/powerpoint/2010/main" val="2926089539"/>
+      </p:ext>
+    </p:extLst>
+  </p:cSld>
+  <p:clrMapOvr>
+    <a:masterClrMapping/>
+  </p:clrMapOvr>
+</p:sld>
+</file>
+
+<file path=ppt/slides/slide4.xml><?xml version="1.0" encoding="utf-8"?>
 <p:sld xmlns:a="http://schemas.openxmlformats.org/drawingml/2006/main" xmlns:r="http://schemas.openxmlformats.org/officeDocument/2006/relationships" xmlns:p="http://schemas.openxmlformats.org/presentationml/2006/main">
   <p:cSld>
     <p:bg>
@@ -4891,7 +9484,915 @@
 </p:sld>
 </file>
 
-<file path=ppt/slides/slide4.xml><?xml version="1.0" encoding="utf-8"?>
+<file path=ppt/slides/slide5.xml><?xml version="1.0" encoding="utf-8"?>
+<p:sld xmlns:a="http://schemas.openxmlformats.org/drawingml/2006/main" xmlns:r="http://schemas.openxmlformats.org/officeDocument/2006/relationships" xmlns:p="http://schemas.openxmlformats.org/presentationml/2006/main">
+  <p:cSld>
+    <p:bg>
+      <p:bgPr>
+        <a:solidFill>
+          <a:srgbClr val="FFFFFF"/>
+        </a:solidFill>
+        <a:effectLst/>
+      </p:bgPr>
+    </p:bg>
+    <p:spTree>
+      <p:nvGrpSpPr>
+        <p:cNvPr id="1" name="">
+          <a:extLst>
+            <a:ext uri="{FF2B5EF4-FFF2-40B4-BE49-F238E27FC236}">
+              <a16:creationId xmlns:a16="http://schemas.microsoft.com/office/drawing/2014/main" id="{861ED92D-FED0-978F-7ACB-72018BF7B3A8}"/>
+            </a:ext>
+          </a:extLst>
+        </p:cNvPr>
+        <p:cNvGrpSpPr/>
+        <p:nvPr/>
+      </p:nvGrpSpPr>
+      <p:grpSpPr>
+        <a:xfrm>
+          <a:off x="0" y="0"/>
+          <a:ext cx="0" cy="0"/>
+          <a:chOff x="0" y="0"/>
+          <a:chExt cx="0" cy="0"/>
+        </a:xfrm>
+      </p:grpSpPr>
+      <p:sp>
+        <p:nvSpPr>
+          <p:cNvPr id="5" name="Retângulo 4">
+            <a:extLst>
+              <a:ext uri="{FF2B5EF4-FFF2-40B4-BE49-F238E27FC236}">
+                <a16:creationId xmlns:a16="http://schemas.microsoft.com/office/drawing/2014/main" id="{B0CCFED7-AC7C-C660-3301-DEA674097ED3}"/>
+              </a:ext>
+            </a:extLst>
+          </p:cNvPr>
+          <p:cNvSpPr/>
+          <p:nvPr/>
+        </p:nvSpPr>
+        <p:spPr>
+          <a:xfrm>
+            <a:off x="3503475" y="561974"/>
+            <a:ext cx="2880000" cy="2880000"/>
+          </a:xfrm>
+          <a:prstGeom prst="rect">
+            <a:avLst/>
+          </a:prstGeom>
+          <a:noFill/>
+        </p:spPr>
+        <p:style>
+          <a:lnRef idx="2">
+            <a:schemeClr val="accent1">
+              <a:shade val="15000"/>
+            </a:schemeClr>
+          </a:lnRef>
+          <a:fillRef idx="1">
+            <a:schemeClr val="accent1"/>
+          </a:fillRef>
+          <a:effectRef idx="0">
+            <a:schemeClr val="accent1"/>
+          </a:effectRef>
+          <a:fontRef idx="minor">
+            <a:schemeClr val="lt1"/>
+          </a:fontRef>
+        </p:style>
+        <p:txBody>
+          <a:bodyPr rtlCol="0" anchor="ctr"/>
+          <a:lstStyle/>
+          <a:p>
+            <a:pPr algn="ctr"/>
+            <a:endParaRPr lang="pt-PT"/>
+          </a:p>
+        </p:txBody>
+      </p:sp>
+      <p:sp>
+        <p:nvSpPr>
+          <p:cNvPr id="10" name="CaixaDeTexto 9">
+            <a:extLst>
+              <a:ext uri="{FF2B5EF4-FFF2-40B4-BE49-F238E27FC236}">
+                <a16:creationId xmlns:a16="http://schemas.microsoft.com/office/drawing/2014/main" id="{7231365C-F411-CDE2-6AD5-3D5016E4799A}"/>
+              </a:ext>
+            </a:extLst>
+          </p:cNvPr>
+          <p:cNvSpPr txBox="1"/>
+          <p:nvPr/>
+        </p:nvSpPr>
+        <p:spPr>
+          <a:xfrm>
+            <a:off x="6786562" y="160569"/>
+            <a:ext cx="2366962" cy="369332"/>
+          </a:xfrm>
+          <a:prstGeom prst="rect">
+            <a:avLst/>
+          </a:prstGeom>
+          <a:noFill/>
+        </p:spPr>
+        <p:txBody>
+          <a:bodyPr wrap="square" rtlCol="0">
+            <a:spAutoFit/>
+          </a:bodyPr>
+          <a:lstStyle/>
+          <a:p>
+            <a:pPr algn="r"/>
+            <a:r>
+              <a:rPr lang="pt-PT" b="1" dirty="0"/>
+              <a:t>Marcador ID 2</a:t>
+            </a:r>
+          </a:p>
+        </p:txBody>
+      </p:sp>
+      <p:sp>
+        <p:nvSpPr>
+          <p:cNvPr id="11" name="CaixaDeTexto 10">
+            <a:extLst>
+              <a:ext uri="{FF2B5EF4-FFF2-40B4-BE49-F238E27FC236}">
+                <a16:creationId xmlns:a16="http://schemas.microsoft.com/office/drawing/2014/main" id="{5A02575F-4CE8-EC9F-F3EA-6DEF4FDD4848}"/>
+              </a:ext>
+            </a:extLst>
+          </p:cNvPr>
+          <p:cNvSpPr txBox="1"/>
+          <p:nvPr/>
+        </p:nvSpPr>
+        <p:spPr>
+          <a:xfrm>
+            <a:off x="3119437" y="179619"/>
+            <a:ext cx="3667125" cy="369332"/>
+          </a:xfrm>
+          <a:prstGeom prst="rect">
+            <a:avLst/>
+          </a:prstGeom>
+          <a:noFill/>
+        </p:spPr>
+        <p:txBody>
+          <a:bodyPr wrap="square" rtlCol="0">
+            <a:spAutoFit/>
+          </a:bodyPr>
+          <a:lstStyle/>
+          <a:p>
+            <a:pPr algn="ctr"/>
+            <a:r>
+              <a:rPr lang="pt-PT" b="1" dirty="0"/>
+              <a:t>Triângulos</a:t>
+            </a:r>
+          </a:p>
+        </p:txBody>
+      </p:sp>
+      <p:sp>
+        <p:nvSpPr>
+          <p:cNvPr id="2" name="Triângulo isósceles 1">
+            <a:extLst>
+              <a:ext uri="{FF2B5EF4-FFF2-40B4-BE49-F238E27FC236}">
+                <a16:creationId xmlns:a16="http://schemas.microsoft.com/office/drawing/2014/main" id="{9F1CA4F5-3AC9-ADD0-4CBB-13232B82B1FB}"/>
+              </a:ext>
+            </a:extLst>
+          </p:cNvPr>
+          <p:cNvSpPr/>
+          <p:nvPr/>
+        </p:nvSpPr>
+        <p:spPr>
+          <a:xfrm>
+            <a:off x="752475" y="902924"/>
+            <a:ext cx="2160000" cy="2160000"/>
+          </a:xfrm>
+          <a:prstGeom prst="triangle">
+            <a:avLst/>
+          </a:prstGeom>
+          <a:solidFill>
+            <a:srgbClr val="FF0000"/>
+          </a:solidFill>
+        </p:spPr>
+        <p:style>
+          <a:lnRef idx="2">
+            <a:schemeClr val="accent1">
+              <a:shade val="15000"/>
+            </a:schemeClr>
+          </a:lnRef>
+          <a:fillRef idx="1">
+            <a:schemeClr val="accent1"/>
+          </a:fillRef>
+          <a:effectRef idx="0">
+            <a:schemeClr val="accent1"/>
+          </a:effectRef>
+          <a:fontRef idx="minor">
+            <a:schemeClr val="lt1"/>
+          </a:fontRef>
+        </p:style>
+        <p:txBody>
+          <a:bodyPr rtlCol="0" anchor="ctr"/>
+          <a:lstStyle/>
+          <a:p>
+            <a:pPr algn="ctr"/>
+            <a:endParaRPr lang="pt-PT"/>
+          </a:p>
+        </p:txBody>
+      </p:sp>
+      <p:sp>
+        <p:nvSpPr>
+          <p:cNvPr id="3" name="Triângulo isósceles 2">
+            <a:extLst>
+              <a:ext uri="{FF2B5EF4-FFF2-40B4-BE49-F238E27FC236}">
+                <a16:creationId xmlns:a16="http://schemas.microsoft.com/office/drawing/2014/main" id="{4EB94179-9627-CA30-209B-10560C82A2CE}"/>
+              </a:ext>
+            </a:extLst>
+          </p:cNvPr>
+          <p:cNvSpPr/>
+          <p:nvPr/>
+        </p:nvSpPr>
+        <p:spPr>
+          <a:xfrm>
+            <a:off x="3863475" y="921974"/>
+            <a:ext cx="2160000" cy="2160000"/>
+          </a:xfrm>
+          <a:prstGeom prst="triangle">
+            <a:avLst/>
+          </a:prstGeom>
+          <a:solidFill>
+            <a:srgbClr val="FFFF00"/>
+          </a:solidFill>
+        </p:spPr>
+        <p:style>
+          <a:lnRef idx="2">
+            <a:schemeClr val="accent1">
+              <a:shade val="15000"/>
+            </a:schemeClr>
+          </a:lnRef>
+          <a:fillRef idx="1">
+            <a:schemeClr val="accent1"/>
+          </a:fillRef>
+          <a:effectRef idx="0">
+            <a:schemeClr val="accent1"/>
+          </a:effectRef>
+          <a:fontRef idx="minor">
+            <a:schemeClr val="lt1"/>
+          </a:fontRef>
+        </p:style>
+        <p:txBody>
+          <a:bodyPr rtlCol="0" anchor="ctr"/>
+          <a:lstStyle/>
+          <a:p>
+            <a:pPr algn="ctr"/>
+            <a:endParaRPr lang="pt-PT"/>
+          </a:p>
+        </p:txBody>
+      </p:sp>
+      <p:sp>
+        <p:nvSpPr>
+          <p:cNvPr id="12" name="Triângulo isósceles 11">
+            <a:extLst>
+              <a:ext uri="{FF2B5EF4-FFF2-40B4-BE49-F238E27FC236}">
+                <a16:creationId xmlns:a16="http://schemas.microsoft.com/office/drawing/2014/main" id="{817A1DB0-F23F-0EF0-0EE8-46D78C1AD7D8}"/>
+              </a:ext>
+            </a:extLst>
+          </p:cNvPr>
+          <p:cNvSpPr/>
+          <p:nvPr/>
+        </p:nvSpPr>
+        <p:spPr>
+          <a:xfrm>
+            <a:off x="6881175" y="921974"/>
+            <a:ext cx="2160000" cy="2160000"/>
+          </a:xfrm>
+          <a:prstGeom prst="triangle">
+            <a:avLst/>
+          </a:prstGeom>
+          <a:solidFill>
+            <a:srgbClr val="00FF00"/>
+          </a:solidFill>
+        </p:spPr>
+        <p:style>
+          <a:lnRef idx="2">
+            <a:schemeClr val="accent1">
+              <a:shade val="15000"/>
+            </a:schemeClr>
+          </a:lnRef>
+          <a:fillRef idx="1">
+            <a:schemeClr val="accent1"/>
+          </a:fillRef>
+          <a:effectRef idx="0">
+            <a:schemeClr val="accent1"/>
+          </a:effectRef>
+          <a:fontRef idx="minor">
+            <a:schemeClr val="lt1"/>
+          </a:fontRef>
+        </p:style>
+        <p:txBody>
+          <a:bodyPr rtlCol="0" anchor="ctr"/>
+          <a:lstStyle/>
+          <a:p>
+            <a:pPr algn="ctr"/>
+            <a:endParaRPr lang="pt-PT"/>
+          </a:p>
+        </p:txBody>
+      </p:sp>
+      <p:sp>
+        <p:nvSpPr>
+          <p:cNvPr id="13" name="Triângulo isósceles 12">
+            <a:extLst>
+              <a:ext uri="{FF2B5EF4-FFF2-40B4-BE49-F238E27FC236}">
+                <a16:creationId xmlns:a16="http://schemas.microsoft.com/office/drawing/2014/main" id="{E2DE330D-9CA2-1580-71BF-9B33797E8A9A}"/>
+              </a:ext>
+            </a:extLst>
+          </p:cNvPr>
+          <p:cNvSpPr/>
+          <p:nvPr/>
+        </p:nvSpPr>
+        <p:spPr>
+          <a:xfrm>
+            <a:off x="6890043" y="3960449"/>
+            <a:ext cx="2160000" cy="2160000"/>
+          </a:xfrm>
+          <a:prstGeom prst="triangle">
+            <a:avLst/>
+          </a:prstGeom>
+          <a:solidFill>
+            <a:srgbClr val="00FFFF"/>
+          </a:solidFill>
+        </p:spPr>
+        <p:style>
+          <a:lnRef idx="2">
+            <a:schemeClr val="accent1">
+              <a:shade val="15000"/>
+            </a:schemeClr>
+          </a:lnRef>
+          <a:fillRef idx="1">
+            <a:schemeClr val="accent1"/>
+          </a:fillRef>
+          <a:effectRef idx="0">
+            <a:schemeClr val="accent1"/>
+          </a:effectRef>
+          <a:fontRef idx="minor">
+            <a:schemeClr val="lt1"/>
+          </a:fontRef>
+        </p:style>
+        <p:txBody>
+          <a:bodyPr rtlCol="0" anchor="ctr"/>
+          <a:lstStyle/>
+          <a:p>
+            <a:pPr algn="ctr"/>
+            <a:endParaRPr lang="pt-PT"/>
+          </a:p>
+        </p:txBody>
+      </p:sp>
+      <p:sp>
+        <p:nvSpPr>
+          <p:cNvPr id="14" name="Triângulo isósceles 13">
+            <a:extLst>
+              <a:ext uri="{FF2B5EF4-FFF2-40B4-BE49-F238E27FC236}">
+                <a16:creationId xmlns:a16="http://schemas.microsoft.com/office/drawing/2014/main" id="{74A18360-C198-700A-AB9F-605ECBD403C8}"/>
+              </a:ext>
+            </a:extLst>
+          </p:cNvPr>
+          <p:cNvSpPr/>
+          <p:nvPr/>
+        </p:nvSpPr>
+        <p:spPr>
+          <a:xfrm>
+            <a:off x="3863475" y="3960449"/>
+            <a:ext cx="2160000" cy="2160000"/>
+          </a:xfrm>
+          <a:prstGeom prst="triangle">
+            <a:avLst/>
+          </a:prstGeom>
+          <a:solidFill>
+            <a:srgbClr val="FF00FF"/>
+          </a:solidFill>
+        </p:spPr>
+        <p:style>
+          <a:lnRef idx="2">
+            <a:schemeClr val="accent1">
+              <a:shade val="15000"/>
+            </a:schemeClr>
+          </a:lnRef>
+          <a:fillRef idx="1">
+            <a:schemeClr val="accent1"/>
+          </a:fillRef>
+          <a:effectRef idx="0">
+            <a:schemeClr val="accent1"/>
+          </a:effectRef>
+          <a:fontRef idx="minor">
+            <a:schemeClr val="lt1"/>
+          </a:fontRef>
+        </p:style>
+        <p:txBody>
+          <a:bodyPr rtlCol="0" anchor="ctr"/>
+          <a:lstStyle/>
+          <a:p>
+            <a:pPr algn="ctr"/>
+            <a:endParaRPr lang="pt-PT"/>
+          </a:p>
+        </p:txBody>
+      </p:sp>
+      <p:sp>
+        <p:nvSpPr>
+          <p:cNvPr id="15" name="Triângulo isósceles 14">
+            <a:extLst>
+              <a:ext uri="{FF2B5EF4-FFF2-40B4-BE49-F238E27FC236}">
+                <a16:creationId xmlns:a16="http://schemas.microsoft.com/office/drawing/2014/main" id="{64E1A94F-489A-934F-2801-1938324D1EAE}"/>
+              </a:ext>
+            </a:extLst>
+          </p:cNvPr>
+          <p:cNvSpPr/>
+          <p:nvPr/>
+        </p:nvSpPr>
+        <p:spPr>
+          <a:xfrm>
+            <a:off x="761259" y="3960449"/>
+            <a:ext cx="2160000" cy="2160000"/>
+          </a:xfrm>
+          <a:prstGeom prst="triangle">
+            <a:avLst/>
+          </a:prstGeom>
+          <a:solidFill>
+            <a:srgbClr val="0000FF"/>
+          </a:solidFill>
+        </p:spPr>
+        <p:style>
+          <a:lnRef idx="2">
+            <a:schemeClr val="accent1">
+              <a:shade val="15000"/>
+            </a:schemeClr>
+          </a:lnRef>
+          <a:fillRef idx="1">
+            <a:schemeClr val="accent1"/>
+          </a:fillRef>
+          <a:effectRef idx="0">
+            <a:schemeClr val="accent1"/>
+          </a:effectRef>
+          <a:fontRef idx="minor">
+            <a:schemeClr val="lt1"/>
+          </a:fontRef>
+        </p:style>
+        <p:txBody>
+          <a:bodyPr rtlCol="0" anchor="ctr"/>
+          <a:lstStyle/>
+          <a:p>
+            <a:pPr algn="ctr"/>
+            <a:endParaRPr lang="pt-PT"/>
+          </a:p>
+        </p:txBody>
+      </p:sp>
+      <p:sp>
+        <p:nvSpPr>
+          <p:cNvPr id="16" name="Retângulo 15">
+            <a:extLst>
+              <a:ext uri="{FF2B5EF4-FFF2-40B4-BE49-F238E27FC236}">
+                <a16:creationId xmlns:a16="http://schemas.microsoft.com/office/drawing/2014/main" id="{E9670B93-15F8-C0F6-AA8A-C598D5FF311B}"/>
+              </a:ext>
+            </a:extLst>
+          </p:cNvPr>
+          <p:cNvSpPr/>
+          <p:nvPr/>
+        </p:nvSpPr>
+        <p:spPr>
+          <a:xfrm>
+            <a:off x="6530043" y="561974"/>
+            <a:ext cx="2880000" cy="2880000"/>
+          </a:xfrm>
+          <a:prstGeom prst="rect">
+            <a:avLst/>
+          </a:prstGeom>
+          <a:noFill/>
+        </p:spPr>
+        <p:style>
+          <a:lnRef idx="2">
+            <a:schemeClr val="accent1">
+              <a:shade val="15000"/>
+            </a:schemeClr>
+          </a:lnRef>
+          <a:fillRef idx="1">
+            <a:schemeClr val="accent1"/>
+          </a:fillRef>
+          <a:effectRef idx="0">
+            <a:schemeClr val="accent1"/>
+          </a:effectRef>
+          <a:fontRef idx="minor">
+            <a:schemeClr val="lt1"/>
+          </a:fontRef>
+        </p:style>
+        <p:txBody>
+          <a:bodyPr rtlCol="0" anchor="ctr"/>
+          <a:lstStyle/>
+          <a:p>
+            <a:pPr algn="ctr"/>
+            <a:endParaRPr lang="pt-PT"/>
+          </a:p>
+        </p:txBody>
+      </p:sp>
+      <p:sp>
+        <p:nvSpPr>
+          <p:cNvPr id="17" name="Retângulo 16">
+            <a:extLst>
+              <a:ext uri="{FF2B5EF4-FFF2-40B4-BE49-F238E27FC236}">
+                <a16:creationId xmlns:a16="http://schemas.microsoft.com/office/drawing/2014/main" id="{81B3D926-B2EC-BFEE-39EC-CFE54ABD3AB3}"/>
+              </a:ext>
+            </a:extLst>
+          </p:cNvPr>
+          <p:cNvSpPr/>
+          <p:nvPr/>
+        </p:nvSpPr>
+        <p:spPr>
+          <a:xfrm>
+            <a:off x="401259" y="558525"/>
+            <a:ext cx="2880000" cy="2880000"/>
+          </a:xfrm>
+          <a:prstGeom prst="rect">
+            <a:avLst/>
+          </a:prstGeom>
+          <a:noFill/>
+        </p:spPr>
+        <p:style>
+          <a:lnRef idx="2">
+            <a:schemeClr val="accent1">
+              <a:shade val="15000"/>
+            </a:schemeClr>
+          </a:lnRef>
+          <a:fillRef idx="1">
+            <a:schemeClr val="accent1"/>
+          </a:fillRef>
+          <a:effectRef idx="0">
+            <a:schemeClr val="accent1"/>
+          </a:effectRef>
+          <a:fontRef idx="minor">
+            <a:schemeClr val="lt1"/>
+          </a:fontRef>
+        </p:style>
+        <p:txBody>
+          <a:bodyPr rtlCol="0" anchor="ctr"/>
+          <a:lstStyle/>
+          <a:p>
+            <a:pPr algn="ctr"/>
+            <a:endParaRPr lang="pt-PT"/>
+          </a:p>
+        </p:txBody>
+      </p:sp>
+      <p:sp>
+        <p:nvSpPr>
+          <p:cNvPr id="18" name="Retângulo 17">
+            <a:extLst>
+              <a:ext uri="{FF2B5EF4-FFF2-40B4-BE49-F238E27FC236}">
+                <a16:creationId xmlns:a16="http://schemas.microsoft.com/office/drawing/2014/main" id="{72CD3982-E030-34D0-A9F5-9980D380E368}"/>
+              </a:ext>
+            </a:extLst>
+          </p:cNvPr>
+          <p:cNvSpPr/>
+          <p:nvPr/>
+        </p:nvSpPr>
+        <p:spPr>
+          <a:xfrm>
+            <a:off x="3513000" y="3600449"/>
+            <a:ext cx="2880000" cy="2880000"/>
+          </a:xfrm>
+          <a:prstGeom prst="rect">
+            <a:avLst/>
+          </a:prstGeom>
+          <a:noFill/>
+        </p:spPr>
+        <p:style>
+          <a:lnRef idx="2">
+            <a:schemeClr val="accent1">
+              <a:shade val="15000"/>
+            </a:schemeClr>
+          </a:lnRef>
+          <a:fillRef idx="1">
+            <a:schemeClr val="accent1"/>
+          </a:fillRef>
+          <a:effectRef idx="0">
+            <a:schemeClr val="accent1"/>
+          </a:effectRef>
+          <a:fontRef idx="minor">
+            <a:schemeClr val="lt1"/>
+          </a:fontRef>
+        </p:style>
+        <p:txBody>
+          <a:bodyPr rtlCol="0" anchor="ctr"/>
+          <a:lstStyle/>
+          <a:p>
+            <a:pPr algn="ctr"/>
+            <a:endParaRPr lang="pt-PT"/>
+          </a:p>
+        </p:txBody>
+      </p:sp>
+      <p:sp>
+        <p:nvSpPr>
+          <p:cNvPr id="19" name="Retângulo 18">
+            <a:extLst>
+              <a:ext uri="{FF2B5EF4-FFF2-40B4-BE49-F238E27FC236}">
+                <a16:creationId xmlns:a16="http://schemas.microsoft.com/office/drawing/2014/main" id="{3F56E7BA-ACA2-80BB-E313-D2199C7EF2FD}"/>
+              </a:ext>
+            </a:extLst>
+          </p:cNvPr>
+          <p:cNvSpPr/>
+          <p:nvPr/>
+        </p:nvSpPr>
+        <p:spPr>
+          <a:xfrm>
+            <a:off x="401259" y="3600449"/>
+            <a:ext cx="2880000" cy="2880000"/>
+          </a:xfrm>
+          <a:prstGeom prst="rect">
+            <a:avLst/>
+          </a:prstGeom>
+          <a:noFill/>
+        </p:spPr>
+        <p:style>
+          <a:lnRef idx="2">
+            <a:schemeClr val="accent1">
+              <a:shade val="15000"/>
+            </a:schemeClr>
+          </a:lnRef>
+          <a:fillRef idx="1">
+            <a:schemeClr val="accent1"/>
+          </a:fillRef>
+          <a:effectRef idx="0">
+            <a:schemeClr val="accent1"/>
+          </a:effectRef>
+          <a:fontRef idx="minor">
+            <a:schemeClr val="lt1"/>
+          </a:fontRef>
+        </p:style>
+        <p:txBody>
+          <a:bodyPr rtlCol="0" anchor="ctr"/>
+          <a:lstStyle/>
+          <a:p>
+            <a:pPr algn="ctr"/>
+            <a:endParaRPr lang="pt-PT"/>
+          </a:p>
+        </p:txBody>
+      </p:sp>
+      <p:sp>
+        <p:nvSpPr>
+          <p:cNvPr id="20" name="Retângulo 19">
+            <a:extLst>
+              <a:ext uri="{FF2B5EF4-FFF2-40B4-BE49-F238E27FC236}">
+                <a16:creationId xmlns:a16="http://schemas.microsoft.com/office/drawing/2014/main" id="{50ABE252-6F4E-0426-C4E7-1FC946AF704D}"/>
+              </a:ext>
+            </a:extLst>
+          </p:cNvPr>
+          <p:cNvSpPr/>
+          <p:nvPr/>
+        </p:nvSpPr>
+        <p:spPr>
+          <a:xfrm>
+            <a:off x="6530043" y="3600449"/>
+            <a:ext cx="2880000" cy="2880000"/>
+          </a:xfrm>
+          <a:prstGeom prst="rect">
+            <a:avLst/>
+          </a:prstGeom>
+          <a:noFill/>
+        </p:spPr>
+        <p:style>
+          <a:lnRef idx="2">
+            <a:schemeClr val="accent1">
+              <a:shade val="15000"/>
+            </a:schemeClr>
+          </a:lnRef>
+          <a:fillRef idx="1">
+            <a:schemeClr val="accent1"/>
+          </a:fillRef>
+          <a:effectRef idx="0">
+            <a:schemeClr val="accent1"/>
+          </a:effectRef>
+          <a:fontRef idx="minor">
+            <a:schemeClr val="lt1"/>
+          </a:fontRef>
+        </p:style>
+        <p:txBody>
+          <a:bodyPr rtlCol="0" anchor="ctr"/>
+          <a:lstStyle/>
+          <a:p>
+            <a:pPr algn="ctr"/>
+            <a:endParaRPr lang="pt-PT"/>
+          </a:p>
+        </p:txBody>
+      </p:sp>
+      <p:sp>
+        <p:nvSpPr>
+          <p:cNvPr id="4" name="CaixaDeTexto 3">
+            <a:extLst>
+              <a:ext uri="{FF2B5EF4-FFF2-40B4-BE49-F238E27FC236}">
+                <a16:creationId xmlns:a16="http://schemas.microsoft.com/office/drawing/2014/main" id="{FDF904DF-C972-F5B5-BF9A-584C16E360EE}"/>
+              </a:ext>
+            </a:extLst>
+          </p:cNvPr>
+          <p:cNvSpPr txBox="1"/>
+          <p:nvPr/>
+        </p:nvSpPr>
+        <p:spPr>
+          <a:xfrm>
+            <a:off x="2474752" y="568001"/>
+            <a:ext cx="797723" cy="369332"/>
+          </a:xfrm>
+          <a:prstGeom prst="rect">
+            <a:avLst/>
+          </a:prstGeom>
+          <a:noFill/>
+        </p:spPr>
+        <p:txBody>
+          <a:bodyPr wrap="square" rtlCol="0">
+            <a:spAutoFit/>
+          </a:bodyPr>
+          <a:lstStyle/>
+          <a:p>
+            <a:pPr algn="r"/>
+            <a:r>
+              <a:rPr lang="pt-PT" b="1" dirty="0"/>
+              <a:t>ID 2.1</a:t>
+            </a:r>
+          </a:p>
+        </p:txBody>
+      </p:sp>
+      <p:sp>
+        <p:nvSpPr>
+          <p:cNvPr id="6" name="CaixaDeTexto 5">
+            <a:extLst>
+              <a:ext uri="{FF2B5EF4-FFF2-40B4-BE49-F238E27FC236}">
+                <a16:creationId xmlns:a16="http://schemas.microsoft.com/office/drawing/2014/main" id="{926A5580-5E8E-B023-9C07-AAC322D78132}"/>
+              </a:ext>
+            </a:extLst>
+          </p:cNvPr>
+          <p:cNvSpPr txBox="1"/>
+          <p:nvPr/>
+        </p:nvSpPr>
+        <p:spPr>
+          <a:xfrm>
+            <a:off x="5553513" y="568001"/>
+            <a:ext cx="800760" cy="369332"/>
+          </a:xfrm>
+          <a:prstGeom prst="rect">
+            <a:avLst/>
+          </a:prstGeom>
+          <a:noFill/>
+        </p:spPr>
+        <p:txBody>
+          <a:bodyPr wrap="square" rtlCol="0">
+            <a:spAutoFit/>
+          </a:bodyPr>
+          <a:lstStyle/>
+          <a:p>
+            <a:pPr algn="r"/>
+            <a:r>
+              <a:rPr lang="pt-PT" b="1" dirty="0"/>
+              <a:t>ID 2.2</a:t>
+            </a:r>
+          </a:p>
+        </p:txBody>
+      </p:sp>
+      <p:sp>
+        <p:nvSpPr>
+          <p:cNvPr id="7" name="CaixaDeTexto 6">
+            <a:extLst>
+              <a:ext uri="{FF2B5EF4-FFF2-40B4-BE49-F238E27FC236}">
+                <a16:creationId xmlns:a16="http://schemas.microsoft.com/office/drawing/2014/main" id="{363E24AF-5DC6-842D-05D8-AC38A4EDF7EF}"/>
+              </a:ext>
+            </a:extLst>
+          </p:cNvPr>
+          <p:cNvSpPr txBox="1"/>
+          <p:nvPr/>
+        </p:nvSpPr>
+        <p:spPr>
+          <a:xfrm>
+            <a:off x="8565160" y="578833"/>
+            <a:ext cx="827147" cy="369332"/>
+          </a:xfrm>
+          <a:prstGeom prst="rect">
+            <a:avLst/>
+          </a:prstGeom>
+          <a:noFill/>
+        </p:spPr>
+        <p:txBody>
+          <a:bodyPr wrap="square" rtlCol="0">
+            <a:spAutoFit/>
+          </a:bodyPr>
+          <a:lstStyle/>
+          <a:p>
+            <a:pPr algn="r"/>
+            <a:r>
+              <a:rPr lang="pt-PT" b="1" dirty="0"/>
+              <a:t>ID 2.3</a:t>
+            </a:r>
+          </a:p>
+        </p:txBody>
+      </p:sp>
+      <p:sp>
+        <p:nvSpPr>
+          <p:cNvPr id="8" name="CaixaDeTexto 7">
+            <a:extLst>
+              <a:ext uri="{FF2B5EF4-FFF2-40B4-BE49-F238E27FC236}">
+                <a16:creationId xmlns:a16="http://schemas.microsoft.com/office/drawing/2014/main" id="{5AD6630D-4E5C-3ECF-439F-27603F6FF8C4}"/>
+              </a:ext>
+            </a:extLst>
+          </p:cNvPr>
+          <p:cNvSpPr txBox="1"/>
+          <p:nvPr/>
+        </p:nvSpPr>
+        <p:spPr>
+          <a:xfrm>
+            <a:off x="8565161" y="3617308"/>
+            <a:ext cx="827146" cy="369332"/>
+          </a:xfrm>
+          <a:prstGeom prst="rect">
+            <a:avLst/>
+          </a:prstGeom>
+          <a:noFill/>
+        </p:spPr>
+        <p:txBody>
+          <a:bodyPr wrap="square" rtlCol="0">
+            <a:spAutoFit/>
+          </a:bodyPr>
+          <a:lstStyle/>
+          <a:p>
+            <a:pPr algn="r"/>
+            <a:r>
+              <a:rPr lang="pt-PT" b="1" dirty="0"/>
+              <a:t>ID 2.6</a:t>
+            </a:r>
+          </a:p>
+        </p:txBody>
+      </p:sp>
+      <p:sp>
+        <p:nvSpPr>
+          <p:cNvPr id="9" name="CaixaDeTexto 8">
+            <a:extLst>
+              <a:ext uri="{FF2B5EF4-FFF2-40B4-BE49-F238E27FC236}">
+                <a16:creationId xmlns:a16="http://schemas.microsoft.com/office/drawing/2014/main" id="{C9BBAF59-2CBF-F9F5-22C0-720D30AF7CBB}"/>
+              </a:ext>
+            </a:extLst>
+          </p:cNvPr>
+          <p:cNvSpPr txBox="1"/>
+          <p:nvPr/>
+        </p:nvSpPr>
+        <p:spPr>
+          <a:xfrm>
+            <a:off x="5553513" y="3617308"/>
+            <a:ext cx="800759" cy="369332"/>
+          </a:xfrm>
+          <a:prstGeom prst="rect">
+            <a:avLst/>
+          </a:prstGeom>
+          <a:noFill/>
+        </p:spPr>
+        <p:txBody>
+          <a:bodyPr wrap="square" rtlCol="0">
+            <a:spAutoFit/>
+          </a:bodyPr>
+          <a:lstStyle/>
+          <a:p>
+            <a:pPr algn="r"/>
+            <a:r>
+              <a:rPr lang="pt-PT" b="1" dirty="0"/>
+              <a:t>ID 2.5</a:t>
+            </a:r>
+          </a:p>
+        </p:txBody>
+      </p:sp>
+      <p:sp>
+        <p:nvSpPr>
+          <p:cNvPr id="21" name="CaixaDeTexto 20">
+            <a:extLst>
+              <a:ext uri="{FF2B5EF4-FFF2-40B4-BE49-F238E27FC236}">
+                <a16:creationId xmlns:a16="http://schemas.microsoft.com/office/drawing/2014/main" id="{5F66E77E-1FC0-4EC7-6772-ADA28DB3578D}"/>
+              </a:ext>
+            </a:extLst>
+          </p:cNvPr>
+          <p:cNvSpPr txBox="1"/>
+          <p:nvPr/>
+        </p:nvSpPr>
+        <p:spPr>
+          <a:xfrm>
+            <a:off x="2474753" y="3617308"/>
+            <a:ext cx="789060" cy="369332"/>
+          </a:xfrm>
+          <a:prstGeom prst="rect">
+            <a:avLst/>
+          </a:prstGeom>
+          <a:noFill/>
+        </p:spPr>
+        <p:txBody>
+          <a:bodyPr wrap="square" rtlCol="0">
+            <a:spAutoFit/>
+          </a:bodyPr>
+          <a:lstStyle/>
+          <a:p>
+            <a:pPr algn="r"/>
+            <a:r>
+              <a:rPr lang="pt-PT" b="1" dirty="0"/>
+              <a:t>ID 2.4</a:t>
+            </a:r>
+          </a:p>
+        </p:txBody>
+      </p:sp>
+    </p:spTree>
+    <p:extLst>
+      <p:ext uri="{BB962C8B-B14F-4D97-AF65-F5344CB8AC3E}">
+        <p14:creationId xmlns:p14="http://schemas.microsoft.com/office/powerpoint/2010/main" val="2874228680"/>
+      </p:ext>
+    </p:extLst>
+  </p:cSld>
+  <p:clrMapOvr>
+    <a:masterClrMapping/>
+  </p:clrMapOvr>
+</p:sld>
+</file>
+
+<file path=ppt/slides/slide6.xml><?xml version="1.0" encoding="utf-8"?>
 <p:sld xmlns:a="http://schemas.openxmlformats.org/drawingml/2006/main" xmlns:r="http://schemas.openxmlformats.org/officeDocument/2006/relationships" xmlns:p="http://schemas.openxmlformats.org/presentationml/2006/main">
   <p:cSld>
     <p:bg>
@@ -5799,7 +11300,915 @@
 </p:sld>
 </file>
 
-<file path=ppt/slides/slide5.xml><?xml version="1.0" encoding="utf-8"?>
+<file path=ppt/slides/slide7.xml><?xml version="1.0" encoding="utf-8"?>
+<p:sld xmlns:a="http://schemas.openxmlformats.org/drawingml/2006/main" xmlns:r="http://schemas.openxmlformats.org/officeDocument/2006/relationships" xmlns:p="http://schemas.openxmlformats.org/presentationml/2006/main">
+  <p:cSld>
+    <p:bg>
+      <p:bgPr>
+        <a:solidFill>
+          <a:srgbClr val="FFFFFF"/>
+        </a:solidFill>
+        <a:effectLst/>
+      </p:bgPr>
+    </p:bg>
+    <p:spTree>
+      <p:nvGrpSpPr>
+        <p:cNvPr id="1" name="">
+          <a:extLst>
+            <a:ext uri="{FF2B5EF4-FFF2-40B4-BE49-F238E27FC236}">
+              <a16:creationId xmlns:a16="http://schemas.microsoft.com/office/drawing/2014/main" id="{9542D094-F286-61CC-393A-234357C1B455}"/>
+            </a:ext>
+          </a:extLst>
+        </p:cNvPr>
+        <p:cNvGrpSpPr/>
+        <p:nvPr/>
+      </p:nvGrpSpPr>
+      <p:grpSpPr>
+        <a:xfrm>
+          <a:off x="0" y="0"/>
+          <a:ext cx="0" cy="0"/>
+          <a:chOff x="0" y="0"/>
+          <a:chExt cx="0" cy="0"/>
+        </a:xfrm>
+      </p:grpSpPr>
+      <p:sp>
+        <p:nvSpPr>
+          <p:cNvPr id="5" name="Retângulo 4">
+            <a:extLst>
+              <a:ext uri="{FF2B5EF4-FFF2-40B4-BE49-F238E27FC236}">
+                <a16:creationId xmlns:a16="http://schemas.microsoft.com/office/drawing/2014/main" id="{5ACFA922-7299-5171-C477-5BE35A0614DE}"/>
+              </a:ext>
+            </a:extLst>
+          </p:cNvPr>
+          <p:cNvSpPr/>
+          <p:nvPr/>
+        </p:nvSpPr>
+        <p:spPr>
+          <a:xfrm>
+            <a:off x="3503475" y="561974"/>
+            <a:ext cx="2880000" cy="2880000"/>
+          </a:xfrm>
+          <a:prstGeom prst="rect">
+            <a:avLst/>
+          </a:prstGeom>
+          <a:noFill/>
+        </p:spPr>
+        <p:style>
+          <a:lnRef idx="2">
+            <a:schemeClr val="accent1">
+              <a:shade val="15000"/>
+            </a:schemeClr>
+          </a:lnRef>
+          <a:fillRef idx="1">
+            <a:schemeClr val="accent1"/>
+          </a:fillRef>
+          <a:effectRef idx="0">
+            <a:schemeClr val="accent1"/>
+          </a:effectRef>
+          <a:fontRef idx="minor">
+            <a:schemeClr val="lt1"/>
+          </a:fontRef>
+        </p:style>
+        <p:txBody>
+          <a:bodyPr rtlCol="0" anchor="ctr"/>
+          <a:lstStyle/>
+          <a:p>
+            <a:pPr algn="ctr"/>
+            <a:endParaRPr lang="pt-PT"/>
+          </a:p>
+        </p:txBody>
+      </p:sp>
+      <p:sp>
+        <p:nvSpPr>
+          <p:cNvPr id="10" name="CaixaDeTexto 9">
+            <a:extLst>
+              <a:ext uri="{FF2B5EF4-FFF2-40B4-BE49-F238E27FC236}">
+                <a16:creationId xmlns:a16="http://schemas.microsoft.com/office/drawing/2014/main" id="{E1C4751C-C725-E5BF-EFB1-30842713687E}"/>
+              </a:ext>
+            </a:extLst>
+          </p:cNvPr>
+          <p:cNvSpPr txBox="1"/>
+          <p:nvPr/>
+        </p:nvSpPr>
+        <p:spPr>
+          <a:xfrm>
+            <a:off x="6786562" y="160569"/>
+            <a:ext cx="2366962" cy="369332"/>
+          </a:xfrm>
+          <a:prstGeom prst="rect">
+            <a:avLst/>
+          </a:prstGeom>
+          <a:noFill/>
+        </p:spPr>
+        <p:txBody>
+          <a:bodyPr wrap="square" rtlCol="0">
+            <a:spAutoFit/>
+          </a:bodyPr>
+          <a:lstStyle/>
+          <a:p>
+            <a:pPr algn="r"/>
+            <a:r>
+              <a:rPr lang="pt-PT" b="1" dirty="0"/>
+              <a:t>Marcador ID 3</a:t>
+            </a:r>
+          </a:p>
+        </p:txBody>
+      </p:sp>
+      <p:sp>
+        <p:nvSpPr>
+          <p:cNvPr id="11" name="CaixaDeTexto 10">
+            <a:extLst>
+              <a:ext uri="{FF2B5EF4-FFF2-40B4-BE49-F238E27FC236}">
+                <a16:creationId xmlns:a16="http://schemas.microsoft.com/office/drawing/2014/main" id="{BEED5FED-2EE2-22B8-56B9-CFDE89085600}"/>
+              </a:ext>
+            </a:extLst>
+          </p:cNvPr>
+          <p:cNvSpPr txBox="1"/>
+          <p:nvPr/>
+        </p:nvSpPr>
+        <p:spPr>
+          <a:xfrm>
+            <a:off x="3119437" y="179619"/>
+            <a:ext cx="3667125" cy="369332"/>
+          </a:xfrm>
+          <a:prstGeom prst="rect">
+            <a:avLst/>
+          </a:prstGeom>
+          <a:noFill/>
+        </p:spPr>
+        <p:txBody>
+          <a:bodyPr wrap="square" rtlCol="0">
+            <a:spAutoFit/>
+          </a:bodyPr>
+          <a:lstStyle/>
+          <a:p>
+            <a:pPr algn="ctr"/>
+            <a:r>
+              <a:rPr lang="pt-PT" b="1" dirty="0"/>
+              <a:t>Círculos</a:t>
+            </a:r>
+          </a:p>
+        </p:txBody>
+      </p:sp>
+      <p:sp>
+        <p:nvSpPr>
+          <p:cNvPr id="16" name="Retângulo 15">
+            <a:extLst>
+              <a:ext uri="{FF2B5EF4-FFF2-40B4-BE49-F238E27FC236}">
+                <a16:creationId xmlns:a16="http://schemas.microsoft.com/office/drawing/2014/main" id="{2E1C2118-4103-04BF-B777-FEB0995495CE}"/>
+              </a:ext>
+            </a:extLst>
+          </p:cNvPr>
+          <p:cNvSpPr/>
+          <p:nvPr/>
+        </p:nvSpPr>
+        <p:spPr>
+          <a:xfrm>
+            <a:off x="6530043" y="561974"/>
+            <a:ext cx="2880000" cy="2880000"/>
+          </a:xfrm>
+          <a:prstGeom prst="rect">
+            <a:avLst/>
+          </a:prstGeom>
+          <a:noFill/>
+        </p:spPr>
+        <p:style>
+          <a:lnRef idx="2">
+            <a:schemeClr val="accent1">
+              <a:shade val="15000"/>
+            </a:schemeClr>
+          </a:lnRef>
+          <a:fillRef idx="1">
+            <a:schemeClr val="accent1"/>
+          </a:fillRef>
+          <a:effectRef idx="0">
+            <a:schemeClr val="accent1"/>
+          </a:effectRef>
+          <a:fontRef idx="minor">
+            <a:schemeClr val="lt1"/>
+          </a:fontRef>
+        </p:style>
+        <p:txBody>
+          <a:bodyPr rtlCol="0" anchor="ctr"/>
+          <a:lstStyle/>
+          <a:p>
+            <a:pPr algn="ctr"/>
+            <a:endParaRPr lang="pt-PT"/>
+          </a:p>
+        </p:txBody>
+      </p:sp>
+      <p:sp>
+        <p:nvSpPr>
+          <p:cNvPr id="17" name="Retângulo 16">
+            <a:extLst>
+              <a:ext uri="{FF2B5EF4-FFF2-40B4-BE49-F238E27FC236}">
+                <a16:creationId xmlns:a16="http://schemas.microsoft.com/office/drawing/2014/main" id="{F33D3FE7-0827-5AAD-D433-7B4F6204C490}"/>
+              </a:ext>
+            </a:extLst>
+          </p:cNvPr>
+          <p:cNvSpPr/>
+          <p:nvPr/>
+        </p:nvSpPr>
+        <p:spPr>
+          <a:xfrm>
+            <a:off x="401259" y="558525"/>
+            <a:ext cx="2880000" cy="2880000"/>
+          </a:xfrm>
+          <a:prstGeom prst="rect">
+            <a:avLst/>
+          </a:prstGeom>
+          <a:noFill/>
+        </p:spPr>
+        <p:style>
+          <a:lnRef idx="2">
+            <a:schemeClr val="accent1">
+              <a:shade val="15000"/>
+            </a:schemeClr>
+          </a:lnRef>
+          <a:fillRef idx="1">
+            <a:schemeClr val="accent1"/>
+          </a:fillRef>
+          <a:effectRef idx="0">
+            <a:schemeClr val="accent1"/>
+          </a:effectRef>
+          <a:fontRef idx="minor">
+            <a:schemeClr val="lt1"/>
+          </a:fontRef>
+        </p:style>
+        <p:txBody>
+          <a:bodyPr rtlCol="0" anchor="ctr"/>
+          <a:lstStyle/>
+          <a:p>
+            <a:pPr algn="ctr"/>
+            <a:endParaRPr lang="pt-PT"/>
+          </a:p>
+        </p:txBody>
+      </p:sp>
+      <p:sp>
+        <p:nvSpPr>
+          <p:cNvPr id="18" name="Retângulo 17">
+            <a:extLst>
+              <a:ext uri="{FF2B5EF4-FFF2-40B4-BE49-F238E27FC236}">
+                <a16:creationId xmlns:a16="http://schemas.microsoft.com/office/drawing/2014/main" id="{C6927AD7-D27D-4826-3D88-D78E747A8A84}"/>
+              </a:ext>
+            </a:extLst>
+          </p:cNvPr>
+          <p:cNvSpPr/>
+          <p:nvPr/>
+        </p:nvSpPr>
+        <p:spPr>
+          <a:xfrm>
+            <a:off x="3513000" y="3600449"/>
+            <a:ext cx="2880000" cy="2880000"/>
+          </a:xfrm>
+          <a:prstGeom prst="rect">
+            <a:avLst/>
+          </a:prstGeom>
+          <a:noFill/>
+        </p:spPr>
+        <p:style>
+          <a:lnRef idx="2">
+            <a:schemeClr val="accent1">
+              <a:shade val="15000"/>
+            </a:schemeClr>
+          </a:lnRef>
+          <a:fillRef idx="1">
+            <a:schemeClr val="accent1"/>
+          </a:fillRef>
+          <a:effectRef idx="0">
+            <a:schemeClr val="accent1"/>
+          </a:effectRef>
+          <a:fontRef idx="minor">
+            <a:schemeClr val="lt1"/>
+          </a:fontRef>
+        </p:style>
+        <p:txBody>
+          <a:bodyPr rtlCol="0" anchor="ctr"/>
+          <a:lstStyle/>
+          <a:p>
+            <a:pPr algn="ctr"/>
+            <a:endParaRPr lang="pt-PT"/>
+          </a:p>
+        </p:txBody>
+      </p:sp>
+      <p:sp>
+        <p:nvSpPr>
+          <p:cNvPr id="19" name="Retângulo 18">
+            <a:extLst>
+              <a:ext uri="{FF2B5EF4-FFF2-40B4-BE49-F238E27FC236}">
+                <a16:creationId xmlns:a16="http://schemas.microsoft.com/office/drawing/2014/main" id="{29F16126-3CD4-8BBA-1EF7-8185EB31E1B1}"/>
+              </a:ext>
+            </a:extLst>
+          </p:cNvPr>
+          <p:cNvSpPr/>
+          <p:nvPr/>
+        </p:nvSpPr>
+        <p:spPr>
+          <a:xfrm>
+            <a:off x="401259" y="3600449"/>
+            <a:ext cx="2880000" cy="2880000"/>
+          </a:xfrm>
+          <a:prstGeom prst="rect">
+            <a:avLst/>
+          </a:prstGeom>
+          <a:noFill/>
+        </p:spPr>
+        <p:style>
+          <a:lnRef idx="2">
+            <a:schemeClr val="accent1">
+              <a:shade val="15000"/>
+            </a:schemeClr>
+          </a:lnRef>
+          <a:fillRef idx="1">
+            <a:schemeClr val="accent1"/>
+          </a:fillRef>
+          <a:effectRef idx="0">
+            <a:schemeClr val="accent1"/>
+          </a:effectRef>
+          <a:fontRef idx="minor">
+            <a:schemeClr val="lt1"/>
+          </a:fontRef>
+        </p:style>
+        <p:txBody>
+          <a:bodyPr rtlCol="0" anchor="ctr"/>
+          <a:lstStyle/>
+          <a:p>
+            <a:pPr algn="ctr"/>
+            <a:endParaRPr lang="pt-PT"/>
+          </a:p>
+        </p:txBody>
+      </p:sp>
+      <p:sp>
+        <p:nvSpPr>
+          <p:cNvPr id="20" name="Retângulo 19">
+            <a:extLst>
+              <a:ext uri="{FF2B5EF4-FFF2-40B4-BE49-F238E27FC236}">
+                <a16:creationId xmlns:a16="http://schemas.microsoft.com/office/drawing/2014/main" id="{3C6E8774-BFED-DD69-3CF9-06D7B4765602}"/>
+              </a:ext>
+            </a:extLst>
+          </p:cNvPr>
+          <p:cNvSpPr/>
+          <p:nvPr/>
+        </p:nvSpPr>
+        <p:spPr>
+          <a:xfrm>
+            <a:off x="6530043" y="3600449"/>
+            <a:ext cx="2880000" cy="2880000"/>
+          </a:xfrm>
+          <a:prstGeom prst="rect">
+            <a:avLst/>
+          </a:prstGeom>
+          <a:noFill/>
+        </p:spPr>
+        <p:style>
+          <a:lnRef idx="2">
+            <a:schemeClr val="accent1">
+              <a:shade val="15000"/>
+            </a:schemeClr>
+          </a:lnRef>
+          <a:fillRef idx="1">
+            <a:schemeClr val="accent1"/>
+          </a:fillRef>
+          <a:effectRef idx="0">
+            <a:schemeClr val="accent1"/>
+          </a:effectRef>
+          <a:fontRef idx="minor">
+            <a:schemeClr val="lt1"/>
+          </a:fontRef>
+        </p:style>
+        <p:txBody>
+          <a:bodyPr rtlCol="0" anchor="ctr"/>
+          <a:lstStyle/>
+          <a:p>
+            <a:pPr algn="ctr"/>
+            <a:endParaRPr lang="pt-PT"/>
+          </a:p>
+        </p:txBody>
+      </p:sp>
+      <p:sp>
+        <p:nvSpPr>
+          <p:cNvPr id="4" name="Oval 3">
+            <a:extLst>
+              <a:ext uri="{FF2B5EF4-FFF2-40B4-BE49-F238E27FC236}">
+                <a16:creationId xmlns:a16="http://schemas.microsoft.com/office/drawing/2014/main" id="{4F351BC6-702E-8B26-F09A-3595F5B14E68}"/>
+              </a:ext>
+            </a:extLst>
+          </p:cNvPr>
+          <p:cNvSpPr/>
+          <p:nvPr/>
+        </p:nvSpPr>
+        <p:spPr>
+          <a:xfrm>
+            <a:off x="761259" y="918525"/>
+            <a:ext cx="2160000" cy="2160000"/>
+          </a:xfrm>
+          <a:prstGeom prst="ellipse">
+            <a:avLst/>
+          </a:prstGeom>
+          <a:solidFill>
+            <a:srgbClr val="FF0000"/>
+          </a:solidFill>
+        </p:spPr>
+        <p:style>
+          <a:lnRef idx="2">
+            <a:schemeClr val="accent1">
+              <a:shade val="15000"/>
+            </a:schemeClr>
+          </a:lnRef>
+          <a:fillRef idx="1">
+            <a:schemeClr val="accent1"/>
+          </a:fillRef>
+          <a:effectRef idx="0">
+            <a:schemeClr val="accent1"/>
+          </a:effectRef>
+          <a:fontRef idx="minor">
+            <a:schemeClr val="lt1"/>
+          </a:fontRef>
+        </p:style>
+        <p:txBody>
+          <a:bodyPr rtlCol="0" anchor="ctr"/>
+          <a:lstStyle/>
+          <a:p>
+            <a:pPr algn="ctr"/>
+            <a:endParaRPr lang="pt-PT"/>
+          </a:p>
+        </p:txBody>
+      </p:sp>
+      <p:sp>
+        <p:nvSpPr>
+          <p:cNvPr id="6" name="Oval 5">
+            <a:extLst>
+              <a:ext uri="{FF2B5EF4-FFF2-40B4-BE49-F238E27FC236}">
+                <a16:creationId xmlns:a16="http://schemas.microsoft.com/office/drawing/2014/main" id="{9137D49E-7366-C494-ED93-86281B708C24}"/>
+              </a:ext>
+            </a:extLst>
+          </p:cNvPr>
+          <p:cNvSpPr/>
+          <p:nvPr/>
+        </p:nvSpPr>
+        <p:spPr>
+          <a:xfrm>
+            <a:off x="3873000" y="918525"/>
+            <a:ext cx="2160000" cy="2160000"/>
+          </a:xfrm>
+          <a:prstGeom prst="ellipse">
+            <a:avLst/>
+          </a:prstGeom>
+          <a:solidFill>
+            <a:srgbClr val="FFFF00"/>
+          </a:solidFill>
+        </p:spPr>
+        <p:style>
+          <a:lnRef idx="2">
+            <a:schemeClr val="accent1">
+              <a:shade val="15000"/>
+            </a:schemeClr>
+          </a:lnRef>
+          <a:fillRef idx="1">
+            <a:schemeClr val="accent1"/>
+          </a:fillRef>
+          <a:effectRef idx="0">
+            <a:schemeClr val="accent1"/>
+          </a:effectRef>
+          <a:fontRef idx="minor">
+            <a:schemeClr val="lt1"/>
+          </a:fontRef>
+        </p:style>
+        <p:txBody>
+          <a:bodyPr rtlCol="0" anchor="ctr"/>
+          <a:lstStyle/>
+          <a:p>
+            <a:pPr algn="ctr"/>
+            <a:endParaRPr lang="pt-PT"/>
+          </a:p>
+        </p:txBody>
+      </p:sp>
+      <p:sp>
+        <p:nvSpPr>
+          <p:cNvPr id="7" name="Oval 6">
+            <a:extLst>
+              <a:ext uri="{FF2B5EF4-FFF2-40B4-BE49-F238E27FC236}">
+                <a16:creationId xmlns:a16="http://schemas.microsoft.com/office/drawing/2014/main" id="{9506886A-8DB0-BBC8-801E-258E8B61C823}"/>
+              </a:ext>
+            </a:extLst>
+          </p:cNvPr>
+          <p:cNvSpPr/>
+          <p:nvPr/>
+        </p:nvSpPr>
+        <p:spPr>
+          <a:xfrm>
+            <a:off x="6890043" y="918525"/>
+            <a:ext cx="2160000" cy="2160000"/>
+          </a:xfrm>
+          <a:prstGeom prst="ellipse">
+            <a:avLst/>
+          </a:prstGeom>
+          <a:solidFill>
+            <a:srgbClr val="00FF00"/>
+          </a:solidFill>
+        </p:spPr>
+        <p:style>
+          <a:lnRef idx="2">
+            <a:schemeClr val="accent1">
+              <a:shade val="15000"/>
+            </a:schemeClr>
+          </a:lnRef>
+          <a:fillRef idx="1">
+            <a:schemeClr val="accent1"/>
+          </a:fillRef>
+          <a:effectRef idx="0">
+            <a:schemeClr val="accent1"/>
+          </a:effectRef>
+          <a:fontRef idx="minor">
+            <a:schemeClr val="lt1"/>
+          </a:fontRef>
+        </p:style>
+        <p:txBody>
+          <a:bodyPr rtlCol="0" anchor="ctr"/>
+          <a:lstStyle/>
+          <a:p>
+            <a:pPr algn="ctr"/>
+            <a:endParaRPr lang="pt-PT"/>
+          </a:p>
+        </p:txBody>
+      </p:sp>
+      <p:sp>
+        <p:nvSpPr>
+          <p:cNvPr id="8" name="Oval 7">
+            <a:extLst>
+              <a:ext uri="{FF2B5EF4-FFF2-40B4-BE49-F238E27FC236}">
+                <a16:creationId xmlns:a16="http://schemas.microsoft.com/office/drawing/2014/main" id="{8FC544B2-1C2C-2CDA-0F01-E28587C13C96}"/>
+              </a:ext>
+            </a:extLst>
+          </p:cNvPr>
+          <p:cNvSpPr/>
+          <p:nvPr/>
+        </p:nvSpPr>
+        <p:spPr>
+          <a:xfrm>
+            <a:off x="6890043" y="3960449"/>
+            <a:ext cx="2160000" cy="2160000"/>
+          </a:xfrm>
+          <a:prstGeom prst="ellipse">
+            <a:avLst/>
+          </a:prstGeom>
+          <a:solidFill>
+            <a:srgbClr val="00FFFF"/>
+          </a:solidFill>
+        </p:spPr>
+        <p:style>
+          <a:lnRef idx="2">
+            <a:schemeClr val="accent1">
+              <a:shade val="15000"/>
+            </a:schemeClr>
+          </a:lnRef>
+          <a:fillRef idx="1">
+            <a:schemeClr val="accent1"/>
+          </a:fillRef>
+          <a:effectRef idx="0">
+            <a:schemeClr val="accent1"/>
+          </a:effectRef>
+          <a:fontRef idx="minor">
+            <a:schemeClr val="lt1"/>
+          </a:fontRef>
+        </p:style>
+        <p:txBody>
+          <a:bodyPr rtlCol="0" anchor="ctr"/>
+          <a:lstStyle/>
+          <a:p>
+            <a:pPr algn="ctr"/>
+            <a:endParaRPr lang="pt-PT"/>
+          </a:p>
+        </p:txBody>
+      </p:sp>
+      <p:sp>
+        <p:nvSpPr>
+          <p:cNvPr id="9" name="Oval 8">
+            <a:extLst>
+              <a:ext uri="{FF2B5EF4-FFF2-40B4-BE49-F238E27FC236}">
+                <a16:creationId xmlns:a16="http://schemas.microsoft.com/office/drawing/2014/main" id="{DFCCE247-840C-5180-37DC-4EC7BD330D4B}"/>
+              </a:ext>
+            </a:extLst>
+          </p:cNvPr>
+          <p:cNvSpPr/>
+          <p:nvPr/>
+        </p:nvSpPr>
+        <p:spPr>
+          <a:xfrm>
+            <a:off x="3872999" y="3970023"/>
+            <a:ext cx="2160000" cy="2160000"/>
+          </a:xfrm>
+          <a:prstGeom prst="ellipse">
+            <a:avLst/>
+          </a:prstGeom>
+          <a:solidFill>
+            <a:srgbClr val="FF00FF"/>
+          </a:solidFill>
+        </p:spPr>
+        <p:style>
+          <a:lnRef idx="2">
+            <a:schemeClr val="accent1">
+              <a:shade val="15000"/>
+            </a:schemeClr>
+          </a:lnRef>
+          <a:fillRef idx="1">
+            <a:schemeClr val="accent1"/>
+          </a:fillRef>
+          <a:effectRef idx="0">
+            <a:schemeClr val="accent1"/>
+          </a:effectRef>
+          <a:fontRef idx="minor">
+            <a:schemeClr val="lt1"/>
+          </a:fontRef>
+        </p:style>
+        <p:txBody>
+          <a:bodyPr rtlCol="0" anchor="ctr"/>
+          <a:lstStyle/>
+          <a:p>
+            <a:pPr algn="ctr"/>
+            <a:endParaRPr lang="pt-PT"/>
+          </a:p>
+        </p:txBody>
+      </p:sp>
+      <p:sp>
+        <p:nvSpPr>
+          <p:cNvPr id="21" name="Oval 20">
+            <a:extLst>
+              <a:ext uri="{FF2B5EF4-FFF2-40B4-BE49-F238E27FC236}">
+                <a16:creationId xmlns:a16="http://schemas.microsoft.com/office/drawing/2014/main" id="{E7C09D68-5F2C-60C6-5A4B-AA77DEB266AF}"/>
+              </a:ext>
+            </a:extLst>
+          </p:cNvPr>
+          <p:cNvSpPr/>
+          <p:nvPr/>
+        </p:nvSpPr>
+        <p:spPr>
+          <a:xfrm>
+            <a:off x="761259" y="3970023"/>
+            <a:ext cx="2160000" cy="2160000"/>
+          </a:xfrm>
+          <a:prstGeom prst="ellipse">
+            <a:avLst/>
+          </a:prstGeom>
+          <a:solidFill>
+            <a:srgbClr val="0000FF"/>
+          </a:solidFill>
+        </p:spPr>
+        <p:style>
+          <a:lnRef idx="2">
+            <a:schemeClr val="accent1">
+              <a:shade val="15000"/>
+            </a:schemeClr>
+          </a:lnRef>
+          <a:fillRef idx="1">
+            <a:schemeClr val="accent1"/>
+          </a:fillRef>
+          <a:effectRef idx="0">
+            <a:schemeClr val="accent1"/>
+          </a:effectRef>
+          <a:fontRef idx="minor">
+            <a:schemeClr val="lt1"/>
+          </a:fontRef>
+        </p:style>
+        <p:txBody>
+          <a:bodyPr rtlCol="0" anchor="ctr"/>
+          <a:lstStyle/>
+          <a:p>
+            <a:pPr algn="ctr"/>
+            <a:endParaRPr lang="pt-PT"/>
+          </a:p>
+        </p:txBody>
+      </p:sp>
+      <p:sp>
+        <p:nvSpPr>
+          <p:cNvPr id="2" name="CaixaDeTexto 1">
+            <a:extLst>
+              <a:ext uri="{FF2B5EF4-FFF2-40B4-BE49-F238E27FC236}">
+                <a16:creationId xmlns:a16="http://schemas.microsoft.com/office/drawing/2014/main" id="{AB062373-4125-4FF8-5523-A58E9F27A4B6}"/>
+              </a:ext>
+            </a:extLst>
+          </p:cNvPr>
+          <p:cNvSpPr txBox="1"/>
+          <p:nvPr/>
+        </p:nvSpPr>
+        <p:spPr>
+          <a:xfrm>
+            <a:off x="2466363" y="571935"/>
+            <a:ext cx="806233" cy="369332"/>
+          </a:xfrm>
+          <a:prstGeom prst="rect">
+            <a:avLst/>
+          </a:prstGeom>
+          <a:noFill/>
+        </p:spPr>
+        <p:txBody>
+          <a:bodyPr wrap="square" rtlCol="0">
+            <a:spAutoFit/>
+          </a:bodyPr>
+          <a:lstStyle/>
+          <a:p>
+            <a:pPr algn="r"/>
+            <a:r>
+              <a:rPr lang="pt-PT" b="1" dirty="0"/>
+              <a:t>ID 3.1</a:t>
+            </a:r>
+          </a:p>
+        </p:txBody>
+      </p:sp>
+      <p:sp>
+        <p:nvSpPr>
+          <p:cNvPr id="3" name="CaixaDeTexto 2">
+            <a:extLst>
+              <a:ext uri="{FF2B5EF4-FFF2-40B4-BE49-F238E27FC236}">
+                <a16:creationId xmlns:a16="http://schemas.microsoft.com/office/drawing/2014/main" id="{B6BBEA60-CA02-F386-82DB-74819FA3DE28}"/>
+              </a:ext>
+            </a:extLst>
+          </p:cNvPr>
+          <p:cNvSpPr txBox="1"/>
+          <p:nvPr/>
+        </p:nvSpPr>
+        <p:spPr>
+          <a:xfrm>
+            <a:off x="5553512" y="571935"/>
+            <a:ext cx="796531" cy="369332"/>
+          </a:xfrm>
+          <a:prstGeom prst="rect">
+            <a:avLst/>
+          </a:prstGeom>
+          <a:noFill/>
+        </p:spPr>
+        <p:txBody>
+          <a:bodyPr wrap="square" rtlCol="0">
+            <a:spAutoFit/>
+          </a:bodyPr>
+          <a:lstStyle/>
+          <a:p>
+            <a:pPr algn="r"/>
+            <a:r>
+              <a:rPr lang="pt-PT" b="1" dirty="0"/>
+              <a:t>ID 3.2</a:t>
+            </a:r>
+          </a:p>
+        </p:txBody>
+      </p:sp>
+      <p:sp>
+        <p:nvSpPr>
+          <p:cNvPr id="12" name="CaixaDeTexto 11">
+            <a:extLst>
+              <a:ext uri="{FF2B5EF4-FFF2-40B4-BE49-F238E27FC236}">
+                <a16:creationId xmlns:a16="http://schemas.microsoft.com/office/drawing/2014/main" id="{BDC92C02-561B-1FF6-6719-3145AEE8D26A}"/>
+              </a:ext>
+            </a:extLst>
+          </p:cNvPr>
+          <p:cNvSpPr txBox="1"/>
+          <p:nvPr/>
+        </p:nvSpPr>
+        <p:spPr>
+          <a:xfrm>
+            <a:off x="8598717" y="571935"/>
+            <a:ext cx="802664" cy="369332"/>
+          </a:xfrm>
+          <a:prstGeom prst="rect">
+            <a:avLst/>
+          </a:prstGeom>
+          <a:noFill/>
+        </p:spPr>
+        <p:txBody>
+          <a:bodyPr wrap="square" rtlCol="0">
+            <a:spAutoFit/>
+          </a:bodyPr>
+          <a:lstStyle/>
+          <a:p>
+            <a:pPr algn="r"/>
+            <a:r>
+              <a:rPr lang="pt-PT" b="1" dirty="0"/>
+              <a:t>ID 3.3</a:t>
+            </a:r>
+          </a:p>
+        </p:txBody>
+      </p:sp>
+      <p:sp>
+        <p:nvSpPr>
+          <p:cNvPr id="13" name="CaixaDeTexto 12">
+            <a:extLst>
+              <a:ext uri="{FF2B5EF4-FFF2-40B4-BE49-F238E27FC236}">
+                <a16:creationId xmlns:a16="http://schemas.microsoft.com/office/drawing/2014/main" id="{32ED9F39-C483-A16C-BB03-203DCA0CEB68}"/>
+              </a:ext>
+            </a:extLst>
+          </p:cNvPr>
+          <p:cNvSpPr txBox="1"/>
+          <p:nvPr/>
+        </p:nvSpPr>
+        <p:spPr>
+          <a:xfrm>
+            <a:off x="8598718" y="3613859"/>
+            <a:ext cx="811326" cy="369332"/>
+          </a:xfrm>
+          <a:prstGeom prst="rect">
+            <a:avLst/>
+          </a:prstGeom>
+          <a:noFill/>
+        </p:spPr>
+        <p:txBody>
+          <a:bodyPr wrap="square" rtlCol="0">
+            <a:spAutoFit/>
+          </a:bodyPr>
+          <a:lstStyle/>
+          <a:p>
+            <a:pPr algn="r"/>
+            <a:r>
+              <a:rPr lang="pt-PT" b="1" dirty="0"/>
+              <a:t>ID 3.6</a:t>
+            </a:r>
+          </a:p>
+        </p:txBody>
+      </p:sp>
+      <p:sp>
+        <p:nvSpPr>
+          <p:cNvPr id="14" name="CaixaDeTexto 13">
+            <a:extLst>
+              <a:ext uri="{FF2B5EF4-FFF2-40B4-BE49-F238E27FC236}">
+                <a16:creationId xmlns:a16="http://schemas.microsoft.com/office/drawing/2014/main" id="{A88A43F6-E91A-AE17-37C2-0060ED627D4F}"/>
+              </a:ext>
+            </a:extLst>
+          </p:cNvPr>
+          <p:cNvSpPr txBox="1"/>
+          <p:nvPr/>
+        </p:nvSpPr>
+        <p:spPr>
+          <a:xfrm>
+            <a:off x="5553513" y="3600449"/>
+            <a:ext cx="805194" cy="369332"/>
+          </a:xfrm>
+          <a:prstGeom prst="rect">
+            <a:avLst/>
+          </a:prstGeom>
+          <a:noFill/>
+        </p:spPr>
+        <p:txBody>
+          <a:bodyPr wrap="square" rtlCol="0">
+            <a:spAutoFit/>
+          </a:bodyPr>
+          <a:lstStyle/>
+          <a:p>
+            <a:pPr algn="r"/>
+            <a:r>
+              <a:rPr lang="pt-PT" b="1" dirty="0"/>
+              <a:t>ID 3.5</a:t>
+            </a:r>
+          </a:p>
+        </p:txBody>
+      </p:sp>
+      <p:sp>
+        <p:nvSpPr>
+          <p:cNvPr id="15" name="CaixaDeTexto 14">
+            <a:extLst>
+              <a:ext uri="{FF2B5EF4-FFF2-40B4-BE49-F238E27FC236}">
+                <a16:creationId xmlns:a16="http://schemas.microsoft.com/office/drawing/2014/main" id="{40B0E696-1608-204D-8B91-29DF40E5652F}"/>
+              </a:ext>
+            </a:extLst>
+          </p:cNvPr>
+          <p:cNvSpPr txBox="1"/>
+          <p:nvPr/>
+        </p:nvSpPr>
+        <p:spPr>
+          <a:xfrm>
+            <a:off x="2466364" y="3600449"/>
+            <a:ext cx="806232" cy="369332"/>
+          </a:xfrm>
+          <a:prstGeom prst="rect">
+            <a:avLst/>
+          </a:prstGeom>
+          <a:noFill/>
+        </p:spPr>
+        <p:txBody>
+          <a:bodyPr wrap="square" rtlCol="0">
+            <a:spAutoFit/>
+          </a:bodyPr>
+          <a:lstStyle/>
+          <a:p>
+            <a:pPr algn="r"/>
+            <a:r>
+              <a:rPr lang="pt-PT" b="1" dirty="0"/>
+              <a:t>ID 3.4</a:t>
+            </a:r>
+          </a:p>
+        </p:txBody>
+      </p:sp>
+    </p:spTree>
+    <p:extLst>
+      <p:ext uri="{BB962C8B-B14F-4D97-AF65-F5344CB8AC3E}">
+        <p14:creationId xmlns:p14="http://schemas.microsoft.com/office/powerpoint/2010/main" val="4123298202"/>
+      </p:ext>
+    </p:extLst>
+  </p:cSld>
+  <p:clrMapOvr>
+    <a:masterClrMapping/>
+  </p:clrMapOvr>
+</p:sld>
+</file>
+
+<file path=ppt/slides/slide8.xml><?xml version="1.0" encoding="utf-8"?>
 <p:sld xmlns:a="http://schemas.openxmlformats.org/drawingml/2006/main" xmlns:r="http://schemas.openxmlformats.org/officeDocument/2006/relationships" xmlns:p="http://schemas.openxmlformats.org/presentationml/2006/main">
   <p:cSld>
     <p:bg>
@@ -6707,7 +13116,7 @@
 </p:sld>
 </file>
 
-<file path=ppt/slides/slide6.xml><?xml version="1.0" encoding="utf-8"?>
+<file path=ppt/slides/slide9.xml><?xml version="1.0" encoding="utf-8"?>
 <p:sld xmlns:a="http://schemas.openxmlformats.org/drawingml/2006/main" xmlns:r="http://schemas.openxmlformats.org/officeDocument/2006/relationships" xmlns:p="http://schemas.openxmlformats.org/presentationml/2006/main">
   <p:cSld>
     <p:bg>
@@ -6723,7 +13132,7 @@
         <p:cNvPr id="1" name="">
           <a:extLst>
             <a:ext uri="{FF2B5EF4-FFF2-40B4-BE49-F238E27FC236}">
-              <a16:creationId xmlns:a16="http://schemas.microsoft.com/office/drawing/2014/main" id="{28068FC3-61D0-FDE6-D1BB-50DA4834260C}"/>
+              <a16:creationId xmlns:a16="http://schemas.microsoft.com/office/drawing/2014/main" id="{865964AD-D5FF-44CB-0CCC-3DE86A93B1D5}"/>
             </a:ext>
           </a:extLst>
         </p:cNvPr>
@@ -6743,7 +13152,7 @@
           <p:cNvPr id="5" name="Retângulo 4">
             <a:extLst>
               <a:ext uri="{FF2B5EF4-FFF2-40B4-BE49-F238E27FC236}">
-                <a16:creationId xmlns:a16="http://schemas.microsoft.com/office/drawing/2014/main" id="{F8B608EB-7F3F-03DD-E988-941DD705F544}"/>
+                <a16:creationId xmlns:a16="http://schemas.microsoft.com/office/drawing/2014/main" id="{D6009EFE-7997-F642-39FE-A7048016A120}"/>
               </a:ext>
             </a:extLst>
           </p:cNvPr>
@@ -6790,7 +13199,7 @@
           <p:cNvPr id="10" name="CaixaDeTexto 9">
             <a:extLst>
               <a:ext uri="{FF2B5EF4-FFF2-40B4-BE49-F238E27FC236}">
-                <a16:creationId xmlns:a16="http://schemas.microsoft.com/office/drawing/2014/main" id="{4DB1D1E8-2D36-090F-8AFD-D45B26A18AD3}"/>
+                <a16:creationId xmlns:a16="http://schemas.microsoft.com/office/drawing/2014/main" id="{D5057344-4425-B773-08E0-A2E81623ACD5}"/>
               </a:ext>
             </a:extLst>
           </p:cNvPr>
@@ -6816,7 +13225,7 @@
             <a:pPr algn="r"/>
             <a:r>
               <a:rPr lang="pt-PT" b="1" dirty="0"/>
-              <a:t>Marcador ID 5</a:t>
+              <a:t>Marcador ID 4</a:t>
             </a:r>
           </a:p>
         </p:txBody>
@@ -6826,7 +13235,7 @@
           <p:cNvPr id="11" name="CaixaDeTexto 10">
             <a:extLst>
               <a:ext uri="{FF2B5EF4-FFF2-40B4-BE49-F238E27FC236}">
-                <a16:creationId xmlns:a16="http://schemas.microsoft.com/office/drawing/2014/main" id="{EA2DC414-7546-01AB-047A-7A9829A4CDDA}"/>
+                <a16:creationId xmlns:a16="http://schemas.microsoft.com/office/drawing/2014/main" id="{C7E2446F-EECD-5408-CAF7-A8925E5E8FB6}"/>
               </a:ext>
             </a:extLst>
           </p:cNvPr>
@@ -6852,7 +13261,7 @@
             <a:pPr algn="ctr"/>
             <a:r>
               <a:rPr lang="pt-PT" b="1" dirty="0"/>
-              <a:t>Cruz Magenta</a:t>
+              <a:t>Pentágonos</a:t>
             </a:r>
           </a:p>
         </p:txBody>
@@ -6862,7 +13271,7 @@
           <p:cNvPr id="16" name="Retângulo 15">
             <a:extLst>
               <a:ext uri="{FF2B5EF4-FFF2-40B4-BE49-F238E27FC236}">
-                <a16:creationId xmlns:a16="http://schemas.microsoft.com/office/drawing/2014/main" id="{C8E77EBC-4A73-4BD8-810D-6DDD3EBC4449}"/>
+                <a16:creationId xmlns:a16="http://schemas.microsoft.com/office/drawing/2014/main" id="{81C64B69-9BCC-2399-DCD1-0814613B336D}"/>
               </a:ext>
             </a:extLst>
           </p:cNvPr>
@@ -6909,7 +13318,7 @@
           <p:cNvPr id="17" name="Retângulo 16">
             <a:extLst>
               <a:ext uri="{FF2B5EF4-FFF2-40B4-BE49-F238E27FC236}">
-                <a16:creationId xmlns:a16="http://schemas.microsoft.com/office/drawing/2014/main" id="{8C2C0F2B-866A-3963-A527-2CA0AC09101E}"/>
+                <a16:creationId xmlns:a16="http://schemas.microsoft.com/office/drawing/2014/main" id="{76694CA7-5FD9-B1C5-6952-380437C73EC3}"/>
               </a:ext>
             </a:extLst>
           </p:cNvPr>
@@ -6956,7 +13365,7 @@
           <p:cNvPr id="18" name="Retângulo 17">
             <a:extLst>
               <a:ext uri="{FF2B5EF4-FFF2-40B4-BE49-F238E27FC236}">
-                <a16:creationId xmlns:a16="http://schemas.microsoft.com/office/drawing/2014/main" id="{D7E45437-B4C5-FF3F-B8D2-C62FB78B89CB}"/>
+                <a16:creationId xmlns:a16="http://schemas.microsoft.com/office/drawing/2014/main" id="{4B7FC6E9-3571-6F36-A3A7-90E06F24242B}"/>
               </a:ext>
             </a:extLst>
           </p:cNvPr>
@@ -7003,7 +13412,7 @@
           <p:cNvPr id="19" name="Retângulo 18">
             <a:extLst>
               <a:ext uri="{FF2B5EF4-FFF2-40B4-BE49-F238E27FC236}">
-                <a16:creationId xmlns:a16="http://schemas.microsoft.com/office/drawing/2014/main" id="{BBC4D79D-51F7-5BAB-D570-59AD72C771FF}"/>
+                <a16:creationId xmlns:a16="http://schemas.microsoft.com/office/drawing/2014/main" id="{6BCF433B-9F94-FE2E-75F2-EC2EB299924F}"/>
               </a:ext>
             </a:extLst>
           </p:cNvPr>
@@ -7050,7 +13459,7 @@
           <p:cNvPr id="20" name="Retângulo 19">
             <a:extLst>
               <a:ext uri="{FF2B5EF4-FFF2-40B4-BE49-F238E27FC236}">
-                <a16:creationId xmlns:a16="http://schemas.microsoft.com/office/drawing/2014/main" id="{F549C15E-E52C-451C-0537-122118C2A9E2}"/>
+                <a16:creationId xmlns:a16="http://schemas.microsoft.com/office/drawing/2014/main" id="{5A45BE8D-2E6D-D697-61C6-BAF8B78D73A3}"/>
               </a:ext>
             </a:extLst>
           </p:cNvPr>
@@ -7094,10 +13503,10 @@
       </p:sp>
       <p:sp>
         <p:nvSpPr>
-          <p:cNvPr id="4" name="Cruzada 3">
-            <a:extLst>
-              <a:ext uri="{FF2B5EF4-FFF2-40B4-BE49-F238E27FC236}">
-                <a16:creationId xmlns:a16="http://schemas.microsoft.com/office/drawing/2014/main" id="{1CD662B7-5329-A171-B4A3-FF788618C43E}"/>
+          <p:cNvPr id="2" name="Pentágono 1">
+            <a:extLst>
+              <a:ext uri="{FF2B5EF4-FFF2-40B4-BE49-F238E27FC236}">
+                <a16:creationId xmlns:a16="http://schemas.microsoft.com/office/drawing/2014/main" id="{67D95A72-1960-2D5B-F88B-EDE9AB6B8983}"/>
               </a:ext>
             </a:extLst>
           </p:cNvPr>
@@ -7106,16 +13515,14 @@
         </p:nvSpPr>
         <p:spPr>
           <a:xfrm>
-            <a:off x="761259" y="933723"/>
+            <a:off x="761259" y="918525"/>
             <a:ext cx="2160000" cy="2160000"/>
           </a:xfrm>
-          <a:prstGeom prst="plus">
-            <a:avLst>
-              <a:gd name="adj" fmla="val 27332"/>
-            </a:avLst>
+          <a:prstGeom prst="pentagon">
+            <a:avLst/>
           </a:prstGeom>
           <a:solidFill>
-            <a:srgbClr val="FF00FF"/>
+            <a:srgbClr val="FF0000"/>
           </a:solidFill>
         </p:spPr>
         <p:style>
@@ -7145,10 +13552,10 @@
       </p:sp>
       <p:sp>
         <p:nvSpPr>
-          <p:cNvPr id="6" name="Cruzada 5">
-            <a:extLst>
-              <a:ext uri="{FF2B5EF4-FFF2-40B4-BE49-F238E27FC236}">
-                <a16:creationId xmlns:a16="http://schemas.microsoft.com/office/drawing/2014/main" id="{9A57E998-24D6-451E-163C-D2CC75806092}"/>
+          <p:cNvPr id="3" name="Pentágono 2">
+            <a:extLst>
+              <a:ext uri="{FF2B5EF4-FFF2-40B4-BE49-F238E27FC236}">
+                <a16:creationId xmlns:a16="http://schemas.microsoft.com/office/drawing/2014/main" id="{6B032E5F-366D-09B8-FE40-B716B107E3ED}"/>
               </a:ext>
             </a:extLst>
           </p:cNvPr>
@@ -7157,16 +13564,14 @@
         </p:nvSpPr>
         <p:spPr>
           <a:xfrm>
-            <a:off x="3863475" y="918525"/>
+            <a:off x="3873000" y="918525"/>
             <a:ext cx="2160000" cy="2160000"/>
           </a:xfrm>
-          <a:prstGeom prst="plus">
-            <a:avLst>
-              <a:gd name="adj" fmla="val 27332"/>
-            </a:avLst>
+          <a:prstGeom prst="pentagon">
+            <a:avLst/>
           </a:prstGeom>
           <a:solidFill>
-            <a:srgbClr val="FF00FF"/>
+            <a:srgbClr val="FFFF00"/>
           </a:solidFill>
         </p:spPr>
         <p:style>
@@ -7196,10 +13601,10 @@
       </p:sp>
       <p:sp>
         <p:nvSpPr>
-          <p:cNvPr id="7" name="Cruzada 6">
-            <a:extLst>
-              <a:ext uri="{FF2B5EF4-FFF2-40B4-BE49-F238E27FC236}">
-                <a16:creationId xmlns:a16="http://schemas.microsoft.com/office/drawing/2014/main" id="{031365AC-4151-8027-ABF7-8600A7C24149}"/>
+          <p:cNvPr id="12" name="Pentágono 11">
+            <a:extLst>
+              <a:ext uri="{FF2B5EF4-FFF2-40B4-BE49-F238E27FC236}">
+                <a16:creationId xmlns:a16="http://schemas.microsoft.com/office/drawing/2014/main" id="{D1200F43-A873-483D-C425-E8E6CB0E2EBF}"/>
               </a:ext>
             </a:extLst>
           </p:cNvPr>
@@ -7208,16 +13613,14 @@
         </p:nvSpPr>
         <p:spPr>
           <a:xfrm>
-            <a:off x="6890043" y="926325"/>
+            <a:off x="6890043" y="918525"/>
             <a:ext cx="2160000" cy="2160000"/>
           </a:xfrm>
-          <a:prstGeom prst="plus">
-            <a:avLst>
-              <a:gd name="adj" fmla="val 27332"/>
-            </a:avLst>
+          <a:prstGeom prst="pentagon">
+            <a:avLst/>
           </a:prstGeom>
           <a:solidFill>
-            <a:srgbClr val="FF00FF"/>
+            <a:srgbClr val="00FF00"/>
           </a:solidFill>
         </p:spPr>
         <p:style>
@@ -7247,10 +13650,10 @@
       </p:sp>
       <p:sp>
         <p:nvSpPr>
-          <p:cNvPr id="8" name="Cruzada 7">
-            <a:extLst>
-              <a:ext uri="{FF2B5EF4-FFF2-40B4-BE49-F238E27FC236}">
-                <a16:creationId xmlns:a16="http://schemas.microsoft.com/office/drawing/2014/main" id="{5534A1FD-273B-A608-7BC3-B603EDBA3E1E}"/>
+          <p:cNvPr id="13" name="Pentágono 12">
+            <a:extLst>
+              <a:ext uri="{FF2B5EF4-FFF2-40B4-BE49-F238E27FC236}">
+                <a16:creationId xmlns:a16="http://schemas.microsoft.com/office/drawing/2014/main" id="{5A2560DE-5705-DA47-8E8A-1713ED675A5B}"/>
               </a:ext>
             </a:extLst>
           </p:cNvPr>
@@ -7262,13 +13665,11 @@
             <a:off x="761259" y="3970023"/>
             <a:ext cx="2160000" cy="2160000"/>
           </a:xfrm>
-          <a:prstGeom prst="plus">
-            <a:avLst>
-              <a:gd name="adj" fmla="val 27332"/>
-            </a:avLst>
+          <a:prstGeom prst="pentagon">
+            <a:avLst/>
           </a:prstGeom>
           <a:solidFill>
-            <a:srgbClr val="FF00FF"/>
+            <a:srgbClr val="0000FF"/>
           </a:solidFill>
         </p:spPr>
         <p:style>
@@ -7298,10 +13699,10 @@
       </p:sp>
       <p:sp>
         <p:nvSpPr>
-          <p:cNvPr id="9" name="Cruzada 8">
-            <a:extLst>
-              <a:ext uri="{FF2B5EF4-FFF2-40B4-BE49-F238E27FC236}">
-                <a16:creationId xmlns:a16="http://schemas.microsoft.com/office/drawing/2014/main" id="{7F007AF4-C784-D9D8-1452-60170A19B0D5}"/>
+          <p:cNvPr id="14" name="Pentágono 13">
+            <a:extLst>
+              <a:ext uri="{FF2B5EF4-FFF2-40B4-BE49-F238E27FC236}">
+                <a16:creationId xmlns:a16="http://schemas.microsoft.com/office/drawing/2014/main" id="{90A1D026-A0FD-E356-F0C1-4C47FFED52C6}"/>
               </a:ext>
             </a:extLst>
           </p:cNvPr>
@@ -7310,13 +13711,11 @@
         </p:nvSpPr>
         <p:spPr>
           <a:xfrm>
-            <a:off x="3863475" y="3954825"/>
+            <a:off x="3873000" y="3970023"/>
             <a:ext cx="2160000" cy="2160000"/>
           </a:xfrm>
-          <a:prstGeom prst="plus">
-            <a:avLst>
-              <a:gd name="adj" fmla="val 27332"/>
-            </a:avLst>
+          <a:prstGeom prst="pentagon">
+            <a:avLst/>
           </a:prstGeom>
           <a:solidFill>
             <a:srgbClr val="FF00FF"/>
@@ -7349,10 +13748,10 @@
       </p:sp>
       <p:sp>
         <p:nvSpPr>
-          <p:cNvPr id="21" name="Cruzada 20">
-            <a:extLst>
-              <a:ext uri="{FF2B5EF4-FFF2-40B4-BE49-F238E27FC236}">
-                <a16:creationId xmlns:a16="http://schemas.microsoft.com/office/drawing/2014/main" id="{7096F067-05B2-BD0D-FB45-51301B3BF192}"/>
+          <p:cNvPr id="15" name="Pentágono 14">
+            <a:extLst>
+              <a:ext uri="{FF2B5EF4-FFF2-40B4-BE49-F238E27FC236}">
+                <a16:creationId xmlns:a16="http://schemas.microsoft.com/office/drawing/2014/main" id="{FEA9AFF7-7146-B988-6D5D-29C642F0779A}"/>
               </a:ext>
             </a:extLst>
           </p:cNvPr>
@@ -7361,16 +13760,14 @@
         </p:nvSpPr>
         <p:spPr>
           <a:xfrm>
-            <a:off x="6890043" y="3962625"/>
+            <a:off x="6890043" y="3970023"/>
             <a:ext cx="2160000" cy="2160000"/>
           </a:xfrm>
-          <a:prstGeom prst="plus">
-            <a:avLst>
-              <a:gd name="adj" fmla="val 27332"/>
-            </a:avLst>
+          <a:prstGeom prst="pentagon">
+            <a:avLst/>
           </a:prstGeom>
           <a:solidFill>
-            <a:srgbClr val="FF00FF"/>
+            <a:srgbClr val="00FFFF"/>
           </a:solidFill>
         </p:spPr>
         <p:style>
@@ -7400,10 +13797,10 @@
       </p:sp>
       <p:sp>
         <p:nvSpPr>
-          <p:cNvPr id="2" name="CaixaDeTexto 1">
-            <a:extLst>
-              <a:ext uri="{FF2B5EF4-FFF2-40B4-BE49-F238E27FC236}">
-                <a16:creationId xmlns:a16="http://schemas.microsoft.com/office/drawing/2014/main" id="{D141949C-4221-520E-C327-F0F5547F00FD}"/>
+          <p:cNvPr id="4" name="CaixaDeTexto 3">
+            <a:extLst>
+              <a:ext uri="{FF2B5EF4-FFF2-40B4-BE49-F238E27FC236}">
+                <a16:creationId xmlns:a16="http://schemas.microsoft.com/office/drawing/2014/main" id="{FCEA4707-6DFE-BB3C-F8DA-FAC8FDFBB59B}"/>
               </a:ext>
             </a:extLst>
           </p:cNvPr>
@@ -7412,8 +13809,8 @@
         </p:nvSpPr>
         <p:spPr>
           <a:xfrm>
-            <a:off x="5656031" y="3600449"/>
-            <a:ext cx="702675" cy="369332"/>
+            <a:off x="8623884" y="3613859"/>
+            <a:ext cx="786160" cy="369332"/>
           </a:xfrm>
           <a:prstGeom prst="rect">
             <a:avLst/>
@@ -7429,17 +13826,17 @@
             <a:pPr algn="r"/>
             <a:r>
               <a:rPr lang="pt-PT" b="1" dirty="0"/>
-              <a:t>ID 5</a:t>
-            </a:r>
-          </a:p>
-        </p:txBody>
-      </p:sp>
-      <p:sp>
-        <p:nvSpPr>
-          <p:cNvPr id="3" name="CaixaDeTexto 2">
-            <a:extLst>
-              <a:ext uri="{FF2B5EF4-FFF2-40B4-BE49-F238E27FC236}">
-                <a16:creationId xmlns:a16="http://schemas.microsoft.com/office/drawing/2014/main" id="{BB50D64E-7DA3-F4DA-C6AA-2D0A0FAB6441}"/>
+              <a:t>ID 4.6</a:t>
+            </a:r>
+          </a:p>
+        </p:txBody>
+      </p:sp>
+      <p:sp>
+        <p:nvSpPr>
+          <p:cNvPr id="6" name="CaixaDeTexto 5">
+            <a:extLst>
+              <a:ext uri="{FF2B5EF4-FFF2-40B4-BE49-F238E27FC236}">
+                <a16:creationId xmlns:a16="http://schemas.microsoft.com/office/drawing/2014/main" id="{EA459426-1878-145A-FC83-CC359D93F893}"/>
               </a:ext>
             </a:extLst>
           </p:cNvPr>
@@ -7448,8 +13845,8 @@
         </p:nvSpPr>
         <p:spPr>
           <a:xfrm>
-            <a:off x="2569920" y="3600449"/>
-            <a:ext cx="702675" cy="369332"/>
+            <a:off x="5570291" y="3600449"/>
+            <a:ext cx="788416" cy="369332"/>
           </a:xfrm>
           <a:prstGeom prst="rect">
             <a:avLst/>
@@ -7465,17 +13862,17 @@
             <a:pPr algn="r"/>
             <a:r>
               <a:rPr lang="pt-PT" b="1" dirty="0"/>
-              <a:t>ID 5</a:t>
-            </a:r>
-          </a:p>
-        </p:txBody>
-      </p:sp>
-      <p:sp>
-        <p:nvSpPr>
-          <p:cNvPr id="12" name="CaixaDeTexto 11">
-            <a:extLst>
-              <a:ext uri="{FF2B5EF4-FFF2-40B4-BE49-F238E27FC236}">
-                <a16:creationId xmlns:a16="http://schemas.microsoft.com/office/drawing/2014/main" id="{07A547A0-9973-EF03-D35B-59A018DA57D9}"/>
+              <a:t>ID 4.5</a:t>
+            </a:r>
+          </a:p>
+        </p:txBody>
+      </p:sp>
+      <p:sp>
+        <p:nvSpPr>
+          <p:cNvPr id="7" name="CaixaDeTexto 6">
+            <a:extLst>
+              <a:ext uri="{FF2B5EF4-FFF2-40B4-BE49-F238E27FC236}">
+                <a16:creationId xmlns:a16="http://schemas.microsoft.com/office/drawing/2014/main" id="{7A2B4283-2B9D-B259-BC97-49BB221359B6}"/>
               </a:ext>
             </a:extLst>
           </p:cNvPr>
@@ -7484,8 +13881,8 @@
         </p:nvSpPr>
         <p:spPr>
           <a:xfrm>
-            <a:off x="8698705" y="3600449"/>
-            <a:ext cx="702675" cy="369332"/>
+            <a:off x="2474752" y="3600449"/>
+            <a:ext cx="797843" cy="369332"/>
           </a:xfrm>
           <a:prstGeom prst="rect">
             <a:avLst/>
@@ -7501,17 +13898,17 @@
             <a:pPr algn="r"/>
             <a:r>
               <a:rPr lang="pt-PT" b="1" dirty="0"/>
-              <a:t>ID 5</a:t>
-            </a:r>
-          </a:p>
-        </p:txBody>
-      </p:sp>
-      <p:sp>
-        <p:nvSpPr>
-          <p:cNvPr id="13" name="CaixaDeTexto 12">
-            <a:extLst>
-              <a:ext uri="{FF2B5EF4-FFF2-40B4-BE49-F238E27FC236}">
-                <a16:creationId xmlns:a16="http://schemas.microsoft.com/office/drawing/2014/main" id="{3A70279B-B3E6-170D-1BD8-BE0EBC793DDE}"/>
+              <a:t>ID 4.4</a:t>
+            </a:r>
+          </a:p>
+        </p:txBody>
+      </p:sp>
+      <p:sp>
+        <p:nvSpPr>
+          <p:cNvPr id="8" name="CaixaDeTexto 7">
+            <a:extLst>
+              <a:ext uri="{FF2B5EF4-FFF2-40B4-BE49-F238E27FC236}">
+                <a16:creationId xmlns:a16="http://schemas.microsoft.com/office/drawing/2014/main" id="{DCABFE04-8B69-40CA-9884-6B3FE298AE61}"/>
               </a:ext>
             </a:extLst>
           </p:cNvPr>
@@ -7520,8 +13917,8 @@
         </p:nvSpPr>
         <p:spPr>
           <a:xfrm>
-            <a:off x="2561258" y="558525"/>
-            <a:ext cx="702675" cy="369332"/>
+            <a:off x="2474752" y="571935"/>
+            <a:ext cx="797845" cy="369332"/>
           </a:xfrm>
           <a:prstGeom prst="rect">
             <a:avLst/>
@@ -7537,17 +13934,17 @@
             <a:pPr algn="r"/>
             <a:r>
               <a:rPr lang="pt-PT" b="1" dirty="0"/>
-              <a:t>ID 5</a:t>
-            </a:r>
-          </a:p>
-        </p:txBody>
-      </p:sp>
-      <p:sp>
-        <p:nvSpPr>
-          <p:cNvPr id="14" name="CaixaDeTexto 13">
-            <a:extLst>
-              <a:ext uri="{FF2B5EF4-FFF2-40B4-BE49-F238E27FC236}">
-                <a16:creationId xmlns:a16="http://schemas.microsoft.com/office/drawing/2014/main" id="{88DCC80B-4A7C-ED71-458D-FB22BF0F4E02}"/>
+              <a:t>ID 4.1</a:t>
+            </a:r>
+          </a:p>
+        </p:txBody>
+      </p:sp>
+      <p:sp>
+        <p:nvSpPr>
+          <p:cNvPr id="9" name="CaixaDeTexto 8">
+            <a:extLst>
+              <a:ext uri="{FF2B5EF4-FFF2-40B4-BE49-F238E27FC236}">
+                <a16:creationId xmlns:a16="http://schemas.microsoft.com/office/drawing/2014/main" id="{122EBCBE-AA8E-CE7A-E8D8-A98C1AFEE32A}"/>
               </a:ext>
             </a:extLst>
           </p:cNvPr>
@@ -7556,8 +13953,8 @@
         </p:nvSpPr>
         <p:spPr>
           <a:xfrm>
-            <a:off x="5638705" y="558525"/>
-            <a:ext cx="702675" cy="369332"/>
+            <a:off x="5570290" y="571935"/>
+            <a:ext cx="779753" cy="369332"/>
           </a:xfrm>
           <a:prstGeom prst="rect">
             <a:avLst/>
@@ -7573,17 +13970,17 @@
             <a:pPr algn="r"/>
             <a:r>
               <a:rPr lang="pt-PT" b="1" dirty="0"/>
-              <a:t>ID 5</a:t>
-            </a:r>
-          </a:p>
-        </p:txBody>
-      </p:sp>
-      <p:sp>
-        <p:nvSpPr>
-          <p:cNvPr id="15" name="CaixaDeTexto 14">
-            <a:extLst>
-              <a:ext uri="{FF2B5EF4-FFF2-40B4-BE49-F238E27FC236}">
-                <a16:creationId xmlns:a16="http://schemas.microsoft.com/office/drawing/2014/main" id="{D6868D30-ADA4-2012-936E-58B9DBD56FBD}"/>
+              <a:t>ID 4.2</a:t>
+            </a:r>
+          </a:p>
+        </p:txBody>
+      </p:sp>
+      <p:sp>
+        <p:nvSpPr>
+          <p:cNvPr id="21" name="CaixaDeTexto 20">
+            <a:extLst>
+              <a:ext uri="{FF2B5EF4-FFF2-40B4-BE49-F238E27FC236}">
+                <a16:creationId xmlns:a16="http://schemas.microsoft.com/office/drawing/2014/main" id="{1DBAE5E2-E9BC-61C5-32CE-557C06DF3795}"/>
               </a:ext>
             </a:extLst>
           </p:cNvPr>
@@ -7592,8 +13989,8 @@
         </p:nvSpPr>
         <p:spPr>
           <a:xfrm>
-            <a:off x="8690042" y="558525"/>
-            <a:ext cx="702675" cy="369332"/>
+            <a:off x="8623883" y="571935"/>
+            <a:ext cx="777497" cy="369332"/>
           </a:xfrm>
           <a:prstGeom prst="rect">
             <a:avLst/>
@@ -7609,7 +14006,7 @@
             <a:pPr algn="r"/>
             <a:r>
               <a:rPr lang="pt-PT" b="1" dirty="0"/>
-              <a:t>ID 5</a:t>
+              <a:t>ID 4.3</a:t>
             </a:r>
           </a:p>
         </p:txBody>
@@ -7617,1847 +14014,7 @@
     </p:spTree>
     <p:extLst>
       <p:ext uri="{BB962C8B-B14F-4D97-AF65-F5344CB8AC3E}">
-        <p14:creationId xmlns:p14="http://schemas.microsoft.com/office/powerpoint/2010/main" val="2755261880"/>
-      </p:ext>
-    </p:extLst>
-  </p:cSld>
-  <p:clrMapOvr>
-    <a:masterClrMapping/>
-  </p:clrMapOvr>
-</p:sld>
-</file>
-
-<file path=ppt/slides/slide7.xml><?xml version="1.0" encoding="utf-8"?>
-<p:sld xmlns:a="http://schemas.openxmlformats.org/drawingml/2006/main" xmlns:r="http://schemas.openxmlformats.org/officeDocument/2006/relationships" xmlns:p="http://schemas.openxmlformats.org/presentationml/2006/main">
-  <p:cSld>
-    <p:bg>
-      <p:bgPr>
-        <a:solidFill>
-          <a:srgbClr val="FFFFFF"/>
-        </a:solidFill>
-        <a:effectLst/>
-      </p:bgPr>
-    </p:bg>
-    <p:spTree>
-      <p:nvGrpSpPr>
-        <p:cNvPr id="1" name="">
-          <a:extLst>
-            <a:ext uri="{FF2B5EF4-FFF2-40B4-BE49-F238E27FC236}">
-              <a16:creationId xmlns:a16="http://schemas.microsoft.com/office/drawing/2014/main" id="{EAC87D3E-6284-3FD6-F5EF-77B2FF6834EB}"/>
-            </a:ext>
-          </a:extLst>
-        </p:cNvPr>
-        <p:cNvGrpSpPr/>
-        <p:nvPr/>
-      </p:nvGrpSpPr>
-      <p:grpSpPr>
-        <a:xfrm>
-          <a:off x="0" y="0"/>
-          <a:ext cx="0" cy="0"/>
-          <a:chOff x="0" y="0"/>
-          <a:chExt cx="0" cy="0"/>
-        </a:xfrm>
-      </p:grpSpPr>
-      <p:sp>
-        <p:nvSpPr>
-          <p:cNvPr id="5" name="Retângulo 4">
-            <a:extLst>
-              <a:ext uri="{FF2B5EF4-FFF2-40B4-BE49-F238E27FC236}">
-                <a16:creationId xmlns:a16="http://schemas.microsoft.com/office/drawing/2014/main" id="{3B620E32-A3B8-BE61-4282-93786F4C6108}"/>
-              </a:ext>
-            </a:extLst>
-          </p:cNvPr>
-          <p:cNvSpPr/>
-          <p:nvPr/>
-        </p:nvSpPr>
-        <p:spPr>
-          <a:xfrm>
-            <a:off x="3503475" y="561974"/>
-            <a:ext cx="2880000" cy="2880000"/>
-          </a:xfrm>
-          <a:prstGeom prst="rect">
-            <a:avLst/>
-          </a:prstGeom>
-          <a:noFill/>
-        </p:spPr>
-        <p:style>
-          <a:lnRef idx="2">
-            <a:schemeClr val="accent1">
-              <a:shade val="15000"/>
-            </a:schemeClr>
-          </a:lnRef>
-          <a:fillRef idx="1">
-            <a:schemeClr val="accent1"/>
-          </a:fillRef>
-          <a:effectRef idx="0">
-            <a:schemeClr val="accent1"/>
-          </a:effectRef>
-          <a:fontRef idx="minor">
-            <a:schemeClr val="lt1"/>
-          </a:fontRef>
-        </p:style>
-        <p:txBody>
-          <a:bodyPr rtlCol="0" anchor="ctr"/>
-          <a:lstStyle/>
-          <a:p>
-            <a:pPr algn="ctr"/>
-            <a:endParaRPr lang="pt-PT"/>
-          </a:p>
-        </p:txBody>
-      </p:sp>
-      <p:sp>
-        <p:nvSpPr>
-          <p:cNvPr id="10" name="CaixaDeTexto 9">
-            <a:extLst>
-              <a:ext uri="{FF2B5EF4-FFF2-40B4-BE49-F238E27FC236}">
-                <a16:creationId xmlns:a16="http://schemas.microsoft.com/office/drawing/2014/main" id="{1E5BAEA6-5B3F-F51F-CBF2-8230674E374A}"/>
-              </a:ext>
-            </a:extLst>
-          </p:cNvPr>
-          <p:cNvSpPr txBox="1"/>
-          <p:nvPr/>
-        </p:nvSpPr>
-        <p:spPr>
-          <a:xfrm>
-            <a:off x="6786562" y="160569"/>
-            <a:ext cx="2366962" cy="369332"/>
-          </a:xfrm>
-          <a:prstGeom prst="rect">
-            <a:avLst/>
-          </a:prstGeom>
-          <a:noFill/>
-        </p:spPr>
-        <p:txBody>
-          <a:bodyPr wrap="square" rtlCol="0">
-            <a:spAutoFit/>
-          </a:bodyPr>
-          <a:lstStyle/>
-          <a:p>
-            <a:pPr algn="r"/>
-            <a:r>
-              <a:rPr lang="pt-PT" b="1" dirty="0"/>
-              <a:t>Marcador ID 6</a:t>
-            </a:r>
-          </a:p>
-        </p:txBody>
-      </p:sp>
-      <p:sp>
-        <p:nvSpPr>
-          <p:cNvPr id="11" name="CaixaDeTexto 10">
-            <a:extLst>
-              <a:ext uri="{FF2B5EF4-FFF2-40B4-BE49-F238E27FC236}">
-                <a16:creationId xmlns:a16="http://schemas.microsoft.com/office/drawing/2014/main" id="{1B5D41F2-6B44-0594-AC6E-26E508EAB9BB}"/>
-              </a:ext>
-            </a:extLst>
-          </p:cNvPr>
-          <p:cNvSpPr txBox="1"/>
-          <p:nvPr/>
-        </p:nvSpPr>
-        <p:spPr>
-          <a:xfrm>
-            <a:off x="3119437" y="179619"/>
-            <a:ext cx="3667125" cy="369332"/>
-          </a:xfrm>
-          <a:prstGeom prst="rect">
-            <a:avLst/>
-          </a:prstGeom>
-          <a:noFill/>
-        </p:spPr>
-        <p:txBody>
-          <a:bodyPr wrap="square" rtlCol="0">
-            <a:spAutoFit/>
-          </a:bodyPr>
-          <a:lstStyle/>
-          <a:p>
-            <a:pPr algn="ctr"/>
-            <a:r>
-              <a:rPr lang="pt-PT" b="1" dirty="0"/>
-              <a:t>Hexágono Ciano</a:t>
-            </a:r>
-          </a:p>
-        </p:txBody>
-      </p:sp>
-      <p:sp>
-        <p:nvSpPr>
-          <p:cNvPr id="16" name="Retângulo 15">
-            <a:extLst>
-              <a:ext uri="{FF2B5EF4-FFF2-40B4-BE49-F238E27FC236}">
-                <a16:creationId xmlns:a16="http://schemas.microsoft.com/office/drawing/2014/main" id="{2E42E894-2D84-5E40-03E7-9038AD03AF6A}"/>
-              </a:ext>
-            </a:extLst>
-          </p:cNvPr>
-          <p:cNvSpPr/>
-          <p:nvPr/>
-        </p:nvSpPr>
-        <p:spPr>
-          <a:xfrm>
-            <a:off x="6530043" y="561974"/>
-            <a:ext cx="2880000" cy="2880000"/>
-          </a:xfrm>
-          <a:prstGeom prst="rect">
-            <a:avLst/>
-          </a:prstGeom>
-          <a:noFill/>
-        </p:spPr>
-        <p:style>
-          <a:lnRef idx="2">
-            <a:schemeClr val="accent1">
-              <a:shade val="15000"/>
-            </a:schemeClr>
-          </a:lnRef>
-          <a:fillRef idx="1">
-            <a:schemeClr val="accent1"/>
-          </a:fillRef>
-          <a:effectRef idx="0">
-            <a:schemeClr val="accent1"/>
-          </a:effectRef>
-          <a:fontRef idx="minor">
-            <a:schemeClr val="lt1"/>
-          </a:fontRef>
-        </p:style>
-        <p:txBody>
-          <a:bodyPr rtlCol="0" anchor="ctr"/>
-          <a:lstStyle/>
-          <a:p>
-            <a:pPr algn="ctr"/>
-            <a:endParaRPr lang="pt-PT"/>
-          </a:p>
-        </p:txBody>
-      </p:sp>
-      <p:sp>
-        <p:nvSpPr>
-          <p:cNvPr id="17" name="Retângulo 16">
-            <a:extLst>
-              <a:ext uri="{FF2B5EF4-FFF2-40B4-BE49-F238E27FC236}">
-                <a16:creationId xmlns:a16="http://schemas.microsoft.com/office/drawing/2014/main" id="{B6C36CEF-991C-850C-C57E-D0AFF3020917}"/>
-              </a:ext>
-            </a:extLst>
-          </p:cNvPr>
-          <p:cNvSpPr/>
-          <p:nvPr/>
-        </p:nvSpPr>
-        <p:spPr>
-          <a:xfrm>
-            <a:off x="401259" y="558525"/>
-            <a:ext cx="2880000" cy="2880000"/>
-          </a:xfrm>
-          <a:prstGeom prst="rect">
-            <a:avLst/>
-          </a:prstGeom>
-          <a:noFill/>
-        </p:spPr>
-        <p:style>
-          <a:lnRef idx="2">
-            <a:schemeClr val="accent1">
-              <a:shade val="15000"/>
-            </a:schemeClr>
-          </a:lnRef>
-          <a:fillRef idx="1">
-            <a:schemeClr val="accent1"/>
-          </a:fillRef>
-          <a:effectRef idx="0">
-            <a:schemeClr val="accent1"/>
-          </a:effectRef>
-          <a:fontRef idx="minor">
-            <a:schemeClr val="lt1"/>
-          </a:fontRef>
-        </p:style>
-        <p:txBody>
-          <a:bodyPr rtlCol="0" anchor="ctr"/>
-          <a:lstStyle/>
-          <a:p>
-            <a:pPr algn="ctr"/>
-            <a:endParaRPr lang="pt-PT"/>
-          </a:p>
-        </p:txBody>
-      </p:sp>
-      <p:sp>
-        <p:nvSpPr>
-          <p:cNvPr id="18" name="Retângulo 17">
-            <a:extLst>
-              <a:ext uri="{FF2B5EF4-FFF2-40B4-BE49-F238E27FC236}">
-                <a16:creationId xmlns:a16="http://schemas.microsoft.com/office/drawing/2014/main" id="{D90BDF7F-D8B8-070B-9FA7-E66A73ACBA2D}"/>
-              </a:ext>
-            </a:extLst>
-          </p:cNvPr>
-          <p:cNvSpPr/>
-          <p:nvPr/>
-        </p:nvSpPr>
-        <p:spPr>
-          <a:xfrm>
-            <a:off x="3513000" y="3600449"/>
-            <a:ext cx="2880000" cy="2880000"/>
-          </a:xfrm>
-          <a:prstGeom prst="rect">
-            <a:avLst/>
-          </a:prstGeom>
-          <a:noFill/>
-        </p:spPr>
-        <p:style>
-          <a:lnRef idx="2">
-            <a:schemeClr val="accent1">
-              <a:shade val="15000"/>
-            </a:schemeClr>
-          </a:lnRef>
-          <a:fillRef idx="1">
-            <a:schemeClr val="accent1"/>
-          </a:fillRef>
-          <a:effectRef idx="0">
-            <a:schemeClr val="accent1"/>
-          </a:effectRef>
-          <a:fontRef idx="minor">
-            <a:schemeClr val="lt1"/>
-          </a:fontRef>
-        </p:style>
-        <p:txBody>
-          <a:bodyPr rtlCol="0" anchor="ctr"/>
-          <a:lstStyle/>
-          <a:p>
-            <a:pPr algn="ctr"/>
-            <a:endParaRPr lang="pt-PT"/>
-          </a:p>
-        </p:txBody>
-      </p:sp>
-      <p:sp>
-        <p:nvSpPr>
-          <p:cNvPr id="19" name="Retângulo 18">
-            <a:extLst>
-              <a:ext uri="{FF2B5EF4-FFF2-40B4-BE49-F238E27FC236}">
-                <a16:creationId xmlns:a16="http://schemas.microsoft.com/office/drawing/2014/main" id="{8619FEE0-81EF-C45F-1897-D81197608B3F}"/>
-              </a:ext>
-            </a:extLst>
-          </p:cNvPr>
-          <p:cNvSpPr/>
-          <p:nvPr/>
-        </p:nvSpPr>
-        <p:spPr>
-          <a:xfrm>
-            <a:off x="401259" y="3600449"/>
-            <a:ext cx="2880000" cy="2880000"/>
-          </a:xfrm>
-          <a:prstGeom prst="rect">
-            <a:avLst/>
-          </a:prstGeom>
-          <a:noFill/>
-        </p:spPr>
-        <p:style>
-          <a:lnRef idx="2">
-            <a:schemeClr val="accent1">
-              <a:shade val="15000"/>
-            </a:schemeClr>
-          </a:lnRef>
-          <a:fillRef idx="1">
-            <a:schemeClr val="accent1"/>
-          </a:fillRef>
-          <a:effectRef idx="0">
-            <a:schemeClr val="accent1"/>
-          </a:effectRef>
-          <a:fontRef idx="minor">
-            <a:schemeClr val="lt1"/>
-          </a:fontRef>
-        </p:style>
-        <p:txBody>
-          <a:bodyPr rtlCol="0" anchor="ctr"/>
-          <a:lstStyle/>
-          <a:p>
-            <a:pPr algn="ctr"/>
-            <a:endParaRPr lang="pt-PT"/>
-          </a:p>
-        </p:txBody>
-      </p:sp>
-      <p:sp>
-        <p:nvSpPr>
-          <p:cNvPr id="20" name="Retângulo 19">
-            <a:extLst>
-              <a:ext uri="{FF2B5EF4-FFF2-40B4-BE49-F238E27FC236}">
-                <a16:creationId xmlns:a16="http://schemas.microsoft.com/office/drawing/2014/main" id="{6A77EDCD-7CE7-A905-0904-CEB5C4241D31}"/>
-              </a:ext>
-            </a:extLst>
-          </p:cNvPr>
-          <p:cNvSpPr/>
-          <p:nvPr/>
-        </p:nvSpPr>
-        <p:spPr>
-          <a:xfrm>
-            <a:off x="6530043" y="3600449"/>
-            <a:ext cx="2880000" cy="2880000"/>
-          </a:xfrm>
-          <a:prstGeom prst="rect">
-            <a:avLst/>
-          </a:prstGeom>
-          <a:noFill/>
-        </p:spPr>
-        <p:style>
-          <a:lnRef idx="2">
-            <a:schemeClr val="accent1">
-              <a:shade val="15000"/>
-            </a:schemeClr>
-          </a:lnRef>
-          <a:fillRef idx="1">
-            <a:schemeClr val="accent1"/>
-          </a:fillRef>
-          <a:effectRef idx="0">
-            <a:schemeClr val="accent1"/>
-          </a:effectRef>
-          <a:fontRef idx="minor">
-            <a:schemeClr val="lt1"/>
-          </a:fontRef>
-        </p:style>
-        <p:txBody>
-          <a:bodyPr rtlCol="0" anchor="ctr"/>
-          <a:lstStyle/>
-          <a:p>
-            <a:pPr algn="ctr"/>
-            <a:endParaRPr lang="pt-PT"/>
-          </a:p>
-        </p:txBody>
-      </p:sp>
-      <p:sp>
-        <p:nvSpPr>
-          <p:cNvPr id="2" name="Hexágono 1">
-            <a:extLst>
-              <a:ext uri="{FF2B5EF4-FFF2-40B4-BE49-F238E27FC236}">
-                <a16:creationId xmlns:a16="http://schemas.microsoft.com/office/drawing/2014/main" id="{8FE39A70-5DDB-3416-2D8A-4556D524870D}"/>
-              </a:ext>
-            </a:extLst>
-          </p:cNvPr>
-          <p:cNvSpPr/>
-          <p:nvPr/>
-        </p:nvSpPr>
-        <p:spPr>
-          <a:xfrm>
-            <a:off x="761259" y="918525"/>
-            <a:ext cx="2160000" cy="2160000"/>
-          </a:xfrm>
-          <a:prstGeom prst="hexagon">
-            <a:avLst/>
-          </a:prstGeom>
-          <a:solidFill>
-            <a:srgbClr val="00FFFF"/>
-          </a:solidFill>
-        </p:spPr>
-        <p:style>
-          <a:lnRef idx="2">
-            <a:schemeClr val="accent1">
-              <a:shade val="15000"/>
-            </a:schemeClr>
-          </a:lnRef>
-          <a:fillRef idx="1">
-            <a:schemeClr val="accent1"/>
-          </a:fillRef>
-          <a:effectRef idx="0">
-            <a:schemeClr val="accent1"/>
-          </a:effectRef>
-          <a:fontRef idx="minor">
-            <a:schemeClr val="lt1"/>
-          </a:fontRef>
-        </p:style>
-        <p:txBody>
-          <a:bodyPr rtlCol="0" anchor="ctr"/>
-          <a:lstStyle/>
-          <a:p>
-            <a:pPr algn="ctr"/>
-            <a:endParaRPr lang="pt-PT"/>
-          </a:p>
-        </p:txBody>
-      </p:sp>
-      <p:sp>
-        <p:nvSpPr>
-          <p:cNvPr id="3" name="Hexágono 2">
-            <a:extLst>
-              <a:ext uri="{FF2B5EF4-FFF2-40B4-BE49-F238E27FC236}">
-                <a16:creationId xmlns:a16="http://schemas.microsoft.com/office/drawing/2014/main" id="{69BC5433-89FA-6837-4136-F5EBABE66018}"/>
-              </a:ext>
-            </a:extLst>
-          </p:cNvPr>
-          <p:cNvSpPr/>
-          <p:nvPr/>
-        </p:nvSpPr>
-        <p:spPr>
-          <a:xfrm>
-            <a:off x="761259" y="3960449"/>
-            <a:ext cx="2160000" cy="2160000"/>
-          </a:xfrm>
-          <a:prstGeom prst="hexagon">
-            <a:avLst/>
-          </a:prstGeom>
-          <a:solidFill>
-            <a:srgbClr val="00FFFF"/>
-          </a:solidFill>
-        </p:spPr>
-        <p:style>
-          <a:lnRef idx="2">
-            <a:schemeClr val="accent1">
-              <a:shade val="15000"/>
-            </a:schemeClr>
-          </a:lnRef>
-          <a:fillRef idx="1">
-            <a:schemeClr val="accent1"/>
-          </a:fillRef>
-          <a:effectRef idx="0">
-            <a:schemeClr val="accent1"/>
-          </a:effectRef>
-          <a:fontRef idx="minor">
-            <a:schemeClr val="lt1"/>
-          </a:fontRef>
-        </p:style>
-        <p:txBody>
-          <a:bodyPr rtlCol="0" anchor="ctr"/>
-          <a:lstStyle/>
-          <a:p>
-            <a:pPr algn="ctr"/>
-            <a:endParaRPr lang="pt-PT"/>
-          </a:p>
-        </p:txBody>
-      </p:sp>
-      <p:sp>
-        <p:nvSpPr>
-          <p:cNvPr id="12" name="Hexágono 11">
-            <a:extLst>
-              <a:ext uri="{FF2B5EF4-FFF2-40B4-BE49-F238E27FC236}">
-                <a16:creationId xmlns:a16="http://schemas.microsoft.com/office/drawing/2014/main" id="{278E9AAE-6A66-CEAF-35F6-4FD4AB7D6CE4}"/>
-              </a:ext>
-            </a:extLst>
-          </p:cNvPr>
-          <p:cNvSpPr/>
-          <p:nvPr/>
-        </p:nvSpPr>
-        <p:spPr>
-          <a:xfrm>
-            <a:off x="3873000" y="3960449"/>
-            <a:ext cx="2160000" cy="2160000"/>
-          </a:xfrm>
-          <a:prstGeom prst="hexagon">
-            <a:avLst/>
-          </a:prstGeom>
-          <a:solidFill>
-            <a:srgbClr val="00FFFF"/>
-          </a:solidFill>
-        </p:spPr>
-        <p:style>
-          <a:lnRef idx="2">
-            <a:schemeClr val="accent1">
-              <a:shade val="15000"/>
-            </a:schemeClr>
-          </a:lnRef>
-          <a:fillRef idx="1">
-            <a:schemeClr val="accent1"/>
-          </a:fillRef>
-          <a:effectRef idx="0">
-            <a:schemeClr val="accent1"/>
-          </a:effectRef>
-          <a:fontRef idx="minor">
-            <a:schemeClr val="lt1"/>
-          </a:fontRef>
-        </p:style>
-        <p:txBody>
-          <a:bodyPr rtlCol="0" anchor="ctr"/>
-          <a:lstStyle/>
-          <a:p>
-            <a:pPr algn="ctr"/>
-            <a:endParaRPr lang="pt-PT"/>
-          </a:p>
-        </p:txBody>
-      </p:sp>
-      <p:sp>
-        <p:nvSpPr>
-          <p:cNvPr id="13" name="Hexágono 12">
-            <a:extLst>
-              <a:ext uri="{FF2B5EF4-FFF2-40B4-BE49-F238E27FC236}">
-                <a16:creationId xmlns:a16="http://schemas.microsoft.com/office/drawing/2014/main" id="{7A431306-E129-EC24-46B5-16DC0561FF05}"/>
-              </a:ext>
-            </a:extLst>
-          </p:cNvPr>
-          <p:cNvSpPr/>
-          <p:nvPr/>
-        </p:nvSpPr>
-        <p:spPr>
-          <a:xfrm>
-            <a:off x="6890043" y="3960449"/>
-            <a:ext cx="2160000" cy="2160000"/>
-          </a:xfrm>
-          <a:prstGeom prst="hexagon">
-            <a:avLst/>
-          </a:prstGeom>
-          <a:solidFill>
-            <a:srgbClr val="00FFFF"/>
-          </a:solidFill>
-        </p:spPr>
-        <p:style>
-          <a:lnRef idx="2">
-            <a:schemeClr val="accent1">
-              <a:shade val="15000"/>
-            </a:schemeClr>
-          </a:lnRef>
-          <a:fillRef idx="1">
-            <a:schemeClr val="accent1"/>
-          </a:fillRef>
-          <a:effectRef idx="0">
-            <a:schemeClr val="accent1"/>
-          </a:effectRef>
-          <a:fontRef idx="minor">
-            <a:schemeClr val="lt1"/>
-          </a:fontRef>
-        </p:style>
-        <p:txBody>
-          <a:bodyPr rtlCol="0" anchor="ctr"/>
-          <a:lstStyle/>
-          <a:p>
-            <a:pPr algn="ctr"/>
-            <a:endParaRPr lang="pt-PT"/>
-          </a:p>
-        </p:txBody>
-      </p:sp>
-      <p:sp>
-        <p:nvSpPr>
-          <p:cNvPr id="14" name="Hexágono 13">
-            <a:extLst>
-              <a:ext uri="{FF2B5EF4-FFF2-40B4-BE49-F238E27FC236}">
-                <a16:creationId xmlns:a16="http://schemas.microsoft.com/office/drawing/2014/main" id="{86223422-84CB-AC7B-0D34-D57A2F896577}"/>
-              </a:ext>
-            </a:extLst>
-          </p:cNvPr>
-          <p:cNvSpPr/>
-          <p:nvPr/>
-        </p:nvSpPr>
-        <p:spPr>
-          <a:xfrm>
-            <a:off x="3868238" y="918525"/>
-            <a:ext cx="2160000" cy="2160000"/>
-          </a:xfrm>
-          <a:prstGeom prst="hexagon">
-            <a:avLst/>
-          </a:prstGeom>
-          <a:solidFill>
-            <a:srgbClr val="00FFFF"/>
-          </a:solidFill>
-        </p:spPr>
-        <p:style>
-          <a:lnRef idx="2">
-            <a:schemeClr val="accent1">
-              <a:shade val="15000"/>
-            </a:schemeClr>
-          </a:lnRef>
-          <a:fillRef idx="1">
-            <a:schemeClr val="accent1"/>
-          </a:fillRef>
-          <a:effectRef idx="0">
-            <a:schemeClr val="accent1"/>
-          </a:effectRef>
-          <a:fontRef idx="minor">
-            <a:schemeClr val="lt1"/>
-          </a:fontRef>
-        </p:style>
-        <p:txBody>
-          <a:bodyPr rtlCol="0" anchor="ctr"/>
-          <a:lstStyle/>
-          <a:p>
-            <a:pPr algn="ctr"/>
-            <a:endParaRPr lang="pt-PT"/>
-          </a:p>
-        </p:txBody>
-      </p:sp>
-      <p:sp>
-        <p:nvSpPr>
-          <p:cNvPr id="15" name="Hexágono 14">
-            <a:extLst>
-              <a:ext uri="{FF2B5EF4-FFF2-40B4-BE49-F238E27FC236}">
-                <a16:creationId xmlns:a16="http://schemas.microsoft.com/office/drawing/2014/main" id="{B23E5E0D-2D79-C717-3DD6-24A500922747}"/>
-              </a:ext>
-            </a:extLst>
-          </p:cNvPr>
-          <p:cNvSpPr/>
-          <p:nvPr/>
-        </p:nvSpPr>
-        <p:spPr>
-          <a:xfrm>
-            <a:off x="6885281" y="918525"/>
-            <a:ext cx="2160000" cy="2160000"/>
-          </a:xfrm>
-          <a:prstGeom prst="hexagon">
-            <a:avLst/>
-          </a:prstGeom>
-          <a:solidFill>
-            <a:srgbClr val="00FFFF"/>
-          </a:solidFill>
-        </p:spPr>
-        <p:style>
-          <a:lnRef idx="2">
-            <a:schemeClr val="accent1">
-              <a:shade val="15000"/>
-            </a:schemeClr>
-          </a:lnRef>
-          <a:fillRef idx="1">
-            <a:schemeClr val="accent1"/>
-          </a:fillRef>
-          <a:effectRef idx="0">
-            <a:schemeClr val="accent1"/>
-          </a:effectRef>
-          <a:fontRef idx="minor">
-            <a:schemeClr val="lt1"/>
-          </a:fontRef>
-        </p:style>
-        <p:txBody>
-          <a:bodyPr rtlCol="0" anchor="ctr"/>
-          <a:lstStyle/>
-          <a:p>
-            <a:pPr algn="ctr"/>
-            <a:endParaRPr lang="pt-PT"/>
-          </a:p>
-        </p:txBody>
-      </p:sp>
-      <p:sp>
-        <p:nvSpPr>
-          <p:cNvPr id="4" name="CaixaDeTexto 3">
-            <a:extLst>
-              <a:ext uri="{FF2B5EF4-FFF2-40B4-BE49-F238E27FC236}">
-                <a16:creationId xmlns:a16="http://schemas.microsoft.com/office/drawing/2014/main" id="{07EC38A3-09E3-5EC9-F00E-7E4F13CAB93C}"/>
-              </a:ext>
-            </a:extLst>
-          </p:cNvPr>
-          <p:cNvSpPr txBox="1"/>
-          <p:nvPr/>
-        </p:nvSpPr>
-        <p:spPr>
-          <a:xfrm>
-            <a:off x="5656031" y="3600449"/>
-            <a:ext cx="702675" cy="369332"/>
-          </a:xfrm>
-          <a:prstGeom prst="rect">
-            <a:avLst/>
-          </a:prstGeom>
-          <a:noFill/>
-        </p:spPr>
-        <p:txBody>
-          <a:bodyPr wrap="square" rtlCol="0">
-            <a:spAutoFit/>
-          </a:bodyPr>
-          <a:lstStyle/>
-          <a:p>
-            <a:pPr algn="r"/>
-            <a:r>
-              <a:rPr lang="pt-PT" b="1" dirty="0"/>
-              <a:t>ID 6</a:t>
-            </a:r>
-          </a:p>
-        </p:txBody>
-      </p:sp>
-      <p:sp>
-        <p:nvSpPr>
-          <p:cNvPr id="6" name="CaixaDeTexto 5">
-            <a:extLst>
-              <a:ext uri="{FF2B5EF4-FFF2-40B4-BE49-F238E27FC236}">
-                <a16:creationId xmlns:a16="http://schemas.microsoft.com/office/drawing/2014/main" id="{85E4AD41-7DB9-02F1-9706-8D457467949F}"/>
-              </a:ext>
-            </a:extLst>
-          </p:cNvPr>
-          <p:cNvSpPr txBox="1"/>
-          <p:nvPr/>
-        </p:nvSpPr>
-        <p:spPr>
-          <a:xfrm>
-            <a:off x="2569920" y="3600449"/>
-            <a:ext cx="702675" cy="369332"/>
-          </a:xfrm>
-          <a:prstGeom prst="rect">
-            <a:avLst/>
-          </a:prstGeom>
-          <a:noFill/>
-        </p:spPr>
-        <p:txBody>
-          <a:bodyPr wrap="square" rtlCol="0">
-            <a:spAutoFit/>
-          </a:bodyPr>
-          <a:lstStyle/>
-          <a:p>
-            <a:pPr algn="r"/>
-            <a:r>
-              <a:rPr lang="pt-PT" b="1" dirty="0"/>
-              <a:t>ID 6</a:t>
-            </a:r>
-          </a:p>
-        </p:txBody>
-      </p:sp>
-      <p:sp>
-        <p:nvSpPr>
-          <p:cNvPr id="7" name="CaixaDeTexto 6">
-            <a:extLst>
-              <a:ext uri="{FF2B5EF4-FFF2-40B4-BE49-F238E27FC236}">
-                <a16:creationId xmlns:a16="http://schemas.microsoft.com/office/drawing/2014/main" id="{C1A25D4B-793F-00C0-7424-4C90C40A45F1}"/>
-              </a:ext>
-            </a:extLst>
-          </p:cNvPr>
-          <p:cNvSpPr txBox="1"/>
-          <p:nvPr/>
-        </p:nvSpPr>
-        <p:spPr>
-          <a:xfrm>
-            <a:off x="8698705" y="3600449"/>
-            <a:ext cx="702675" cy="369332"/>
-          </a:xfrm>
-          <a:prstGeom prst="rect">
-            <a:avLst/>
-          </a:prstGeom>
-          <a:noFill/>
-        </p:spPr>
-        <p:txBody>
-          <a:bodyPr wrap="square" rtlCol="0">
-            <a:spAutoFit/>
-          </a:bodyPr>
-          <a:lstStyle/>
-          <a:p>
-            <a:pPr algn="r"/>
-            <a:r>
-              <a:rPr lang="pt-PT" b="1" dirty="0"/>
-              <a:t>ID 6</a:t>
-            </a:r>
-          </a:p>
-        </p:txBody>
-      </p:sp>
-      <p:sp>
-        <p:nvSpPr>
-          <p:cNvPr id="8" name="CaixaDeTexto 7">
-            <a:extLst>
-              <a:ext uri="{FF2B5EF4-FFF2-40B4-BE49-F238E27FC236}">
-                <a16:creationId xmlns:a16="http://schemas.microsoft.com/office/drawing/2014/main" id="{71BD7D5E-D40D-601B-9848-4A35A5491349}"/>
-              </a:ext>
-            </a:extLst>
-          </p:cNvPr>
-          <p:cNvSpPr txBox="1"/>
-          <p:nvPr/>
-        </p:nvSpPr>
-        <p:spPr>
-          <a:xfrm>
-            <a:off x="2561258" y="558525"/>
-            <a:ext cx="702675" cy="369332"/>
-          </a:xfrm>
-          <a:prstGeom prst="rect">
-            <a:avLst/>
-          </a:prstGeom>
-          <a:noFill/>
-        </p:spPr>
-        <p:txBody>
-          <a:bodyPr wrap="square" rtlCol="0">
-            <a:spAutoFit/>
-          </a:bodyPr>
-          <a:lstStyle/>
-          <a:p>
-            <a:pPr algn="r"/>
-            <a:r>
-              <a:rPr lang="pt-PT" b="1" dirty="0"/>
-              <a:t>ID 6</a:t>
-            </a:r>
-          </a:p>
-        </p:txBody>
-      </p:sp>
-      <p:sp>
-        <p:nvSpPr>
-          <p:cNvPr id="9" name="CaixaDeTexto 8">
-            <a:extLst>
-              <a:ext uri="{FF2B5EF4-FFF2-40B4-BE49-F238E27FC236}">
-                <a16:creationId xmlns:a16="http://schemas.microsoft.com/office/drawing/2014/main" id="{0DBBD31A-0760-E99A-D4C7-5B6BC0D71D25}"/>
-              </a:ext>
-            </a:extLst>
-          </p:cNvPr>
-          <p:cNvSpPr txBox="1"/>
-          <p:nvPr/>
-        </p:nvSpPr>
-        <p:spPr>
-          <a:xfrm>
-            <a:off x="5638705" y="558525"/>
-            <a:ext cx="702675" cy="369332"/>
-          </a:xfrm>
-          <a:prstGeom prst="rect">
-            <a:avLst/>
-          </a:prstGeom>
-          <a:noFill/>
-        </p:spPr>
-        <p:txBody>
-          <a:bodyPr wrap="square" rtlCol="0">
-            <a:spAutoFit/>
-          </a:bodyPr>
-          <a:lstStyle/>
-          <a:p>
-            <a:pPr algn="r"/>
-            <a:r>
-              <a:rPr lang="pt-PT" b="1" dirty="0"/>
-              <a:t>ID 6</a:t>
-            </a:r>
-          </a:p>
-        </p:txBody>
-      </p:sp>
-      <p:sp>
-        <p:nvSpPr>
-          <p:cNvPr id="21" name="CaixaDeTexto 20">
-            <a:extLst>
-              <a:ext uri="{FF2B5EF4-FFF2-40B4-BE49-F238E27FC236}">
-                <a16:creationId xmlns:a16="http://schemas.microsoft.com/office/drawing/2014/main" id="{3B35082B-E707-ADCD-670F-C572E6D021F8}"/>
-              </a:ext>
-            </a:extLst>
-          </p:cNvPr>
-          <p:cNvSpPr txBox="1"/>
-          <p:nvPr/>
-        </p:nvSpPr>
-        <p:spPr>
-          <a:xfrm>
-            <a:off x="8690042" y="558525"/>
-            <a:ext cx="702675" cy="369332"/>
-          </a:xfrm>
-          <a:prstGeom prst="rect">
-            <a:avLst/>
-          </a:prstGeom>
-          <a:noFill/>
-        </p:spPr>
-        <p:txBody>
-          <a:bodyPr wrap="square" rtlCol="0">
-            <a:spAutoFit/>
-          </a:bodyPr>
-          <a:lstStyle/>
-          <a:p>
-            <a:pPr algn="r"/>
-            <a:r>
-              <a:rPr lang="pt-PT" b="1" dirty="0"/>
-              <a:t>ID 6</a:t>
-            </a:r>
-          </a:p>
-        </p:txBody>
-      </p:sp>
-    </p:spTree>
-    <p:extLst>
-      <p:ext uri="{BB962C8B-B14F-4D97-AF65-F5344CB8AC3E}">
-        <p14:creationId xmlns:p14="http://schemas.microsoft.com/office/powerpoint/2010/main" val="2089740555"/>
-      </p:ext>
-    </p:extLst>
-  </p:cSld>
-  <p:clrMapOvr>
-    <a:masterClrMapping/>
-  </p:clrMapOvr>
-</p:sld>
-</file>
-
-<file path=ppt/slides/slide8.xml><?xml version="1.0" encoding="utf-8"?>
-<p:sld xmlns:a="http://schemas.openxmlformats.org/drawingml/2006/main" xmlns:r="http://schemas.openxmlformats.org/officeDocument/2006/relationships" xmlns:p="http://schemas.openxmlformats.org/presentationml/2006/main">
-  <p:cSld>
-    <p:bg>
-      <p:bgPr>
-        <a:solidFill>
-          <a:srgbClr val="FFFFFF"/>
-        </a:solidFill>
-        <a:effectLst/>
-      </p:bgPr>
-    </p:bg>
-    <p:spTree>
-      <p:nvGrpSpPr>
-        <p:cNvPr id="1" name="">
-          <a:extLst>
-            <a:ext uri="{FF2B5EF4-FFF2-40B4-BE49-F238E27FC236}">
-              <a16:creationId xmlns:a16="http://schemas.microsoft.com/office/drawing/2014/main" id="{4B685198-312A-1250-706F-DAE03A315B0B}"/>
-            </a:ext>
-          </a:extLst>
-        </p:cNvPr>
-        <p:cNvGrpSpPr/>
-        <p:nvPr/>
-      </p:nvGrpSpPr>
-      <p:grpSpPr>
-        <a:xfrm>
-          <a:off x="0" y="0"/>
-          <a:ext cx="0" cy="0"/>
-          <a:chOff x="0" y="0"/>
-          <a:chExt cx="0" cy="0"/>
-        </a:xfrm>
-      </p:grpSpPr>
-      <p:sp>
-        <p:nvSpPr>
-          <p:cNvPr id="5" name="Retângulo 4">
-            <a:extLst>
-              <a:ext uri="{FF2B5EF4-FFF2-40B4-BE49-F238E27FC236}">
-                <a16:creationId xmlns:a16="http://schemas.microsoft.com/office/drawing/2014/main" id="{677288A1-92B0-BCD2-6A90-60BEC2AD204D}"/>
-              </a:ext>
-            </a:extLst>
-          </p:cNvPr>
-          <p:cNvSpPr/>
-          <p:nvPr/>
-        </p:nvSpPr>
-        <p:spPr>
-          <a:xfrm>
-            <a:off x="3503475" y="561974"/>
-            <a:ext cx="2880000" cy="2880000"/>
-          </a:xfrm>
-          <a:prstGeom prst="rect">
-            <a:avLst/>
-          </a:prstGeom>
-          <a:noFill/>
-        </p:spPr>
-        <p:style>
-          <a:lnRef idx="2">
-            <a:schemeClr val="accent1">
-              <a:shade val="15000"/>
-            </a:schemeClr>
-          </a:lnRef>
-          <a:fillRef idx="1">
-            <a:schemeClr val="accent1"/>
-          </a:fillRef>
-          <a:effectRef idx="0">
-            <a:schemeClr val="accent1"/>
-          </a:effectRef>
-          <a:fontRef idx="minor">
-            <a:schemeClr val="lt1"/>
-          </a:fontRef>
-        </p:style>
-        <p:txBody>
-          <a:bodyPr rtlCol="0" anchor="ctr"/>
-          <a:lstStyle/>
-          <a:p>
-            <a:pPr algn="ctr"/>
-            <a:endParaRPr lang="pt-PT"/>
-          </a:p>
-        </p:txBody>
-      </p:sp>
-      <p:sp>
-        <p:nvSpPr>
-          <p:cNvPr id="10" name="CaixaDeTexto 9">
-            <a:extLst>
-              <a:ext uri="{FF2B5EF4-FFF2-40B4-BE49-F238E27FC236}">
-                <a16:creationId xmlns:a16="http://schemas.microsoft.com/office/drawing/2014/main" id="{77D560C5-EC35-39D9-93AA-E44B79E6E47D}"/>
-              </a:ext>
-            </a:extLst>
-          </p:cNvPr>
-          <p:cNvSpPr txBox="1"/>
-          <p:nvPr/>
-        </p:nvSpPr>
-        <p:spPr>
-          <a:xfrm>
-            <a:off x="6786562" y="160569"/>
-            <a:ext cx="2366962" cy="369332"/>
-          </a:xfrm>
-          <a:prstGeom prst="rect">
-            <a:avLst/>
-          </a:prstGeom>
-          <a:noFill/>
-        </p:spPr>
-        <p:txBody>
-          <a:bodyPr wrap="square" rtlCol="0">
-            <a:spAutoFit/>
-          </a:bodyPr>
-          <a:lstStyle/>
-          <a:p>
-            <a:pPr algn="r"/>
-            <a:r>
-              <a:rPr lang="pt-PT" b="1" dirty="0"/>
-              <a:t>Marcador ID 7</a:t>
-            </a:r>
-          </a:p>
-        </p:txBody>
-      </p:sp>
-      <p:sp>
-        <p:nvSpPr>
-          <p:cNvPr id="11" name="CaixaDeTexto 10">
-            <a:extLst>
-              <a:ext uri="{FF2B5EF4-FFF2-40B4-BE49-F238E27FC236}">
-                <a16:creationId xmlns:a16="http://schemas.microsoft.com/office/drawing/2014/main" id="{BAC2DC44-57AD-E28C-CB3D-9007B2EC7906}"/>
-              </a:ext>
-            </a:extLst>
-          </p:cNvPr>
-          <p:cNvSpPr txBox="1"/>
-          <p:nvPr/>
-        </p:nvSpPr>
-        <p:spPr>
-          <a:xfrm>
-            <a:off x="3119437" y="179619"/>
-            <a:ext cx="3667125" cy="369332"/>
-          </a:xfrm>
-          <a:prstGeom prst="rect">
-            <a:avLst/>
-          </a:prstGeom>
-          <a:noFill/>
-        </p:spPr>
-        <p:txBody>
-          <a:bodyPr wrap="square" rtlCol="0">
-            <a:spAutoFit/>
-          </a:bodyPr>
-          <a:lstStyle/>
-          <a:p>
-            <a:pPr algn="ctr"/>
-            <a:r>
-              <a:rPr lang="pt-PT" b="1" dirty="0"/>
-              <a:t>Estrela Dourada</a:t>
-            </a:r>
-          </a:p>
-        </p:txBody>
-      </p:sp>
-      <p:sp>
-        <p:nvSpPr>
-          <p:cNvPr id="16" name="Retângulo 15">
-            <a:extLst>
-              <a:ext uri="{FF2B5EF4-FFF2-40B4-BE49-F238E27FC236}">
-                <a16:creationId xmlns:a16="http://schemas.microsoft.com/office/drawing/2014/main" id="{2B5D9B86-172F-85BF-18BB-C381AE5C9CAF}"/>
-              </a:ext>
-            </a:extLst>
-          </p:cNvPr>
-          <p:cNvSpPr/>
-          <p:nvPr/>
-        </p:nvSpPr>
-        <p:spPr>
-          <a:xfrm>
-            <a:off x="6530043" y="561974"/>
-            <a:ext cx="2880000" cy="2880000"/>
-          </a:xfrm>
-          <a:prstGeom prst="rect">
-            <a:avLst/>
-          </a:prstGeom>
-          <a:noFill/>
-        </p:spPr>
-        <p:style>
-          <a:lnRef idx="2">
-            <a:schemeClr val="accent1">
-              <a:shade val="15000"/>
-            </a:schemeClr>
-          </a:lnRef>
-          <a:fillRef idx="1">
-            <a:schemeClr val="accent1"/>
-          </a:fillRef>
-          <a:effectRef idx="0">
-            <a:schemeClr val="accent1"/>
-          </a:effectRef>
-          <a:fontRef idx="minor">
-            <a:schemeClr val="lt1"/>
-          </a:fontRef>
-        </p:style>
-        <p:txBody>
-          <a:bodyPr rtlCol="0" anchor="ctr"/>
-          <a:lstStyle/>
-          <a:p>
-            <a:pPr algn="ctr"/>
-            <a:endParaRPr lang="pt-PT"/>
-          </a:p>
-        </p:txBody>
-      </p:sp>
-      <p:sp>
-        <p:nvSpPr>
-          <p:cNvPr id="17" name="Retângulo 16">
-            <a:extLst>
-              <a:ext uri="{FF2B5EF4-FFF2-40B4-BE49-F238E27FC236}">
-                <a16:creationId xmlns:a16="http://schemas.microsoft.com/office/drawing/2014/main" id="{A2F7B897-1038-88EF-EDAB-9631CDAA2BF9}"/>
-              </a:ext>
-            </a:extLst>
-          </p:cNvPr>
-          <p:cNvSpPr/>
-          <p:nvPr/>
-        </p:nvSpPr>
-        <p:spPr>
-          <a:xfrm>
-            <a:off x="401259" y="558525"/>
-            <a:ext cx="2880000" cy="2880000"/>
-          </a:xfrm>
-          <a:prstGeom prst="rect">
-            <a:avLst/>
-          </a:prstGeom>
-          <a:noFill/>
-        </p:spPr>
-        <p:style>
-          <a:lnRef idx="2">
-            <a:schemeClr val="accent1">
-              <a:shade val="15000"/>
-            </a:schemeClr>
-          </a:lnRef>
-          <a:fillRef idx="1">
-            <a:schemeClr val="accent1"/>
-          </a:fillRef>
-          <a:effectRef idx="0">
-            <a:schemeClr val="accent1"/>
-          </a:effectRef>
-          <a:fontRef idx="minor">
-            <a:schemeClr val="lt1"/>
-          </a:fontRef>
-        </p:style>
-        <p:txBody>
-          <a:bodyPr rtlCol="0" anchor="ctr"/>
-          <a:lstStyle/>
-          <a:p>
-            <a:pPr algn="ctr"/>
-            <a:endParaRPr lang="pt-PT"/>
-          </a:p>
-        </p:txBody>
-      </p:sp>
-      <p:sp>
-        <p:nvSpPr>
-          <p:cNvPr id="18" name="Retângulo 17">
-            <a:extLst>
-              <a:ext uri="{FF2B5EF4-FFF2-40B4-BE49-F238E27FC236}">
-                <a16:creationId xmlns:a16="http://schemas.microsoft.com/office/drawing/2014/main" id="{11532D0C-1CBE-C76F-594E-C6DCFBA15CFB}"/>
-              </a:ext>
-            </a:extLst>
-          </p:cNvPr>
-          <p:cNvSpPr/>
-          <p:nvPr/>
-        </p:nvSpPr>
-        <p:spPr>
-          <a:xfrm>
-            <a:off x="3513000" y="3600449"/>
-            <a:ext cx="2880000" cy="2880000"/>
-          </a:xfrm>
-          <a:prstGeom prst="rect">
-            <a:avLst/>
-          </a:prstGeom>
-          <a:noFill/>
-        </p:spPr>
-        <p:style>
-          <a:lnRef idx="2">
-            <a:schemeClr val="accent1">
-              <a:shade val="15000"/>
-            </a:schemeClr>
-          </a:lnRef>
-          <a:fillRef idx="1">
-            <a:schemeClr val="accent1"/>
-          </a:fillRef>
-          <a:effectRef idx="0">
-            <a:schemeClr val="accent1"/>
-          </a:effectRef>
-          <a:fontRef idx="minor">
-            <a:schemeClr val="lt1"/>
-          </a:fontRef>
-        </p:style>
-        <p:txBody>
-          <a:bodyPr rtlCol="0" anchor="ctr"/>
-          <a:lstStyle/>
-          <a:p>
-            <a:pPr algn="ctr"/>
-            <a:endParaRPr lang="pt-PT"/>
-          </a:p>
-        </p:txBody>
-      </p:sp>
-      <p:sp>
-        <p:nvSpPr>
-          <p:cNvPr id="19" name="Retângulo 18">
-            <a:extLst>
-              <a:ext uri="{FF2B5EF4-FFF2-40B4-BE49-F238E27FC236}">
-                <a16:creationId xmlns:a16="http://schemas.microsoft.com/office/drawing/2014/main" id="{4D25AB2E-EAF3-1D90-CC09-9509CAA82FA8}"/>
-              </a:ext>
-            </a:extLst>
-          </p:cNvPr>
-          <p:cNvSpPr/>
-          <p:nvPr/>
-        </p:nvSpPr>
-        <p:spPr>
-          <a:xfrm>
-            <a:off x="401259" y="3600449"/>
-            <a:ext cx="2880000" cy="2880000"/>
-          </a:xfrm>
-          <a:prstGeom prst="rect">
-            <a:avLst/>
-          </a:prstGeom>
-          <a:noFill/>
-        </p:spPr>
-        <p:style>
-          <a:lnRef idx="2">
-            <a:schemeClr val="accent1">
-              <a:shade val="15000"/>
-            </a:schemeClr>
-          </a:lnRef>
-          <a:fillRef idx="1">
-            <a:schemeClr val="accent1"/>
-          </a:fillRef>
-          <a:effectRef idx="0">
-            <a:schemeClr val="accent1"/>
-          </a:effectRef>
-          <a:fontRef idx="minor">
-            <a:schemeClr val="lt1"/>
-          </a:fontRef>
-        </p:style>
-        <p:txBody>
-          <a:bodyPr rtlCol="0" anchor="ctr"/>
-          <a:lstStyle/>
-          <a:p>
-            <a:pPr algn="ctr"/>
-            <a:endParaRPr lang="pt-PT"/>
-          </a:p>
-        </p:txBody>
-      </p:sp>
-      <p:sp>
-        <p:nvSpPr>
-          <p:cNvPr id="20" name="Retângulo 19">
-            <a:extLst>
-              <a:ext uri="{FF2B5EF4-FFF2-40B4-BE49-F238E27FC236}">
-                <a16:creationId xmlns:a16="http://schemas.microsoft.com/office/drawing/2014/main" id="{1C3D5495-2C54-C8BF-02E1-83A2C0C3DC97}"/>
-              </a:ext>
-            </a:extLst>
-          </p:cNvPr>
-          <p:cNvSpPr/>
-          <p:nvPr/>
-        </p:nvSpPr>
-        <p:spPr>
-          <a:xfrm>
-            <a:off x="6530043" y="3600449"/>
-            <a:ext cx="2880000" cy="2880000"/>
-          </a:xfrm>
-          <a:prstGeom prst="rect">
-            <a:avLst/>
-          </a:prstGeom>
-          <a:noFill/>
-        </p:spPr>
-        <p:style>
-          <a:lnRef idx="2">
-            <a:schemeClr val="accent1">
-              <a:shade val="15000"/>
-            </a:schemeClr>
-          </a:lnRef>
-          <a:fillRef idx="1">
-            <a:schemeClr val="accent1"/>
-          </a:fillRef>
-          <a:effectRef idx="0">
-            <a:schemeClr val="accent1"/>
-          </a:effectRef>
-          <a:fontRef idx="minor">
-            <a:schemeClr val="lt1"/>
-          </a:fontRef>
-        </p:style>
-        <p:txBody>
-          <a:bodyPr rtlCol="0" anchor="ctr"/>
-          <a:lstStyle/>
-          <a:p>
-            <a:pPr algn="ctr"/>
-            <a:endParaRPr lang="pt-PT"/>
-          </a:p>
-        </p:txBody>
-      </p:sp>
-      <p:sp>
-        <p:nvSpPr>
-          <p:cNvPr id="4" name="Estrela: 5 Pontos 3">
-            <a:extLst>
-              <a:ext uri="{FF2B5EF4-FFF2-40B4-BE49-F238E27FC236}">
-                <a16:creationId xmlns:a16="http://schemas.microsoft.com/office/drawing/2014/main" id="{0BF48E00-7C8F-146C-D47D-52BA58B423EF}"/>
-              </a:ext>
-            </a:extLst>
-          </p:cNvPr>
-          <p:cNvSpPr/>
-          <p:nvPr/>
-        </p:nvSpPr>
-        <p:spPr>
-          <a:xfrm>
-            <a:off x="761259" y="847725"/>
-            <a:ext cx="2160000" cy="2160000"/>
-          </a:xfrm>
-          <a:prstGeom prst="star5">
-            <a:avLst>
-              <a:gd name="adj" fmla="val 23486"/>
-              <a:gd name="hf" fmla="val 105146"/>
-              <a:gd name="vf" fmla="val 110557"/>
-            </a:avLst>
-          </a:prstGeom>
-          <a:solidFill>
-            <a:srgbClr val="FFC000"/>
-          </a:solidFill>
-        </p:spPr>
-        <p:style>
-          <a:lnRef idx="2">
-            <a:schemeClr val="accent1">
-              <a:shade val="15000"/>
-            </a:schemeClr>
-          </a:lnRef>
-          <a:fillRef idx="1">
-            <a:schemeClr val="accent1"/>
-          </a:fillRef>
-          <a:effectRef idx="0">
-            <a:schemeClr val="accent1"/>
-          </a:effectRef>
-          <a:fontRef idx="minor">
-            <a:schemeClr val="lt1"/>
-          </a:fontRef>
-        </p:style>
-        <p:txBody>
-          <a:bodyPr rtlCol="0" anchor="ctr"/>
-          <a:lstStyle/>
-          <a:p>
-            <a:pPr algn="ctr"/>
-            <a:endParaRPr lang="pt-PT"/>
-          </a:p>
-        </p:txBody>
-      </p:sp>
-      <p:sp>
-        <p:nvSpPr>
-          <p:cNvPr id="6" name="Estrela: 5 Pontos 5">
-            <a:extLst>
-              <a:ext uri="{FF2B5EF4-FFF2-40B4-BE49-F238E27FC236}">
-                <a16:creationId xmlns:a16="http://schemas.microsoft.com/office/drawing/2014/main" id="{929AB6BD-04DA-FC36-6F81-A605A6169D7E}"/>
-              </a:ext>
-            </a:extLst>
-          </p:cNvPr>
-          <p:cNvSpPr/>
-          <p:nvPr/>
-        </p:nvSpPr>
-        <p:spPr>
-          <a:xfrm>
-            <a:off x="3873000" y="847725"/>
-            <a:ext cx="2160000" cy="2160000"/>
-          </a:xfrm>
-          <a:prstGeom prst="star5">
-            <a:avLst>
-              <a:gd name="adj" fmla="val 23486"/>
-              <a:gd name="hf" fmla="val 105146"/>
-              <a:gd name="vf" fmla="val 110557"/>
-            </a:avLst>
-          </a:prstGeom>
-          <a:solidFill>
-            <a:srgbClr val="FFC000"/>
-          </a:solidFill>
-        </p:spPr>
-        <p:style>
-          <a:lnRef idx="2">
-            <a:schemeClr val="accent1">
-              <a:shade val="15000"/>
-            </a:schemeClr>
-          </a:lnRef>
-          <a:fillRef idx="1">
-            <a:schemeClr val="accent1"/>
-          </a:fillRef>
-          <a:effectRef idx="0">
-            <a:schemeClr val="accent1"/>
-          </a:effectRef>
-          <a:fontRef idx="minor">
-            <a:schemeClr val="lt1"/>
-          </a:fontRef>
-        </p:style>
-        <p:txBody>
-          <a:bodyPr rtlCol="0" anchor="ctr"/>
-          <a:lstStyle/>
-          <a:p>
-            <a:pPr algn="ctr"/>
-            <a:endParaRPr lang="pt-PT"/>
-          </a:p>
-        </p:txBody>
-      </p:sp>
-      <p:sp>
-        <p:nvSpPr>
-          <p:cNvPr id="7" name="Estrela: 5 Pontos 6">
-            <a:extLst>
-              <a:ext uri="{FF2B5EF4-FFF2-40B4-BE49-F238E27FC236}">
-                <a16:creationId xmlns:a16="http://schemas.microsoft.com/office/drawing/2014/main" id="{47779ACF-BC3A-9632-FA3F-0D38BAF11C1A}"/>
-              </a:ext>
-            </a:extLst>
-          </p:cNvPr>
-          <p:cNvSpPr/>
-          <p:nvPr/>
-        </p:nvSpPr>
-        <p:spPr>
-          <a:xfrm>
-            <a:off x="6890043" y="918525"/>
-            <a:ext cx="2160000" cy="2160000"/>
-          </a:xfrm>
-          <a:prstGeom prst="star5">
-            <a:avLst>
-              <a:gd name="adj" fmla="val 23486"/>
-              <a:gd name="hf" fmla="val 105146"/>
-              <a:gd name="vf" fmla="val 110557"/>
-            </a:avLst>
-          </a:prstGeom>
-          <a:solidFill>
-            <a:srgbClr val="FFC000"/>
-          </a:solidFill>
-        </p:spPr>
-        <p:style>
-          <a:lnRef idx="2">
-            <a:schemeClr val="accent1">
-              <a:shade val="15000"/>
-            </a:schemeClr>
-          </a:lnRef>
-          <a:fillRef idx="1">
-            <a:schemeClr val="accent1"/>
-          </a:fillRef>
-          <a:effectRef idx="0">
-            <a:schemeClr val="accent1"/>
-          </a:effectRef>
-          <a:fontRef idx="minor">
-            <a:schemeClr val="lt1"/>
-          </a:fontRef>
-        </p:style>
-        <p:txBody>
-          <a:bodyPr rtlCol="0" anchor="ctr"/>
-          <a:lstStyle/>
-          <a:p>
-            <a:pPr algn="ctr"/>
-            <a:endParaRPr lang="pt-PT"/>
-          </a:p>
-        </p:txBody>
-      </p:sp>
-      <p:sp>
-        <p:nvSpPr>
-          <p:cNvPr id="8" name="Estrela: 5 Pontos 7">
-            <a:extLst>
-              <a:ext uri="{FF2B5EF4-FFF2-40B4-BE49-F238E27FC236}">
-                <a16:creationId xmlns:a16="http://schemas.microsoft.com/office/drawing/2014/main" id="{07AD9C1E-F5E5-356F-8C9D-B3027714AA40}"/>
-              </a:ext>
-            </a:extLst>
-          </p:cNvPr>
-          <p:cNvSpPr/>
-          <p:nvPr/>
-        </p:nvSpPr>
-        <p:spPr>
-          <a:xfrm>
-            <a:off x="761259" y="3899223"/>
-            <a:ext cx="2160000" cy="2160000"/>
-          </a:xfrm>
-          <a:prstGeom prst="star5">
-            <a:avLst>
-              <a:gd name="adj" fmla="val 23486"/>
-              <a:gd name="hf" fmla="val 105146"/>
-              <a:gd name="vf" fmla="val 110557"/>
-            </a:avLst>
-          </a:prstGeom>
-          <a:solidFill>
-            <a:srgbClr val="FFC000"/>
-          </a:solidFill>
-        </p:spPr>
-        <p:style>
-          <a:lnRef idx="2">
-            <a:schemeClr val="accent1">
-              <a:shade val="15000"/>
-            </a:schemeClr>
-          </a:lnRef>
-          <a:fillRef idx="1">
-            <a:schemeClr val="accent1"/>
-          </a:fillRef>
-          <a:effectRef idx="0">
-            <a:schemeClr val="accent1"/>
-          </a:effectRef>
-          <a:fontRef idx="minor">
-            <a:schemeClr val="lt1"/>
-          </a:fontRef>
-        </p:style>
-        <p:txBody>
-          <a:bodyPr rtlCol="0" anchor="ctr"/>
-          <a:lstStyle/>
-          <a:p>
-            <a:pPr algn="ctr"/>
-            <a:endParaRPr lang="pt-PT"/>
-          </a:p>
-        </p:txBody>
-      </p:sp>
-      <p:sp>
-        <p:nvSpPr>
-          <p:cNvPr id="9" name="Estrela: 5 Pontos 8">
-            <a:extLst>
-              <a:ext uri="{FF2B5EF4-FFF2-40B4-BE49-F238E27FC236}">
-                <a16:creationId xmlns:a16="http://schemas.microsoft.com/office/drawing/2014/main" id="{D6268FDB-3567-6563-EBEB-6ABE6C510588}"/>
-              </a:ext>
-            </a:extLst>
-          </p:cNvPr>
-          <p:cNvSpPr/>
-          <p:nvPr/>
-        </p:nvSpPr>
-        <p:spPr>
-          <a:xfrm>
-            <a:off x="3873000" y="3899223"/>
-            <a:ext cx="2160000" cy="2160000"/>
-          </a:xfrm>
-          <a:prstGeom prst="star5">
-            <a:avLst>
-              <a:gd name="adj" fmla="val 23486"/>
-              <a:gd name="hf" fmla="val 105146"/>
-              <a:gd name="vf" fmla="val 110557"/>
-            </a:avLst>
-          </a:prstGeom>
-          <a:solidFill>
-            <a:srgbClr val="FFC000"/>
-          </a:solidFill>
-        </p:spPr>
-        <p:style>
-          <a:lnRef idx="2">
-            <a:schemeClr val="accent1">
-              <a:shade val="15000"/>
-            </a:schemeClr>
-          </a:lnRef>
-          <a:fillRef idx="1">
-            <a:schemeClr val="accent1"/>
-          </a:fillRef>
-          <a:effectRef idx="0">
-            <a:schemeClr val="accent1"/>
-          </a:effectRef>
-          <a:fontRef idx="minor">
-            <a:schemeClr val="lt1"/>
-          </a:fontRef>
-        </p:style>
-        <p:txBody>
-          <a:bodyPr rtlCol="0" anchor="ctr"/>
-          <a:lstStyle/>
-          <a:p>
-            <a:pPr algn="ctr"/>
-            <a:endParaRPr lang="pt-PT"/>
-          </a:p>
-        </p:txBody>
-      </p:sp>
-      <p:sp>
-        <p:nvSpPr>
-          <p:cNvPr id="21" name="Estrela: 5 Pontos 20">
-            <a:extLst>
-              <a:ext uri="{FF2B5EF4-FFF2-40B4-BE49-F238E27FC236}">
-                <a16:creationId xmlns:a16="http://schemas.microsoft.com/office/drawing/2014/main" id="{93174C83-4C4A-F463-D2F9-82749BB173E8}"/>
-              </a:ext>
-            </a:extLst>
-          </p:cNvPr>
-          <p:cNvSpPr/>
-          <p:nvPr/>
-        </p:nvSpPr>
-        <p:spPr>
-          <a:xfrm>
-            <a:off x="6890043" y="3970023"/>
-            <a:ext cx="2160000" cy="2160000"/>
-          </a:xfrm>
-          <a:prstGeom prst="star5">
-            <a:avLst>
-              <a:gd name="adj" fmla="val 23486"/>
-              <a:gd name="hf" fmla="val 105146"/>
-              <a:gd name="vf" fmla="val 110557"/>
-            </a:avLst>
-          </a:prstGeom>
-          <a:solidFill>
-            <a:srgbClr val="FFC000"/>
-          </a:solidFill>
-        </p:spPr>
-        <p:style>
-          <a:lnRef idx="2">
-            <a:schemeClr val="accent1">
-              <a:shade val="15000"/>
-            </a:schemeClr>
-          </a:lnRef>
-          <a:fillRef idx="1">
-            <a:schemeClr val="accent1"/>
-          </a:fillRef>
-          <a:effectRef idx="0">
-            <a:schemeClr val="accent1"/>
-          </a:effectRef>
-          <a:fontRef idx="minor">
-            <a:schemeClr val="lt1"/>
-          </a:fontRef>
-        </p:style>
-        <p:txBody>
-          <a:bodyPr rtlCol="0" anchor="ctr"/>
-          <a:lstStyle/>
-          <a:p>
-            <a:pPr algn="ctr"/>
-            <a:endParaRPr lang="pt-PT"/>
-          </a:p>
-        </p:txBody>
-      </p:sp>
-      <p:sp>
-        <p:nvSpPr>
-          <p:cNvPr id="2" name="CaixaDeTexto 1">
-            <a:extLst>
-              <a:ext uri="{FF2B5EF4-FFF2-40B4-BE49-F238E27FC236}">
-                <a16:creationId xmlns:a16="http://schemas.microsoft.com/office/drawing/2014/main" id="{AA808D29-8C25-B5F8-37C5-4E7103503C99}"/>
-              </a:ext>
-            </a:extLst>
-          </p:cNvPr>
-          <p:cNvSpPr txBox="1"/>
-          <p:nvPr/>
-        </p:nvSpPr>
-        <p:spPr>
-          <a:xfrm>
-            <a:off x="5656031" y="3600449"/>
-            <a:ext cx="702675" cy="369332"/>
-          </a:xfrm>
-          <a:prstGeom prst="rect">
-            <a:avLst/>
-          </a:prstGeom>
-          <a:noFill/>
-        </p:spPr>
-        <p:txBody>
-          <a:bodyPr wrap="square" rtlCol="0">
-            <a:spAutoFit/>
-          </a:bodyPr>
-          <a:lstStyle/>
-          <a:p>
-            <a:pPr algn="r"/>
-            <a:r>
-              <a:rPr lang="pt-PT" b="1" dirty="0"/>
-              <a:t>ID 7</a:t>
-            </a:r>
-          </a:p>
-        </p:txBody>
-      </p:sp>
-      <p:sp>
-        <p:nvSpPr>
-          <p:cNvPr id="3" name="CaixaDeTexto 2">
-            <a:extLst>
-              <a:ext uri="{FF2B5EF4-FFF2-40B4-BE49-F238E27FC236}">
-                <a16:creationId xmlns:a16="http://schemas.microsoft.com/office/drawing/2014/main" id="{EB18230A-79A1-6A5F-3FA7-A8BA1EF2F741}"/>
-              </a:ext>
-            </a:extLst>
-          </p:cNvPr>
-          <p:cNvSpPr txBox="1"/>
-          <p:nvPr/>
-        </p:nvSpPr>
-        <p:spPr>
-          <a:xfrm>
-            <a:off x="2569920" y="3600449"/>
-            <a:ext cx="702675" cy="369332"/>
-          </a:xfrm>
-          <a:prstGeom prst="rect">
-            <a:avLst/>
-          </a:prstGeom>
-          <a:noFill/>
-        </p:spPr>
-        <p:txBody>
-          <a:bodyPr wrap="square" rtlCol="0">
-            <a:spAutoFit/>
-          </a:bodyPr>
-          <a:lstStyle/>
-          <a:p>
-            <a:pPr algn="r"/>
-            <a:r>
-              <a:rPr lang="pt-PT" b="1" dirty="0"/>
-              <a:t>ID 7</a:t>
-            </a:r>
-          </a:p>
-        </p:txBody>
-      </p:sp>
-      <p:sp>
-        <p:nvSpPr>
-          <p:cNvPr id="12" name="CaixaDeTexto 11">
-            <a:extLst>
-              <a:ext uri="{FF2B5EF4-FFF2-40B4-BE49-F238E27FC236}">
-                <a16:creationId xmlns:a16="http://schemas.microsoft.com/office/drawing/2014/main" id="{EF25E94A-A316-736E-EFDB-F21A67CA30D3}"/>
-              </a:ext>
-            </a:extLst>
-          </p:cNvPr>
-          <p:cNvSpPr txBox="1"/>
-          <p:nvPr/>
-        </p:nvSpPr>
-        <p:spPr>
-          <a:xfrm>
-            <a:off x="8698705" y="3600449"/>
-            <a:ext cx="702675" cy="369332"/>
-          </a:xfrm>
-          <a:prstGeom prst="rect">
-            <a:avLst/>
-          </a:prstGeom>
-          <a:noFill/>
-        </p:spPr>
-        <p:txBody>
-          <a:bodyPr wrap="square" rtlCol="0">
-            <a:spAutoFit/>
-          </a:bodyPr>
-          <a:lstStyle/>
-          <a:p>
-            <a:pPr algn="r"/>
-            <a:r>
-              <a:rPr lang="pt-PT" b="1" dirty="0"/>
-              <a:t>ID 7</a:t>
-            </a:r>
-          </a:p>
-        </p:txBody>
-      </p:sp>
-      <p:sp>
-        <p:nvSpPr>
-          <p:cNvPr id="13" name="CaixaDeTexto 12">
-            <a:extLst>
-              <a:ext uri="{FF2B5EF4-FFF2-40B4-BE49-F238E27FC236}">
-                <a16:creationId xmlns:a16="http://schemas.microsoft.com/office/drawing/2014/main" id="{42FB368F-ADDD-B4CF-1274-E2E3ADA68F7D}"/>
-              </a:ext>
-            </a:extLst>
-          </p:cNvPr>
-          <p:cNvSpPr txBox="1"/>
-          <p:nvPr/>
-        </p:nvSpPr>
-        <p:spPr>
-          <a:xfrm>
-            <a:off x="2561258" y="558525"/>
-            <a:ext cx="702675" cy="369332"/>
-          </a:xfrm>
-          <a:prstGeom prst="rect">
-            <a:avLst/>
-          </a:prstGeom>
-          <a:noFill/>
-        </p:spPr>
-        <p:txBody>
-          <a:bodyPr wrap="square" rtlCol="0">
-            <a:spAutoFit/>
-          </a:bodyPr>
-          <a:lstStyle/>
-          <a:p>
-            <a:pPr algn="r"/>
-            <a:r>
-              <a:rPr lang="pt-PT" b="1" dirty="0"/>
-              <a:t>ID 7</a:t>
-            </a:r>
-          </a:p>
-        </p:txBody>
-      </p:sp>
-      <p:sp>
-        <p:nvSpPr>
-          <p:cNvPr id="14" name="CaixaDeTexto 13">
-            <a:extLst>
-              <a:ext uri="{FF2B5EF4-FFF2-40B4-BE49-F238E27FC236}">
-                <a16:creationId xmlns:a16="http://schemas.microsoft.com/office/drawing/2014/main" id="{D07B01B6-ED7E-06BD-D400-5647BDBAB78F}"/>
-              </a:ext>
-            </a:extLst>
-          </p:cNvPr>
-          <p:cNvSpPr txBox="1"/>
-          <p:nvPr/>
-        </p:nvSpPr>
-        <p:spPr>
-          <a:xfrm>
-            <a:off x="5638705" y="558525"/>
-            <a:ext cx="702675" cy="369332"/>
-          </a:xfrm>
-          <a:prstGeom prst="rect">
-            <a:avLst/>
-          </a:prstGeom>
-          <a:noFill/>
-        </p:spPr>
-        <p:txBody>
-          <a:bodyPr wrap="square" rtlCol="0">
-            <a:spAutoFit/>
-          </a:bodyPr>
-          <a:lstStyle/>
-          <a:p>
-            <a:pPr algn="r"/>
-            <a:r>
-              <a:rPr lang="pt-PT" b="1" dirty="0"/>
-              <a:t>ID 7</a:t>
-            </a:r>
-          </a:p>
-        </p:txBody>
-      </p:sp>
-      <p:sp>
-        <p:nvSpPr>
-          <p:cNvPr id="15" name="CaixaDeTexto 14">
-            <a:extLst>
-              <a:ext uri="{FF2B5EF4-FFF2-40B4-BE49-F238E27FC236}">
-                <a16:creationId xmlns:a16="http://schemas.microsoft.com/office/drawing/2014/main" id="{E5828166-567A-8DE5-99C5-DABE9CCF91D2}"/>
-              </a:ext>
-            </a:extLst>
-          </p:cNvPr>
-          <p:cNvSpPr txBox="1"/>
-          <p:nvPr/>
-        </p:nvSpPr>
-        <p:spPr>
-          <a:xfrm>
-            <a:off x="8690042" y="558525"/>
-            <a:ext cx="702675" cy="369332"/>
-          </a:xfrm>
-          <a:prstGeom prst="rect">
-            <a:avLst/>
-          </a:prstGeom>
-          <a:noFill/>
-        </p:spPr>
-        <p:txBody>
-          <a:bodyPr wrap="square" rtlCol="0">
-            <a:spAutoFit/>
-          </a:bodyPr>
-          <a:lstStyle/>
-          <a:p>
-            <a:pPr algn="r"/>
-            <a:r>
-              <a:rPr lang="pt-PT" b="1" dirty="0"/>
-              <a:t>ID 7</a:t>
-            </a:r>
-          </a:p>
-        </p:txBody>
-      </p:sp>
-    </p:spTree>
-    <p:extLst>
-      <p:ext uri="{BB962C8B-B14F-4D97-AF65-F5344CB8AC3E}">
-        <p14:creationId xmlns:p14="http://schemas.microsoft.com/office/powerpoint/2010/main" val="583732547"/>
+        <p14:creationId xmlns:p14="http://schemas.microsoft.com/office/powerpoint/2010/main" val="2345404486"/>
       </p:ext>
     </p:extLst>
   </p:cSld>
